--- a/lectures/CSE8AW20-01-14-Lec3-Booleans-If/CSE8AW20-01-09-Lec3-Booleans-If-handout.pptx
+++ b/lectures/CSE8AW20-01-14-Lec3-Booleans-If/CSE8AW20-01-09-Lec3-Booleans-If-handout.pptx
@@ -2987,7 +2987,7 @@
         <p:spPr>
           <a:xfrm>
             <a:off x="211714" y="102793"/>
-            <a:ext cx="3228277" cy="2677656"/>
+            <a:ext cx="3238672" cy="3170099"/>
           </a:xfrm>
           <a:prstGeom prst="rect">
             <a:avLst/>
@@ -3193,6 +3193,40 @@
               <a:t>False</a:t>
             </a:r>
           </a:p>
+          <a:p>
+            <a:r>
+              <a:rPr lang="en-US" sz="800" dirty="0">
+                <a:latin typeface="Consolas" panose="020B0609020204030204" pitchFamily="49" charset="0"/>
+                <a:cs typeface="Consolas" panose="020B0609020204030204" pitchFamily="49" charset="0"/>
+              </a:rPr>
+              <a:t>&gt;&gt;&gt; "1" == 1</a:t>
+            </a:r>
+            <a:br>
+              <a:rPr lang="en-US" sz="800" dirty="0">
+                <a:latin typeface="Consolas" panose="020B0609020204030204" pitchFamily="49" charset="0"/>
+                <a:cs typeface="Consolas" panose="020B0609020204030204" pitchFamily="49" charset="0"/>
+              </a:rPr>
+            </a:br>
+            <a:endParaRPr lang="en-US" sz="800" dirty="0">
+              <a:latin typeface="Consolas" panose="020B0609020204030204" pitchFamily="49" charset="0"/>
+              <a:cs typeface="Consolas" panose="020B0609020204030204" pitchFamily="49" charset="0"/>
+            </a:endParaRPr>
+          </a:p>
+          <a:p>
+            <a:r>
+              <a:rPr lang="en-US" sz="800" dirty="0">
+                <a:latin typeface="Consolas" panose="020B0609020204030204" pitchFamily="49" charset="0"/>
+                <a:cs typeface="Consolas" panose="020B0609020204030204" pitchFamily="49" charset="0"/>
+              </a:rPr>
+              <a:t>&gt;&gt;&gt; "a" &lt; "b"</a:t>
+            </a:r>
+          </a:p>
+          <a:p>
+            <a:endParaRPr lang="en-US" sz="800" dirty="0">
+              <a:latin typeface="Consolas" panose="020B0609020204030204" pitchFamily="49" charset="0"/>
+              <a:cs typeface="Consolas" panose="020B0609020204030204" pitchFamily="49" charset="0"/>
+            </a:endParaRPr>
+          </a:p>
         </p:txBody>
       </p:sp>
       <p:sp>
@@ -3210,7 +3244,7 @@
         <p:spPr>
           <a:xfrm>
             <a:off x="3440151" y="394923"/>
-            <a:ext cx="819455" cy="246221"/>
+            <a:ext cx="689612" cy="215444"/>
           </a:xfrm>
           <a:prstGeom prst="rect">
             <a:avLst/>
@@ -3223,7 +3257,7 @@
           <a:lstStyle/>
           <a:p>
             <a:r>
-              <a:rPr lang="en-US" sz="1000" dirty="0">
+              <a:rPr lang="en-US" sz="800" dirty="0">
                 <a:latin typeface="Consolas" panose="020B0609020204030204" pitchFamily="49" charset="0"/>
                 <a:cs typeface="Consolas" panose="020B0609020204030204" pitchFamily="49" charset="0"/>
               </a:rPr>
@@ -3247,7 +3281,7 @@
         <p:spPr>
           <a:xfrm>
             <a:off x="3429000" y="605610"/>
-            <a:ext cx="3036533" cy="400110"/>
+            <a:ext cx="3036533" cy="338554"/>
           </a:xfrm>
           <a:prstGeom prst="rect">
             <a:avLst/>
@@ -3260,11 +3294,11 @@
           <a:lstStyle/>
           <a:p>
             <a:r>
-              <a:rPr lang="en-US" sz="1000" dirty="0">
+              <a:rPr lang="en-US" sz="800" dirty="0">
                 <a:latin typeface="Calibri" panose="020F0502020204030204" pitchFamily="34" charset="0"/>
                 <a:cs typeface="Calibri" panose="020F0502020204030204" pitchFamily="34" charset="0"/>
               </a:rPr>
-              <a:t>Compare numbers, strings and more. Returns True or False depending on the relationship of the values</a:t>
+              <a:t>Compare numbers, strings and more. Produces True or False depending on the relationship of the values</a:t>
             </a:r>
           </a:p>
         </p:txBody>
@@ -3284,7 +3318,7 @@
         <p:spPr>
           <a:xfrm>
             <a:off x="3470243" y="1093903"/>
-            <a:ext cx="325730" cy="246221"/>
+            <a:ext cx="296876" cy="215444"/>
           </a:xfrm>
           <a:prstGeom prst="rect">
             <a:avLst/>
@@ -3297,7 +3331,7 @@
           <a:lstStyle/>
           <a:p>
             <a:r>
-              <a:rPr lang="en-US" sz="1000" dirty="0">
+              <a:rPr lang="en-US" sz="800" dirty="0">
                 <a:latin typeface="Consolas" panose="020B0609020204030204" pitchFamily="49" charset="0"/>
                 <a:cs typeface="Consolas" panose="020B0609020204030204" pitchFamily="49" charset="0"/>
               </a:rPr>
@@ -3321,7 +3355,7 @@
         <p:spPr>
           <a:xfrm>
             <a:off x="3470243" y="1304003"/>
-            <a:ext cx="2608406" cy="246221"/>
+            <a:ext cx="2661306" cy="215444"/>
           </a:xfrm>
           <a:prstGeom prst="rect">
             <a:avLst/>
@@ -3334,11 +3368,11 @@
           <a:lstStyle/>
           <a:p>
             <a:r>
-              <a:rPr lang="en-US" sz="1000" dirty="0">
+              <a:rPr lang="en-US" sz="800" dirty="0">
                 <a:latin typeface="Calibri" panose="020F0502020204030204" pitchFamily="34" charset="0"/>
                 <a:cs typeface="Calibri" panose="020F0502020204030204" pitchFamily="34" charset="0"/>
               </a:rPr>
-              <a:t>Works on any two values, returns True if equal</a:t>
+              <a:t>Takes any two values, produces True if the values are equal</a:t>
             </a:r>
           </a:p>
         </p:txBody>
@@ -3357,8 +3391,8 @@
         </p:nvSpPr>
         <p:spPr>
           <a:xfrm>
-            <a:off x="3439991" y="2870609"/>
-            <a:ext cx="607859" cy="246221"/>
+            <a:off x="3439991" y="3416180"/>
+            <a:ext cx="521297" cy="215444"/>
           </a:xfrm>
           <a:prstGeom prst="rect">
             <a:avLst/>
@@ -3371,7 +3405,7 @@
           <a:lstStyle/>
           <a:p>
             <a:r>
-              <a:rPr lang="en-US" sz="1000" dirty="0">
+              <a:rPr lang="en-US" sz="800" dirty="0">
                 <a:latin typeface="Consolas" panose="020B0609020204030204" pitchFamily="49" charset="0"/>
                 <a:cs typeface="Consolas" panose="020B0609020204030204" pitchFamily="49" charset="0"/>
               </a:rPr>
@@ -3394,8 +3428,8 @@
         </p:nvSpPr>
         <p:spPr>
           <a:xfrm>
-            <a:off x="3439991" y="3032243"/>
-            <a:ext cx="3371436" cy="861774"/>
+            <a:off x="3439991" y="3577814"/>
+            <a:ext cx="2731838" cy="707886"/>
           </a:xfrm>
           <a:prstGeom prst="rect">
             <a:avLst/>
@@ -3408,35 +3442,35 @@
           <a:lstStyle/>
           <a:p>
             <a:r>
-              <a:rPr lang="en-US" sz="1000" dirty="0">
+              <a:rPr lang="en-US" sz="800" dirty="0">
                 <a:latin typeface="Calibri" panose="020F0502020204030204" pitchFamily="34" charset="0"/>
                 <a:cs typeface="Calibri" panose="020F0502020204030204" pitchFamily="34" charset="0"/>
               </a:rPr>
               <a:t>Take two </a:t>
             </a:r>
             <a:r>
-              <a:rPr lang="en-US" sz="1000" b="1" dirty="0" err="1">
+              <a:rPr lang="en-US" sz="800" b="1" dirty="0" err="1">
                 <a:latin typeface="Calibri" panose="020F0502020204030204" pitchFamily="34" charset="0"/>
                 <a:cs typeface="Calibri" panose="020F0502020204030204" pitchFamily="34" charset="0"/>
               </a:rPr>
               <a:t>booleans</a:t>
             </a:r>
             <a:r>
-              <a:rPr lang="en-US" sz="1000" dirty="0">
+              <a:rPr lang="en-US" sz="800" dirty="0">
                 <a:latin typeface="Calibri" panose="020F0502020204030204" pitchFamily="34" charset="0"/>
                 <a:cs typeface="Calibri" panose="020F0502020204030204" pitchFamily="34" charset="0"/>
               </a:rPr>
-              <a:t> and produces a new </a:t>
-            </a:r>
-            <a:r>
-              <a:rPr lang="en-US" sz="1000" dirty="0" err="1">
+              <a:t> and produce a new </a:t>
+            </a:r>
+            <a:r>
+              <a:rPr lang="en-US" sz="800" dirty="0" err="1">
                 <a:latin typeface="Calibri" panose="020F0502020204030204" pitchFamily="34" charset="0"/>
                 <a:cs typeface="Calibri" panose="020F0502020204030204" pitchFamily="34" charset="0"/>
               </a:rPr>
               <a:t>boolean</a:t>
             </a:r>
             <a:r>
-              <a:rPr lang="en-US" sz="1000" dirty="0">
+              <a:rPr lang="en-US" sz="800" dirty="0">
                 <a:latin typeface="Calibri" panose="020F0502020204030204" pitchFamily="34" charset="0"/>
                 <a:cs typeface="Calibri" panose="020F0502020204030204" pitchFamily="34" charset="0"/>
               </a:rPr>
@@ -3444,21 +3478,21 @@
             </a:r>
           </a:p>
           <a:p>
-            <a:endParaRPr lang="en-US" sz="1000" dirty="0">
+            <a:endParaRPr lang="en-US" sz="800" dirty="0">
               <a:latin typeface="Calibri" panose="020F0502020204030204" pitchFamily="34" charset="0"/>
               <a:cs typeface="Calibri" panose="020F0502020204030204" pitchFamily="34" charset="0"/>
             </a:endParaRPr>
           </a:p>
           <a:p>
             <a:r>
-              <a:rPr lang="en-US" sz="1000" dirty="0">
+              <a:rPr lang="en-US" sz="800" dirty="0">
                 <a:latin typeface="Consolas" panose="020B0609020204030204" pitchFamily="49" charset="0"/>
                 <a:cs typeface="Consolas" panose="020B0609020204030204" pitchFamily="49" charset="0"/>
               </a:rPr>
               <a:t>b1 and b2</a:t>
             </a:r>
             <a:r>
-              <a:rPr lang="en-US" sz="1000" dirty="0">
+              <a:rPr lang="en-US" sz="800" dirty="0">
                 <a:latin typeface="Calibri" panose="020F0502020204030204" pitchFamily="34" charset="0"/>
                 <a:cs typeface="Calibri" panose="020F0502020204030204" pitchFamily="34" charset="0"/>
               </a:rPr>
@@ -3466,21 +3500,21 @@
             </a:r>
           </a:p>
           <a:p>
-            <a:endParaRPr lang="en-US" sz="1000" dirty="0">
+            <a:endParaRPr lang="en-US" sz="800" dirty="0">
               <a:latin typeface="Calibri" panose="020F0502020204030204" pitchFamily="34" charset="0"/>
               <a:cs typeface="Calibri" panose="020F0502020204030204" pitchFamily="34" charset="0"/>
             </a:endParaRPr>
           </a:p>
           <a:p>
             <a:r>
-              <a:rPr lang="en-US" sz="1000" dirty="0">
+              <a:rPr lang="en-US" sz="800" dirty="0">
                 <a:latin typeface="Consolas" panose="020B0609020204030204" pitchFamily="49" charset="0"/>
                 <a:cs typeface="Consolas" panose="020B0609020204030204" pitchFamily="49" charset="0"/>
               </a:rPr>
               <a:t>b1 or b2</a:t>
             </a:r>
             <a:r>
-              <a:rPr lang="en-US" sz="1000" dirty="0">
+              <a:rPr lang="en-US" sz="800" dirty="0">
                 <a:latin typeface="Calibri" panose="020F0502020204030204" pitchFamily="34" charset="0"/>
                 <a:cs typeface="Calibri" panose="020F0502020204030204" pitchFamily="34" charset="0"/>
               </a:rPr>
@@ -3538,8 +3572,8 @@
         </p:nvSpPr>
         <p:spPr>
           <a:xfrm>
-            <a:off x="179337" y="5838969"/>
-            <a:ext cx="3249663" cy="2923877"/>
+            <a:off x="202203" y="5911332"/>
+            <a:ext cx="3249663" cy="3046988"/>
           </a:xfrm>
           <a:prstGeom prst="rect">
             <a:avLst/>
@@ -3737,6 +3771,12 @@
               <a:cs typeface="Consolas" panose="020B0609020204030204" pitchFamily="49" charset="0"/>
             </a:endParaRPr>
           </a:p>
+          <a:p>
+            <a:endParaRPr lang="en-US" sz="800" dirty="0">
+              <a:latin typeface="Consolas" panose="020B0609020204030204" pitchFamily="49" charset="0"/>
+              <a:cs typeface="Consolas" panose="020B0609020204030204" pitchFamily="49" charset="0"/>
+            </a:endParaRPr>
+          </a:p>
         </p:txBody>
       </p:sp>
       <p:sp>
@@ -3753,8 +3793,8 @@
         </p:nvSpPr>
         <p:spPr>
           <a:xfrm>
-            <a:off x="211714" y="2909326"/>
-            <a:ext cx="3228277" cy="2185214"/>
+            <a:off x="200723" y="3463323"/>
+            <a:ext cx="3249663" cy="2431435"/>
           </a:xfrm>
           <a:prstGeom prst="rect">
             <a:avLst/>
@@ -3912,6 +3952,18 @@
               <a:t>&gt;&gt;&gt; True or True</a:t>
             </a:r>
           </a:p>
+          <a:p>
+            <a:endParaRPr lang="en-US" sz="800" dirty="0">
+              <a:latin typeface="Consolas" panose="020B0609020204030204" pitchFamily="49" charset="0"/>
+              <a:cs typeface="Consolas" panose="020B0609020204030204" pitchFamily="49" charset="0"/>
+            </a:endParaRPr>
+          </a:p>
+          <a:p>
+            <a:endParaRPr lang="en-US" sz="800" dirty="0">
+              <a:latin typeface="Consolas" panose="020B0609020204030204" pitchFamily="49" charset="0"/>
+              <a:cs typeface="Consolas" panose="020B0609020204030204" pitchFamily="49" charset="0"/>
+            </a:endParaRPr>
+          </a:p>
         </p:txBody>
       </p:sp>
       <p:sp>
@@ -3928,8 +3980,8 @@
         </p:nvSpPr>
         <p:spPr>
           <a:xfrm>
-            <a:off x="3429000" y="5838969"/>
-            <a:ext cx="3249663" cy="2923877"/>
+            <a:off x="3451866" y="5911332"/>
+            <a:ext cx="3249663" cy="3046988"/>
           </a:xfrm>
           <a:prstGeom prst="rect">
             <a:avLst/>
@@ -4056,24 +4108,6 @@
             </a:endParaRPr>
           </a:p>
           <a:p>
-            <a:r>
-              <a:rPr lang="en-US" sz="800" dirty="0">
-                <a:latin typeface="Consolas" panose="020B0609020204030204" pitchFamily="49" charset="0"/>
-                <a:cs typeface="Consolas" panose="020B0609020204030204" pitchFamily="49" charset="0"/>
-              </a:rPr>
-              <a:t># write a function between, which takes three</a:t>
-            </a:r>
-          </a:p>
-          <a:p>
-            <a:r>
-              <a:rPr lang="en-US" sz="800" dirty="0">
-                <a:latin typeface="Consolas" panose="020B0609020204030204" pitchFamily="49" charset="0"/>
-                <a:cs typeface="Consolas" panose="020B0609020204030204" pitchFamily="49" charset="0"/>
-              </a:rPr>
-              <a:t># numbers x, y, z and checks if y is between x and z</a:t>
-            </a:r>
-          </a:p>
-          <a:p>
             <a:endParaRPr lang="en-US" sz="800" dirty="0">
               <a:latin typeface="Consolas" panose="020B0609020204030204" pitchFamily="49" charset="0"/>
               <a:cs typeface="Consolas" panose="020B0609020204030204" pitchFamily="49" charset="0"/>
@@ -4090,6 +4124,33 @@
               <a:latin typeface="Consolas" panose="020B0609020204030204" pitchFamily="49" charset="0"/>
               <a:cs typeface="Consolas" panose="020B0609020204030204" pitchFamily="49" charset="0"/>
             </a:endParaRPr>
+          </a:p>
+          <a:p>
+            <a:r>
+              <a:rPr lang="en-US" sz="800" dirty="0">
+                <a:latin typeface="Consolas" panose="020B0609020204030204" pitchFamily="49" charset="0"/>
+                <a:cs typeface="Consolas" panose="020B0609020204030204" pitchFamily="49" charset="0"/>
+              </a:rPr>
+              <a:t># write a function between, which takes three</a:t>
+            </a:r>
+          </a:p>
+          <a:p>
+            <a:r>
+              <a:rPr lang="en-US" sz="800" dirty="0">
+                <a:latin typeface="Consolas" panose="020B0609020204030204" pitchFamily="49" charset="0"/>
+                <a:cs typeface="Consolas" panose="020B0609020204030204" pitchFamily="49" charset="0"/>
+              </a:rPr>
+              <a:t># numbers x, y, z and returns true if y is</a:t>
+            </a:r>
+          </a:p>
+          <a:p>
+            <a:r>
+              <a:rPr lang="en-US" sz="800" dirty="0">
+                <a:latin typeface="Consolas" panose="020B0609020204030204" pitchFamily="49" charset="0"/>
+                <a:cs typeface="Consolas" panose="020B0609020204030204" pitchFamily="49" charset="0"/>
+              </a:rPr>
+              <a:t># between x and z.</a:t>
+            </a:r>
           </a:p>
           <a:p>
             <a:endParaRPr lang="en-US" sz="800" dirty="0">
@@ -4179,8 +4240,8 @@
         </p:nvSpPr>
         <p:spPr>
           <a:xfrm>
-            <a:off x="211714" y="102793"/>
-            <a:ext cx="3228277" cy="215444"/>
+            <a:off x="200723" y="150294"/>
+            <a:ext cx="3228277" cy="1200329"/>
           </a:xfrm>
           <a:prstGeom prst="rect">
             <a:avLst/>
@@ -4198,10 +4259,113 @@
           </a:bodyPr>
           <a:lstStyle/>
           <a:p>
-            <a:endParaRPr lang="en-US" sz="800" dirty="0">
-              <a:latin typeface="Consolas" panose="020B0609020204030204" pitchFamily="49" charset="0"/>
-              <a:cs typeface="Consolas" panose="020B0609020204030204" pitchFamily="49" charset="0"/>
-            </a:endParaRPr>
+            <a:r>
+              <a:rPr lang="en-US" sz="800" dirty="0">
+                <a:latin typeface="Consolas" panose="020B0609020204030204" pitchFamily="49" charset="0"/>
+                <a:cs typeface="Consolas" panose="020B0609020204030204" pitchFamily="49" charset="0"/>
+              </a:rPr>
+              <a:t>== RESTART ...</a:t>
+            </a:r>
+          </a:p>
+          <a:p>
+            <a:r>
+              <a:rPr lang="en-US" sz="800" dirty="0">
+                <a:latin typeface="Consolas" panose="020B0609020204030204" pitchFamily="49" charset="0"/>
+                <a:cs typeface="Consolas" panose="020B0609020204030204" pitchFamily="49" charset="0"/>
+              </a:rPr>
+              <a:t>&gt;&gt;&gt; </a:t>
+            </a:r>
+            <a:r>
+              <a:rPr lang="en-US" sz="800" dirty="0" err="1">
+                <a:latin typeface="Consolas" panose="020B0609020204030204" pitchFamily="49" charset="0"/>
+                <a:cs typeface="Consolas" panose="020B0609020204030204" pitchFamily="49" charset="0"/>
+              </a:rPr>
+              <a:t>my_abs</a:t>
+            </a:r>
+            <a:r>
+              <a:rPr lang="en-US" sz="800" dirty="0">
+                <a:latin typeface="Consolas" panose="020B0609020204030204" pitchFamily="49" charset="0"/>
+                <a:cs typeface="Consolas" panose="020B0609020204030204" pitchFamily="49" charset="0"/>
+              </a:rPr>
+              <a:t>(-1)</a:t>
+            </a:r>
+          </a:p>
+          <a:p>
+            <a:r>
+              <a:rPr lang="en-US" sz="800" dirty="0">
+                <a:latin typeface="Consolas" panose="020B0609020204030204" pitchFamily="49" charset="0"/>
+                <a:cs typeface="Consolas" panose="020B0609020204030204" pitchFamily="49" charset="0"/>
+              </a:rPr>
+              <a:t>1</a:t>
+            </a:r>
+          </a:p>
+          <a:p>
+            <a:r>
+              <a:rPr lang="en-US" sz="800" dirty="0">
+                <a:latin typeface="Consolas" panose="020B0609020204030204" pitchFamily="49" charset="0"/>
+                <a:cs typeface="Consolas" panose="020B0609020204030204" pitchFamily="49" charset="0"/>
+              </a:rPr>
+              <a:t>&gt;&gt;&gt; </a:t>
+            </a:r>
+            <a:r>
+              <a:rPr lang="en-US" sz="800" dirty="0" err="1">
+                <a:latin typeface="Consolas" panose="020B0609020204030204" pitchFamily="49" charset="0"/>
+                <a:cs typeface="Consolas" panose="020B0609020204030204" pitchFamily="49" charset="0"/>
+              </a:rPr>
+              <a:t>my_abs</a:t>
+            </a:r>
+            <a:r>
+              <a:rPr lang="en-US" sz="800" dirty="0">
+                <a:latin typeface="Consolas" panose="020B0609020204030204" pitchFamily="49" charset="0"/>
+                <a:cs typeface="Consolas" panose="020B0609020204030204" pitchFamily="49" charset="0"/>
+              </a:rPr>
+              <a:t>(0)</a:t>
+            </a:r>
+          </a:p>
+          <a:p>
+            <a:r>
+              <a:rPr lang="en-US" sz="800" dirty="0">
+                <a:latin typeface="Consolas" panose="020B0609020204030204" pitchFamily="49" charset="0"/>
+                <a:cs typeface="Consolas" panose="020B0609020204030204" pitchFamily="49" charset="0"/>
+              </a:rPr>
+              <a:t>0</a:t>
+            </a:r>
+          </a:p>
+          <a:p>
+            <a:r>
+              <a:rPr lang="en-US" sz="800" dirty="0">
+                <a:latin typeface="Consolas" panose="020B0609020204030204" pitchFamily="49" charset="0"/>
+                <a:cs typeface="Consolas" panose="020B0609020204030204" pitchFamily="49" charset="0"/>
+              </a:rPr>
+              <a:t>&gt;&gt;&gt; letter_grade1(50)</a:t>
+            </a:r>
+          </a:p>
+          <a:p>
+            <a:r>
+              <a:rPr lang="en-US" sz="800" dirty="0">
+                <a:latin typeface="Consolas" panose="020B0609020204030204" pitchFamily="49" charset="0"/>
+                <a:cs typeface="Consolas" panose="020B0609020204030204" pitchFamily="49" charset="0"/>
+              </a:rPr>
+              <a:t>"F"</a:t>
+            </a:r>
+          </a:p>
+          <a:p>
+            <a:r>
+              <a:rPr lang="en-US" sz="800" dirty="0">
+                <a:latin typeface="Consolas" panose="020B0609020204030204" pitchFamily="49" charset="0"/>
+                <a:cs typeface="Consolas" panose="020B0609020204030204" pitchFamily="49" charset="0"/>
+              </a:rPr>
+              <a:t>&gt;&gt;&gt; letter_grade1(75)</a:t>
+            </a:r>
+          </a:p>
+          <a:p>
+            <a:r>
+              <a:rPr lang="en-US" sz="800" dirty="0">
+                <a:latin typeface="Consolas" panose="020B0609020204030204" pitchFamily="49" charset="0"/>
+                <a:cs typeface="Consolas" panose="020B0609020204030204" pitchFamily="49" charset="0"/>
+              </a:rPr>
+              <a:t>"C"</a:t>
+            </a:r>
           </a:p>
         </p:txBody>
       </p:sp>
@@ -4219,8 +4383,8 @@
         </p:nvSpPr>
         <p:spPr>
           <a:xfrm>
-            <a:off x="3439991" y="102793"/>
-            <a:ext cx="3249663" cy="4401205"/>
+            <a:off x="3429000" y="150294"/>
+            <a:ext cx="3249663" cy="6001643"/>
           </a:xfrm>
           <a:prstGeom prst="rect">
             <a:avLst/>
@@ -4303,24 +4467,344 @@
             </a:endParaRPr>
           </a:p>
           <a:p>
+            <a:r>
+              <a:rPr lang="en-US" sz="800" dirty="0">
+                <a:latin typeface="Consolas" panose="020B0609020204030204" pitchFamily="49" charset="0"/>
+                <a:cs typeface="Consolas" panose="020B0609020204030204" pitchFamily="49" charset="0"/>
+              </a:rPr>
+              <a:t>def letter_grade1(points):</a:t>
+            </a:r>
+          </a:p>
+          <a:p>
+            <a:r>
+              <a:rPr lang="en-US" sz="800" dirty="0">
+                <a:latin typeface="Consolas" panose="020B0609020204030204" pitchFamily="49" charset="0"/>
+                <a:cs typeface="Consolas" panose="020B0609020204030204" pitchFamily="49" charset="0"/>
+              </a:rPr>
+              <a:t>  if points &gt;= 90: return "A"</a:t>
+            </a:r>
+          </a:p>
+          <a:p>
+            <a:r>
+              <a:rPr lang="en-US" sz="800" dirty="0">
+                <a:latin typeface="Consolas" panose="020B0609020204030204" pitchFamily="49" charset="0"/>
+                <a:cs typeface="Consolas" panose="020B0609020204030204" pitchFamily="49" charset="0"/>
+              </a:rPr>
+              <a:t>  </a:t>
+            </a:r>
+            <a:r>
+              <a:rPr lang="en-US" sz="800" dirty="0" err="1">
+                <a:latin typeface="Consolas" panose="020B0609020204030204" pitchFamily="49" charset="0"/>
+                <a:cs typeface="Consolas" panose="020B0609020204030204" pitchFamily="49" charset="0"/>
+              </a:rPr>
+              <a:t>elif</a:t>
+            </a:r>
+            <a:r>
+              <a:rPr lang="en-US" sz="800" dirty="0">
+                <a:latin typeface="Consolas" panose="020B0609020204030204" pitchFamily="49" charset="0"/>
+                <a:cs typeface="Consolas" panose="020B0609020204030204" pitchFamily="49" charset="0"/>
+              </a:rPr>
+              <a:t> points &gt;= 80: return "B"</a:t>
+            </a:r>
+          </a:p>
+          <a:p>
+            <a:r>
+              <a:rPr lang="en-US" sz="800" dirty="0">
+                <a:latin typeface="Consolas" panose="020B0609020204030204" pitchFamily="49" charset="0"/>
+                <a:cs typeface="Consolas" panose="020B0609020204030204" pitchFamily="49" charset="0"/>
+              </a:rPr>
+              <a:t>  </a:t>
+            </a:r>
+            <a:r>
+              <a:rPr lang="en-US" sz="800" dirty="0" err="1">
+                <a:latin typeface="Consolas" panose="020B0609020204030204" pitchFamily="49" charset="0"/>
+                <a:cs typeface="Consolas" panose="020B0609020204030204" pitchFamily="49" charset="0"/>
+              </a:rPr>
+              <a:t>elif</a:t>
+            </a:r>
+            <a:r>
+              <a:rPr lang="en-US" sz="800" dirty="0">
+                <a:latin typeface="Consolas" panose="020B0609020204030204" pitchFamily="49" charset="0"/>
+                <a:cs typeface="Consolas" panose="020B0609020204030204" pitchFamily="49" charset="0"/>
+              </a:rPr>
+              <a:t> points &gt;= 70: return "C"</a:t>
+            </a:r>
+          </a:p>
+          <a:p>
+            <a:r>
+              <a:rPr lang="en-US" sz="800" dirty="0">
+                <a:latin typeface="Consolas" panose="020B0609020204030204" pitchFamily="49" charset="0"/>
+                <a:cs typeface="Consolas" panose="020B0609020204030204" pitchFamily="49" charset="0"/>
+              </a:rPr>
+              <a:t>  else: return "F"</a:t>
+            </a:r>
+          </a:p>
+          <a:p>
             <a:endParaRPr lang="en-US" sz="800" dirty="0">
               <a:latin typeface="Consolas" panose="020B0609020204030204" pitchFamily="49" charset="0"/>
               <a:cs typeface="Consolas" panose="020B0609020204030204" pitchFamily="49" charset="0"/>
             </a:endParaRPr>
           </a:p>
           <a:p>
+            <a:r>
+              <a:rPr lang="en-US" sz="800" dirty="0">
+                <a:latin typeface="Consolas" panose="020B0609020204030204" pitchFamily="49" charset="0"/>
+                <a:cs typeface="Consolas" panose="020B0609020204030204" pitchFamily="49" charset="0"/>
+              </a:rPr>
+              <a:t>def letter_grade2(points):</a:t>
+            </a:r>
+          </a:p>
+          <a:p>
+            <a:r>
+              <a:rPr lang="en-US" sz="800" dirty="0">
+                <a:latin typeface="Consolas" panose="020B0609020204030204" pitchFamily="49" charset="0"/>
+                <a:cs typeface="Consolas" panose="020B0609020204030204" pitchFamily="49" charset="0"/>
+              </a:rPr>
+              <a:t>  if points &gt;= 90: return "A"</a:t>
+            </a:r>
+          </a:p>
+          <a:p>
+            <a:r>
+              <a:rPr lang="en-US" sz="800" dirty="0">
+                <a:latin typeface="Consolas" panose="020B0609020204030204" pitchFamily="49" charset="0"/>
+                <a:cs typeface="Consolas" panose="020B0609020204030204" pitchFamily="49" charset="0"/>
+              </a:rPr>
+              <a:t>  </a:t>
+            </a:r>
+            <a:r>
+              <a:rPr lang="en-US" sz="800" dirty="0" err="1">
+                <a:latin typeface="Consolas" panose="020B0609020204030204" pitchFamily="49" charset="0"/>
+                <a:cs typeface="Consolas" panose="020B0609020204030204" pitchFamily="49" charset="0"/>
+              </a:rPr>
+              <a:t>elif</a:t>
+            </a:r>
+            <a:r>
+              <a:rPr lang="en-US" sz="800" dirty="0">
+                <a:latin typeface="Consolas" panose="020B0609020204030204" pitchFamily="49" charset="0"/>
+                <a:cs typeface="Consolas" panose="020B0609020204030204" pitchFamily="49" charset="0"/>
+              </a:rPr>
+              <a:t> points &gt;= 80: return "B"</a:t>
+            </a:r>
+          </a:p>
+          <a:p>
+            <a:r>
+              <a:rPr lang="en-US" sz="800" dirty="0">
+                <a:latin typeface="Consolas" panose="020B0609020204030204" pitchFamily="49" charset="0"/>
+                <a:cs typeface="Consolas" panose="020B0609020204030204" pitchFamily="49" charset="0"/>
+              </a:rPr>
+              <a:t>  </a:t>
+            </a:r>
+            <a:r>
+              <a:rPr lang="en-US" sz="800" dirty="0" err="1">
+                <a:latin typeface="Consolas" panose="020B0609020204030204" pitchFamily="49" charset="0"/>
+                <a:cs typeface="Consolas" panose="020B0609020204030204" pitchFamily="49" charset="0"/>
+              </a:rPr>
+              <a:t>elif</a:t>
+            </a:r>
+            <a:r>
+              <a:rPr lang="en-US" sz="800" dirty="0">
+                <a:latin typeface="Consolas" panose="020B0609020204030204" pitchFamily="49" charset="0"/>
+                <a:cs typeface="Consolas" panose="020B0609020204030204" pitchFamily="49" charset="0"/>
+              </a:rPr>
+              <a:t> points &gt;= 70: return "C"</a:t>
+            </a:r>
+          </a:p>
+          <a:p>
+            <a:r>
+              <a:rPr lang="en-US" sz="800" dirty="0">
+                <a:latin typeface="Consolas" panose="020B0609020204030204" pitchFamily="49" charset="0"/>
+                <a:cs typeface="Consolas" panose="020B0609020204030204" pitchFamily="49" charset="0"/>
+              </a:rPr>
+              <a:t>  </a:t>
+            </a:r>
+            <a:r>
+              <a:rPr lang="en-US" sz="800" dirty="0" err="1">
+                <a:latin typeface="Consolas" panose="020B0609020204030204" pitchFamily="49" charset="0"/>
+                <a:cs typeface="Consolas" panose="020B0609020204030204" pitchFamily="49" charset="0"/>
+              </a:rPr>
+              <a:t>elif</a:t>
+            </a:r>
+            <a:r>
+              <a:rPr lang="en-US" sz="800" dirty="0">
+                <a:latin typeface="Consolas" panose="020B0609020204030204" pitchFamily="49" charset="0"/>
+                <a:cs typeface="Consolas" panose="020B0609020204030204" pitchFamily="49" charset="0"/>
+              </a:rPr>
+              <a:t> points &lt; 70: return "F"</a:t>
+            </a:r>
+          </a:p>
+          <a:p>
             <a:endParaRPr lang="en-US" sz="800" dirty="0">
               <a:latin typeface="Consolas" panose="020B0609020204030204" pitchFamily="49" charset="0"/>
               <a:cs typeface="Consolas" panose="020B0609020204030204" pitchFamily="49" charset="0"/>
             </a:endParaRPr>
           </a:p>
           <a:p>
+            <a:r>
+              <a:rPr lang="en-US" sz="800" dirty="0">
+                <a:latin typeface="Consolas" panose="020B0609020204030204" pitchFamily="49" charset="0"/>
+                <a:cs typeface="Consolas" panose="020B0609020204030204" pitchFamily="49" charset="0"/>
+              </a:rPr>
+              <a:t>def letter_grade3(points):</a:t>
+            </a:r>
+          </a:p>
+          <a:p>
+            <a:r>
+              <a:rPr lang="en-US" sz="800" dirty="0">
+                <a:latin typeface="Consolas" panose="020B0609020204030204" pitchFamily="49" charset="0"/>
+                <a:cs typeface="Consolas" panose="020B0609020204030204" pitchFamily="49" charset="0"/>
+              </a:rPr>
+              <a:t>  if points &lt; 70: return "F"</a:t>
+            </a:r>
+          </a:p>
+          <a:p>
+            <a:r>
+              <a:rPr lang="en-US" sz="800" dirty="0">
+                <a:latin typeface="Consolas" panose="020B0609020204030204" pitchFamily="49" charset="0"/>
+                <a:cs typeface="Consolas" panose="020B0609020204030204" pitchFamily="49" charset="0"/>
+              </a:rPr>
+              <a:t>  </a:t>
+            </a:r>
+            <a:r>
+              <a:rPr lang="en-US" sz="800" dirty="0" err="1">
+                <a:latin typeface="Consolas" panose="020B0609020204030204" pitchFamily="49" charset="0"/>
+                <a:cs typeface="Consolas" panose="020B0609020204030204" pitchFamily="49" charset="0"/>
+              </a:rPr>
+              <a:t>elif</a:t>
+            </a:r>
+            <a:r>
+              <a:rPr lang="en-US" sz="800" dirty="0">
+                <a:latin typeface="Consolas" panose="020B0609020204030204" pitchFamily="49" charset="0"/>
+                <a:cs typeface="Consolas" panose="020B0609020204030204" pitchFamily="49" charset="0"/>
+              </a:rPr>
+              <a:t> points &gt;= 70: return "C"</a:t>
+            </a:r>
+          </a:p>
+          <a:p>
+            <a:r>
+              <a:rPr lang="en-US" sz="800" dirty="0">
+                <a:latin typeface="Consolas" panose="020B0609020204030204" pitchFamily="49" charset="0"/>
+                <a:cs typeface="Consolas" panose="020B0609020204030204" pitchFamily="49" charset="0"/>
+              </a:rPr>
+              <a:t>  </a:t>
+            </a:r>
+            <a:r>
+              <a:rPr lang="en-US" sz="800" dirty="0" err="1">
+                <a:latin typeface="Consolas" panose="020B0609020204030204" pitchFamily="49" charset="0"/>
+                <a:cs typeface="Consolas" panose="020B0609020204030204" pitchFamily="49" charset="0"/>
+              </a:rPr>
+              <a:t>elif</a:t>
+            </a:r>
+            <a:r>
+              <a:rPr lang="en-US" sz="800" dirty="0">
+                <a:latin typeface="Consolas" panose="020B0609020204030204" pitchFamily="49" charset="0"/>
+                <a:cs typeface="Consolas" panose="020B0609020204030204" pitchFamily="49" charset="0"/>
+              </a:rPr>
+              <a:t> points &gt;= 80: return "B"</a:t>
+            </a:r>
+          </a:p>
+          <a:p>
+            <a:r>
+              <a:rPr lang="en-US" sz="800" dirty="0">
+                <a:latin typeface="Consolas" panose="020B0609020204030204" pitchFamily="49" charset="0"/>
+                <a:cs typeface="Consolas" panose="020B0609020204030204" pitchFamily="49" charset="0"/>
+              </a:rPr>
+              <a:t>  </a:t>
+            </a:r>
+            <a:r>
+              <a:rPr lang="en-US" sz="800" dirty="0" err="1">
+                <a:latin typeface="Consolas" panose="020B0609020204030204" pitchFamily="49" charset="0"/>
+                <a:cs typeface="Consolas" panose="020B0609020204030204" pitchFamily="49" charset="0"/>
+              </a:rPr>
+              <a:t>elif</a:t>
+            </a:r>
+            <a:r>
+              <a:rPr lang="en-US" sz="800" dirty="0">
+                <a:latin typeface="Consolas" panose="020B0609020204030204" pitchFamily="49" charset="0"/>
+                <a:cs typeface="Consolas" panose="020B0609020204030204" pitchFamily="49" charset="0"/>
+              </a:rPr>
+              <a:t> points &gt;= 90: return "A" </a:t>
+            </a:r>
+          </a:p>
+          <a:p>
             <a:endParaRPr lang="en-US" sz="800" dirty="0">
               <a:latin typeface="Consolas" panose="020B0609020204030204" pitchFamily="49" charset="0"/>
               <a:cs typeface="Consolas" panose="020B0609020204030204" pitchFamily="49" charset="0"/>
             </a:endParaRPr>
           </a:p>
           <a:p>
+            <a:r>
+              <a:rPr lang="en-US" sz="800" dirty="0">
+                <a:latin typeface="Consolas" panose="020B0609020204030204" pitchFamily="49" charset="0"/>
+                <a:cs typeface="Consolas" panose="020B0609020204030204" pitchFamily="49" charset="0"/>
+              </a:rPr>
+              <a:t>def letter_grade4(points):</a:t>
+            </a:r>
+          </a:p>
+          <a:p>
+            <a:r>
+              <a:rPr lang="en-US" sz="800" dirty="0">
+                <a:latin typeface="Consolas" panose="020B0609020204030204" pitchFamily="49" charset="0"/>
+                <a:cs typeface="Consolas" panose="020B0609020204030204" pitchFamily="49" charset="0"/>
+              </a:rPr>
+              <a:t>  if points &lt; 70: return "F"</a:t>
+            </a:r>
+          </a:p>
+          <a:p>
+            <a:r>
+              <a:rPr lang="en-US" sz="800" dirty="0">
+                <a:latin typeface="Consolas" panose="020B0609020204030204" pitchFamily="49" charset="0"/>
+                <a:cs typeface="Consolas" panose="020B0609020204030204" pitchFamily="49" charset="0"/>
+              </a:rPr>
+              <a:t>  </a:t>
+            </a:r>
+            <a:r>
+              <a:rPr lang="en-US" sz="800" dirty="0" err="1">
+                <a:latin typeface="Consolas" panose="020B0609020204030204" pitchFamily="49" charset="0"/>
+                <a:cs typeface="Consolas" panose="020B0609020204030204" pitchFamily="49" charset="0"/>
+              </a:rPr>
+              <a:t>elif</a:t>
+            </a:r>
+            <a:r>
+              <a:rPr lang="en-US" sz="800" dirty="0">
+                <a:latin typeface="Consolas" panose="020B0609020204030204" pitchFamily="49" charset="0"/>
+                <a:cs typeface="Consolas" panose="020B0609020204030204" pitchFamily="49" charset="0"/>
+              </a:rPr>
+              <a:t> points &lt; 80: return "C"</a:t>
+            </a:r>
+          </a:p>
+          <a:p>
+            <a:r>
+              <a:rPr lang="en-US" sz="800" dirty="0">
+                <a:latin typeface="Consolas" panose="020B0609020204030204" pitchFamily="49" charset="0"/>
+                <a:cs typeface="Consolas" panose="020B0609020204030204" pitchFamily="49" charset="0"/>
+              </a:rPr>
+              <a:t>  </a:t>
+            </a:r>
+            <a:r>
+              <a:rPr lang="en-US" sz="800" dirty="0" err="1">
+                <a:latin typeface="Consolas" panose="020B0609020204030204" pitchFamily="49" charset="0"/>
+                <a:cs typeface="Consolas" panose="020B0609020204030204" pitchFamily="49" charset="0"/>
+              </a:rPr>
+              <a:t>elif</a:t>
+            </a:r>
+            <a:r>
+              <a:rPr lang="en-US" sz="800" dirty="0">
+                <a:latin typeface="Consolas" panose="020B0609020204030204" pitchFamily="49" charset="0"/>
+                <a:cs typeface="Consolas" panose="020B0609020204030204" pitchFamily="49" charset="0"/>
+              </a:rPr>
+              <a:t> points &lt; 90: return "B"</a:t>
+            </a:r>
+          </a:p>
+          <a:p>
+            <a:r>
+              <a:rPr lang="en-US" sz="800" dirty="0">
+                <a:latin typeface="Consolas" panose="020B0609020204030204" pitchFamily="49" charset="0"/>
+                <a:cs typeface="Consolas" panose="020B0609020204030204" pitchFamily="49" charset="0"/>
+              </a:rPr>
+              <a:t>  else: return "A"</a:t>
+            </a:r>
+          </a:p>
+          <a:p>
             <a:endParaRPr lang="en-US" sz="800" dirty="0">
               <a:latin typeface="Consolas" panose="020B0609020204030204" pitchFamily="49" charset="0"/>
               <a:cs typeface="Consolas" panose="020B0609020204030204" pitchFamily="49" charset="0"/>
@@ -4332,71 +4816,48 @@
                 <a:latin typeface="Consolas" panose="020B0609020204030204" pitchFamily="49" charset="0"/>
                 <a:cs typeface="Consolas" panose="020B0609020204030204" pitchFamily="49" charset="0"/>
               </a:rPr>
-              <a:t>def letter_grade1(points):</a:t>
-            </a:r>
-          </a:p>
-          <a:p>
-            <a:r>
-              <a:rPr lang="en-US" sz="800" dirty="0">
-                <a:latin typeface="Consolas" panose="020B0609020204030204" pitchFamily="49" charset="0"/>
-                <a:cs typeface="Consolas" panose="020B0609020204030204" pitchFamily="49" charset="0"/>
-              </a:rPr>
-              <a:t>  if points &gt;= 90: return "A"</a:t>
-            </a:r>
-          </a:p>
-          <a:p>
-            <a:r>
-              <a:rPr lang="en-US" sz="800" dirty="0">
-                <a:latin typeface="Consolas" panose="020B0609020204030204" pitchFamily="49" charset="0"/>
-                <a:cs typeface="Consolas" panose="020B0609020204030204" pitchFamily="49" charset="0"/>
-              </a:rPr>
-              <a:t>  </a:t>
+              <a:t># Write a function </a:t>
             </a:r>
             <a:r>
               <a:rPr lang="en-US" sz="800" dirty="0" err="1">
                 <a:latin typeface="Consolas" panose="020B0609020204030204" pitchFamily="49" charset="0"/>
                 <a:cs typeface="Consolas" panose="020B0609020204030204" pitchFamily="49" charset="0"/>
               </a:rPr>
-              <a:t>elif</a:t>
-            </a:r>
-            <a:r>
-              <a:rPr lang="en-US" sz="800" dirty="0">
-                <a:latin typeface="Consolas" panose="020B0609020204030204" pitchFamily="49" charset="0"/>
-                <a:cs typeface="Consolas" panose="020B0609020204030204" pitchFamily="49" charset="0"/>
-              </a:rPr>
-              <a:t> points &gt;= 80: return "B"</a:t>
-            </a:r>
-          </a:p>
-          <a:p>
-            <a:r>
-              <a:rPr lang="en-US" sz="800" dirty="0">
-                <a:latin typeface="Consolas" panose="020B0609020204030204" pitchFamily="49" charset="0"/>
-                <a:cs typeface="Consolas" panose="020B0609020204030204" pitchFamily="49" charset="0"/>
-              </a:rPr>
-              <a:t>  </a:t>
-            </a:r>
-            <a:r>
-              <a:rPr lang="en-US" sz="800" dirty="0" err="1">
-                <a:latin typeface="Consolas" panose="020B0609020204030204" pitchFamily="49" charset="0"/>
-                <a:cs typeface="Consolas" panose="020B0609020204030204" pitchFamily="49" charset="0"/>
-              </a:rPr>
-              <a:t>elif</a:t>
-            </a:r>
-            <a:r>
-              <a:rPr lang="en-US" sz="800" dirty="0">
-                <a:latin typeface="Consolas" panose="020B0609020204030204" pitchFamily="49" charset="0"/>
-                <a:cs typeface="Consolas" panose="020B0609020204030204" pitchFamily="49" charset="0"/>
-              </a:rPr>
-              <a:t> points &gt;= 70: return "C"</a:t>
-            </a:r>
-          </a:p>
-          <a:p>
-            <a:r>
-              <a:rPr lang="en-US" sz="800" dirty="0">
-                <a:latin typeface="Consolas" panose="020B0609020204030204" pitchFamily="49" charset="0"/>
-                <a:cs typeface="Consolas" panose="020B0609020204030204" pitchFamily="49" charset="0"/>
-              </a:rPr>
-              <a:t>  else: return "F"</a:t>
+              <a:t>phase_of_water</a:t>
+            </a:r>
+            <a:r>
+              <a:rPr lang="en-US" sz="800" dirty="0">
+                <a:latin typeface="Consolas" panose="020B0609020204030204" pitchFamily="49" charset="0"/>
+                <a:cs typeface="Consolas" panose="020B0609020204030204" pitchFamily="49" charset="0"/>
+              </a:rPr>
+              <a:t> that takes a number</a:t>
+            </a:r>
+          </a:p>
+          <a:p>
+            <a:r>
+              <a:rPr lang="en-US" sz="800" dirty="0">
+                <a:latin typeface="Consolas" panose="020B0609020204030204" pitchFamily="49" charset="0"/>
+                <a:cs typeface="Consolas" panose="020B0609020204030204" pitchFamily="49" charset="0"/>
+              </a:rPr>
+              <a:t># representing degrees Celsius and returns "liquid",</a:t>
+            </a:r>
+          </a:p>
+          <a:p>
+            <a:r>
+              <a:rPr lang="en-US" sz="800" dirty="0">
+                <a:latin typeface="Consolas" panose="020B0609020204030204" pitchFamily="49" charset="0"/>
+                <a:cs typeface="Consolas" panose="020B0609020204030204" pitchFamily="49" charset="0"/>
+              </a:rPr>
+              <a:t># "solid", or "gas" depending on if water would be</a:t>
+            </a:r>
+          </a:p>
+          <a:p>
+            <a:r>
+              <a:rPr lang="en-US" sz="800" dirty="0">
+                <a:latin typeface="Consolas" panose="020B0609020204030204" pitchFamily="49" charset="0"/>
+                <a:cs typeface="Consolas" panose="020B0609020204030204" pitchFamily="49" charset="0"/>
+              </a:rPr>
+              <a:t># liquid, ice, or steam at that temperature.</a:t>
             </a:r>
           </a:p>
           <a:p>
@@ -4406,98 +4867,6 @@
             </a:endParaRPr>
           </a:p>
           <a:p>
-            <a:r>
-              <a:rPr lang="en-US" sz="800" dirty="0">
-                <a:latin typeface="Consolas" panose="020B0609020204030204" pitchFamily="49" charset="0"/>
-                <a:cs typeface="Consolas" panose="020B0609020204030204" pitchFamily="49" charset="0"/>
-              </a:rPr>
-              <a:t>def letter_grade2(points):</a:t>
-            </a:r>
-          </a:p>
-          <a:p>
-            <a:r>
-              <a:rPr lang="en-US" sz="800" dirty="0">
-                <a:latin typeface="Consolas" panose="020B0609020204030204" pitchFamily="49" charset="0"/>
-                <a:cs typeface="Consolas" panose="020B0609020204030204" pitchFamily="49" charset="0"/>
-              </a:rPr>
-              <a:t>  if points &gt;= 90: return "A"</a:t>
-            </a:r>
-          </a:p>
-          <a:p>
-            <a:r>
-              <a:rPr lang="en-US" sz="800" dirty="0">
-                <a:latin typeface="Consolas" panose="020B0609020204030204" pitchFamily="49" charset="0"/>
-                <a:cs typeface="Consolas" panose="020B0609020204030204" pitchFamily="49" charset="0"/>
-              </a:rPr>
-              <a:t>  </a:t>
-            </a:r>
-            <a:r>
-              <a:rPr lang="en-US" sz="800" dirty="0" err="1">
-                <a:latin typeface="Consolas" panose="020B0609020204030204" pitchFamily="49" charset="0"/>
-                <a:cs typeface="Consolas" panose="020B0609020204030204" pitchFamily="49" charset="0"/>
-              </a:rPr>
-              <a:t>elif</a:t>
-            </a:r>
-            <a:r>
-              <a:rPr lang="en-US" sz="800" dirty="0">
-                <a:latin typeface="Consolas" panose="020B0609020204030204" pitchFamily="49" charset="0"/>
-                <a:cs typeface="Consolas" panose="020B0609020204030204" pitchFamily="49" charset="0"/>
-              </a:rPr>
-              <a:t> points &gt;= 80: return "B"</a:t>
-            </a:r>
-          </a:p>
-          <a:p>
-            <a:r>
-              <a:rPr lang="en-US" sz="800" dirty="0">
-                <a:latin typeface="Consolas" panose="020B0609020204030204" pitchFamily="49" charset="0"/>
-                <a:cs typeface="Consolas" panose="020B0609020204030204" pitchFamily="49" charset="0"/>
-              </a:rPr>
-              <a:t>  </a:t>
-            </a:r>
-            <a:r>
-              <a:rPr lang="en-US" sz="800" dirty="0" err="1">
-                <a:latin typeface="Consolas" panose="020B0609020204030204" pitchFamily="49" charset="0"/>
-                <a:cs typeface="Consolas" panose="020B0609020204030204" pitchFamily="49" charset="0"/>
-              </a:rPr>
-              <a:t>elif</a:t>
-            </a:r>
-            <a:r>
-              <a:rPr lang="en-US" sz="800" dirty="0">
-                <a:latin typeface="Consolas" panose="020B0609020204030204" pitchFamily="49" charset="0"/>
-                <a:cs typeface="Consolas" panose="020B0609020204030204" pitchFamily="49" charset="0"/>
-              </a:rPr>
-              <a:t> points &gt;= 70: return "C"</a:t>
-            </a:r>
-          </a:p>
-          <a:p>
-            <a:r>
-              <a:rPr lang="en-US" sz="800" dirty="0">
-                <a:latin typeface="Consolas" panose="020B0609020204030204" pitchFamily="49" charset="0"/>
-                <a:cs typeface="Consolas" panose="020B0609020204030204" pitchFamily="49" charset="0"/>
-              </a:rPr>
-              <a:t>  </a:t>
-            </a:r>
-            <a:r>
-              <a:rPr lang="en-US" sz="800" dirty="0" err="1">
-                <a:latin typeface="Consolas" panose="020B0609020204030204" pitchFamily="49" charset="0"/>
-                <a:cs typeface="Consolas" panose="020B0609020204030204" pitchFamily="49" charset="0"/>
-              </a:rPr>
-              <a:t>elif</a:t>
-            </a:r>
-            <a:r>
-              <a:rPr lang="en-US" sz="800" dirty="0">
-                <a:latin typeface="Consolas" panose="020B0609020204030204" pitchFamily="49" charset="0"/>
-                <a:cs typeface="Consolas" panose="020B0609020204030204" pitchFamily="49" charset="0"/>
-              </a:rPr>
-              <a:t> points &lt; 70: return "</a:t>
-            </a:r>
-            <a:r>
-              <a:rPr lang="en-US" sz="800">
-                <a:latin typeface="Consolas" panose="020B0609020204030204" pitchFamily="49" charset="0"/>
-                <a:cs typeface="Consolas" panose="020B0609020204030204" pitchFamily="49" charset="0"/>
-              </a:rPr>
-              <a:t>F"</a:t>
-            </a:r>
             <a:endParaRPr lang="en-US" sz="800" dirty="0">
               <a:latin typeface="Consolas" panose="020B0609020204030204" pitchFamily="49" charset="0"/>
               <a:cs typeface="Consolas" panose="020B0609020204030204" pitchFamily="49" charset="0"/>
@@ -4510,175 +4879,4625 @@
             </a:endParaRPr>
           </a:p>
           <a:p>
-            <a:r>
-              <a:rPr lang="en-US" sz="800" dirty="0">
-                <a:latin typeface="Consolas" panose="020B0609020204030204" pitchFamily="49" charset="0"/>
-                <a:cs typeface="Consolas" panose="020B0609020204030204" pitchFamily="49" charset="0"/>
-              </a:rPr>
-              <a:t>def letter_grade3(points):</a:t>
-            </a:r>
-          </a:p>
-          <a:p>
-            <a:r>
-              <a:rPr lang="en-US" sz="800" dirty="0">
-                <a:latin typeface="Consolas" panose="020B0609020204030204" pitchFamily="49" charset="0"/>
-                <a:cs typeface="Consolas" panose="020B0609020204030204" pitchFamily="49" charset="0"/>
-              </a:rPr>
-              <a:t>  if points &lt; 70: return "F"</a:t>
-            </a:r>
-          </a:p>
-          <a:p>
-            <a:r>
-              <a:rPr lang="en-US" sz="800" dirty="0">
-                <a:latin typeface="Consolas" panose="020B0609020204030204" pitchFamily="49" charset="0"/>
-                <a:cs typeface="Consolas" panose="020B0609020204030204" pitchFamily="49" charset="0"/>
-              </a:rPr>
-              <a:t>  </a:t>
-            </a:r>
-            <a:r>
-              <a:rPr lang="en-US" sz="800" dirty="0" err="1">
-                <a:latin typeface="Consolas" panose="020B0609020204030204" pitchFamily="49" charset="0"/>
-                <a:cs typeface="Consolas" panose="020B0609020204030204" pitchFamily="49" charset="0"/>
-              </a:rPr>
-              <a:t>elif</a:t>
-            </a:r>
-            <a:r>
-              <a:rPr lang="en-US" sz="800" dirty="0">
-                <a:latin typeface="Consolas" panose="020B0609020204030204" pitchFamily="49" charset="0"/>
-                <a:cs typeface="Consolas" panose="020B0609020204030204" pitchFamily="49" charset="0"/>
-              </a:rPr>
-              <a:t> points &lt; 80: return "C"</a:t>
-            </a:r>
-          </a:p>
-          <a:p>
-            <a:r>
-              <a:rPr lang="en-US" sz="800" dirty="0">
-                <a:latin typeface="Consolas" panose="020B0609020204030204" pitchFamily="49" charset="0"/>
-                <a:cs typeface="Consolas" panose="020B0609020204030204" pitchFamily="49" charset="0"/>
-              </a:rPr>
-              <a:t>  </a:t>
-            </a:r>
-            <a:r>
-              <a:rPr lang="en-US" sz="800" dirty="0" err="1">
-                <a:latin typeface="Consolas" panose="020B0609020204030204" pitchFamily="49" charset="0"/>
-                <a:cs typeface="Consolas" panose="020B0609020204030204" pitchFamily="49" charset="0"/>
-              </a:rPr>
-              <a:t>elif</a:t>
-            </a:r>
-            <a:r>
-              <a:rPr lang="en-US" sz="800" dirty="0">
-                <a:latin typeface="Consolas" panose="020B0609020204030204" pitchFamily="49" charset="0"/>
-                <a:cs typeface="Consolas" panose="020B0609020204030204" pitchFamily="49" charset="0"/>
-              </a:rPr>
-              <a:t> points &lt; 90: return "B"</a:t>
-            </a:r>
-          </a:p>
-          <a:p>
-            <a:r>
-              <a:rPr lang="en-US" sz="800" dirty="0">
-                <a:latin typeface="Consolas" panose="020B0609020204030204" pitchFamily="49" charset="0"/>
-                <a:cs typeface="Consolas" panose="020B0609020204030204" pitchFamily="49" charset="0"/>
-              </a:rPr>
-              <a:t>  else: return "A"</a:t>
-            </a:r>
-          </a:p>
-          <a:p>
             <a:endParaRPr lang="en-US" sz="800" dirty="0">
               <a:latin typeface="Consolas" panose="020B0609020204030204" pitchFamily="49" charset="0"/>
               <a:cs typeface="Consolas" panose="020B0609020204030204" pitchFamily="49" charset="0"/>
             </a:endParaRPr>
           </a:p>
           <a:p>
-            <a:r>
-              <a:rPr lang="en-US" sz="800" dirty="0">
-                <a:latin typeface="Consolas" panose="020B0609020204030204" pitchFamily="49" charset="0"/>
-                <a:cs typeface="Consolas" panose="020B0609020204030204" pitchFamily="49" charset="0"/>
-              </a:rPr>
-              <a:t>def letter_grade4(points):</a:t>
-            </a:r>
-          </a:p>
-          <a:p>
-            <a:r>
-              <a:rPr lang="en-US" sz="800" dirty="0">
-                <a:latin typeface="Consolas" panose="020B0609020204030204" pitchFamily="49" charset="0"/>
-                <a:cs typeface="Consolas" panose="020B0609020204030204" pitchFamily="49" charset="0"/>
-              </a:rPr>
-              <a:t>  if points &lt; 70: return "F"</a:t>
-            </a:r>
-          </a:p>
-          <a:p>
-            <a:r>
-              <a:rPr lang="en-US" sz="800" dirty="0">
-                <a:latin typeface="Consolas" panose="020B0609020204030204" pitchFamily="49" charset="0"/>
-                <a:cs typeface="Consolas" panose="020B0609020204030204" pitchFamily="49" charset="0"/>
-              </a:rPr>
-              <a:t>  </a:t>
-            </a:r>
-            <a:r>
-              <a:rPr lang="en-US" sz="800" dirty="0" err="1">
-                <a:latin typeface="Consolas" panose="020B0609020204030204" pitchFamily="49" charset="0"/>
-                <a:cs typeface="Consolas" panose="020B0609020204030204" pitchFamily="49" charset="0"/>
-              </a:rPr>
-              <a:t>elif</a:t>
-            </a:r>
-            <a:r>
-              <a:rPr lang="en-US" sz="800" dirty="0">
-                <a:latin typeface="Consolas" panose="020B0609020204030204" pitchFamily="49" charset="0"/>
-                <a:cs typeface="Consolas" panose="020B0609020204030204" pitchFamily="49" charset="0"/>
-              </a:rPr>
-              <a:t> points &gt;= 70: return "C"</a:t>
-            </a:r>
-          </a:p>
-          <a:p>
-            <a:r>
-              <a:rPr lang="en-US" sz="800" dirty="0">
-                <a:latin typeface="Consolas" panose="020B0609020204030204" pitchFamily="49" charset="0"/>
-                <a:cs typeface="Consolas" panose="020B0609020204030204" pitchFamily="49" charset="0"/>
-              </a:rPr>
-              <a:t>  </a:t>
-            </a:r>
-            <a:r>
-              <a:rPr lang="en-US" sz="800" dirty="0" err="1">
-                <a:latin typeface="Consolas" panose="020B0609020204030204" pitchFamily="49" charset="0"/>
-                <a:cs typeface="Consolas" panose="020B0609020204030204" pitchFamily="49" charset="0"/>
-              </a:rPr>
-              <a:t>elif</a:t>
-            </a:r>
-            <a:r>
-              <a:rPr lang="en-US" sz="800" dirty="0">
-                <a:latin typeface="Consolas" panose="020B0609020204030204" pitchFamily="49" charset="0"/>
-                <a:cs typeface="Consolas" panose="020B0609020204030204" pitchFamily="49" charset="0"/>
-              </a:rPr>
-              <a:t> points &gt;= 80: return "B"</a:t>
-            </a:r>
-          </a:p>
-          <a:p>
-            <a:r>
-              <a:rPr lang="en-US" sz="800" dirty="0">
-                <a:latin typeface="Consolas" panose="020B0609020204030204" pitchFamily="49" charset="0"/>
-                <a:cs typeface="Consolas" panose="020B0609020204030204" pitchFamily="49" charset="0"/>
-              </a:rPr>
-              <a:t>  </a:t>
-            </a:r>
-            <a:r>
-              <a:rPr lang="en-US" sz="800" dirty="0" err="1">
-                <a:latin typeface="Consolas" panose="020B0609020204030204" pitchFamily="49" charset="0"/>
-                <a:cs typeface="Consolas" panose="020B0609020204030204" pitchFamily="49" charset="0"/>
-              </a:rPr>
-              <a:t>elif</a:t>
-            </a:r>
-            <a:r>
-              <a:rPr lang="en-US" sz="800" dirty="0">
-                <a:latin typeface="Consolas" panose="020B0609020204030204" pitchFamily="49" charset="0"/>
-                <a:cs typeface="Consolas" panose="020B0609020204030204" pitchFamily="49" charset="0"/>
-              </a:rPr>
-              <a:t> points &gt;= 90: return "A" </a:t>
-            </a:r>
-          </a:p>
-          <a:p>
             <a:endParaRPr lang="en-US" sz="800" dirty="0">
               <a:latin typeface="Consolas" panose="020B0609020204030204" pitchFamily="49" charset="0"/>
               <a:cs typeface="Consolas" panose="020B0609020204030204" pitchFamily="49" charset="0"/>
+            </a:endParaRPr>
+          </a:p>
+          <a:p>
+            <a:endParaRPr lang="en-US" sz="800" dirty="0">
+              <a:latin typeface="Consolas" panose="020B0609020204030204" pitchFamily="49" charset="0"/>
+              <a:cs typeface="Consolas" panose="020B0609020204030204" pitchFamily="49" charset="0"/>
+            </a:endParaRPr>
+          </a:p>
+          <a:p>
+            <a:endParaRPr lang="en-US" sz="800" dirty="0">
+              <a:latin typeface="Consolas" panose="020B0609020204030204" pitchFamily="49" charset="0"/>
+              <a:cs typeface="Consolas" panose="020B0609020204030204" pitchFamily="49" charset="0"/>
+            </a:endParaRPr>
+          </a:p>
+          <a:p>
+            <a:endParaRPr lang="en-US" sz="800" dirty="0">
+              <a:latin typeface="Consolas" panose="020B0609020204030204" pitchFamily="49" charset="0"/>
+              <a:cs typeface="Consolas" panose="020B0609020204030204" pitchFamily="49" charset="0"/>
+            </a:endParaRPr>
+          </a:p>
+          <a:p>
+            <a:endParaRPr lang="en-US" sz="800" dirty="0">
+              <a:latin typeface="Consolas" panose="020B0609020204030204" pitchFamily="49" charset="0"/>
+              <a:cs typeface="Consolas" panose="020B0609020204030204" pitchFamily="49" charset="0"/>
+            </a:endParaRPr>
+          </a:p>
+          <a:p>
+            <a:endParaRPr lang="en-US" sz="800" dirty="0">
+              <a:latin typeface="Consolas" panose="020B0609020204030204" pitchFamily="49" charset="0"/>
+              <a:cs typeface="Consolas" panose="020B0609020204030204" pitchFamily="49" charset="0"/>
+            </a:endParaRPr>
+          </a:p>
+          <a:p>
+            <a:endParaRPr lang="en-US" sz="800" dirty="0">
+              <a:latin typeface="Consolas" panose="020B0609020204030204" pitchFamily="49" charset="0"/>
+              <a:cs typeface="Consolas" panose="020B0609020204030204" pitchFamily="49" charset="0"/>
+            </a:endParaRPr>
+          </a:p>
+          <a:p>
+            <a:endParaRPr lang="en-US" sz="800" dirty="0">
+              <a:latin typeface="Consolas" panose="020B0609020204030204" pitchFamily="49" charset="0"/>
+              <a:cs typeface="Consolas" panose="020B0609020204030204" pitchFamily="49" charset="0"/>
+            </a:endParaRPr>
+          </a:p>
+          <a:p>
+            <a:endParaRPr lang="en-US" sz="800" dirty="0">
+              <a:latin typeface="Consolas" panose="020B0609020204030204" pitchFamily="49" charset="0"/>
+              <a:cs typeface="Consolas" panose="020B0609020204030204" pitchFamily="49" charset="0"/>
+            </a:endParaRPr>
+          </a:p>
+          <a:p>
+            <a:endParaRPr lang="en-US" sz="800" dirty="0">
+              <a:latin typeface="Consolas" panose="020B0609020204030204" pitchFamily="49" charset="0"/>
+              <a:cs typeface="Consolas" panose="020B0609020204030204" pitchFamily="49" charset="0"/>
+            </a:endParaRPr>
+          </a:p>
+        </p:txBody>
+      </p:sp>
+      <p:sp>
+        <p:nvSpPr>
+          <p:cNvPr id="33" name="Rectangle 32">
+            <a:extLst>
+              <a:ext uri="{FF2B5EF4-FFF2-40B4-BE49-F238E27FC236}">
+                <a16:creationId xmlns:a16="http://schemas.microsoft.com/office/drawing/2014/main" id="{7EECE912-6EB1-5345-A38F-39ACAE2B64FE}"/>
+              </a:ext>
+            </a:extLst>
+          </p:cNvPr>
+          <p:cNvSpPr/>
+          <p:nvPr/>
+        </p:nvSpPr>
+        <p:spPr>
+          <a:xfrm>
+            <a:off x="179337" y="2340887"/>
+            <a:ext cx="2150591" cy="1077218"/>
+          </a:xfrm>
+          <a:prstGeom prst="rect">
+            <a:avLst/>
+          </a:prstGeom>
+        </p:spPr>
+        <p:txBody>
+          <a:bodyPr wrap="square">
+            <a:spAutoFit/>
+          </a:bodyPr>
+          <a:lstStyle/>
+          <a:p>
+            <a:r>
+              <a:rPr lang="en-US" sz="800" b="1" dirty="0">
+                <a:latin typeface="Calibri" panose="020F0502020204030204" pitchFamily="34" charset="0"/>
+                <a:cs typeface="Calibri" panose="020F0502020204030204" pitchFamily="34" charset="0"/>
+              </a:rPr>
+              <a:t>New: if statements</a:t>
+            </a:r>
+          </a:p>
+          <a:p>
+            <a:endParaRPr lang="en-US" sz="800" b="1" dirty="0">
+              <a:latin typeface="Calibri" panose="020F0502020204030204" pitchFamily="34" charset="0"/>
+              <a:cs typeface="Calibri" panose="020F0502020204030204" pitchFamily="34" charset="0"/>
+            </a:endParaRPr>
+          </a:p>
+          <a:p>
+            <a:endParaRPr lang="en-US" sz="800" b="1" dirty="0">
+              <a:latin typeface="Calibri" panose="020F0502020204030204" pitchFamily="34" charset="0"/>
+              <a:cs typeface="Calibri" panose="020F0502020204030204" pitchFamily="34" charset="0"/>
+            </a:endParaRPr>
+          </a:p>
+          <a:p>
+            <a:r>
+              <a:rPr lang="en-US" sz="800" dirty="0">
+                <a:latin typeface="Consolas" panose="020B0609020204030204" pitchFamily="49" charset="0"/>
+                <a:cs typeface="Consolas" panose="020B0609020204030204" pitchFamily="49" charset="0"/>
+              </a:rPr>
+              <a:t>if condition1: body1</a:t>
+            </a:r>
+          </a:p>
+          <a:p>
+            <a:r>
+              <a:rPr lang="en-US" sz="800" dirty="0" err="1">
+                <a:latin typeface="Consolas" panose="020B0609020204030204" pitchFamily="49" charset="0"/>
+                <a:cs typeface="Consolas" panose="020B0609020204030204" pitchFamily="49" charset="0"/>
+              </a:rPr>
+              <a:t>elif</a:t>
+            </a:r>
+            <a:r>
+              <a:rPr lang="en-US" sz="800" dirty="0">
+                <a:latin typeface="Consolas" panose="020B0609020204030204" pitchFamily="49" charset="0"/>
+                <a:cs typeface="Consolas" panose="020B0609020204030204" pitchFamily="49" charset="0"/>
+              </a:rPr>
+              <a:t> condition2: body2</a:t>
+            </a:r>
+          </a:p>
+          <a:p>
+            <a:r>
+              <a:rPr lang="en-US" sz="800" dirty="0" err="1">
+                <a:latin typeface="Consolas" panose="020B0609020204030204" pitchFamily="49" charset="0"/>
+                <a:cs typeface="Consolas" panose="020B0609020204030204" pitchFamily="49" charset="0"/>
+              </a:rPr>
+              <a:t>elif</a:t>
+            </a:r>
+            <a:r>
+              <a:rPr lang="en-US" sz="800" dirty="0">
+                <a:latin typeface="Consolas" panose="020B0609020204030204" pitchFamily="49" charset="0"/>
+                <a:cs typeface="Consolas" panose="020B0609020204030204" pitchFamily="49" charset="0"/>
+              </a:rPr>
+              <a:t> condition3: body3</a:t>
+            </a:r>
+          </a:p>
+          <a:p>
+            <a:r>
+              <a:rPr lang="en-US" sz="800" dirty="0">
+                <a:latin typeface="Consolas" panose="020B0609020204030204" pitchFamily="49" charset="0"/>
+                <a:cs typeface="Consolas" panose="020B0609020204030204" pitchFamily="49" charset="0"/>
+              </a:rPr>
+              <a:t>...</a:t>
+            </a:r>
+          </a:p>
+          <a:p>
+            <a:r>
+              <a:rPr lang="en-US" sz="800" dirty="0">
+                <a:latin typeface="Consolas" panose="020B0609020204030204" pitchFamily="49" charset="0"/>
+                <a:cs typeface="Consolas" panose="020B0609020204030204" pitchFamily="49" charset="0"/>
+              </a:rPr>
+              <a:t>else: </a:t>
+            </a:r>
+            <a:r>
+              <a:rPr lang="en-US" sz="800" dirty="0" err="1">
+                <a:latin typeface="Consolas" panose="020B0609020204030204" pitchFamily="49" charset="0"/>
+                <a:cs typeface="Consolas" panose="020B0609020204030204" pitchFamily="49" charset="0"/>
+              </a:rPr>
+              <a:t>body_else</a:t>
+            </a:r>
+            <a:endParaRPr lang="en-US" sz="800" dirty="0">
+              <a:latin typeface="Consolas" panose="020B0609020204030204" pitchFamily="49" charset="0"/>
+              <a:cs typeface="Consolas" panose="020B0609020204030204" pitchFamily="49" charset="0"/>
+            </a:endParaRPr>
+          </a:p>
+        </p:txBody>
+      </p:sp>
+      <p:cxnSp>
+        <p:nvCxnSpPr>
+          <p:cNvPr id="36" name="Straight Arrow Connector 35">
+            <a:extLst>
+              <a:ext uri="{FF2B5EF4-FFF2-40B4-BE49-F238E27FC236}">
+                <a16:creationId xmlns:a16="http://schemas.microsoft.com/office/drawing/2014/main" id="{CF0B4C8C-BD35-C84A-98AF-5EEBDBE22340}"/>
+              </a:ext>
+            </a:extLst>
+          </p:cNvPr>
+          <p:cNvCxnSpPr>
+            <a:cxnSpLocks/>
+          </p:cNvCxnSpPr>
+          <p:nvPr/>
+        </p:nvCxnSpPr>
+        <p:spPr>
+          <a:xfrm flipH="1">
+            <a:off x="1596552" y="2790587"/>
+            <a:ext cx="393742" cy="179903"/>
+          </a:xfrm>
+          <a:prstGeom prst="straightConnector1">
+            <a:avLst/>
+          </a:prstGeom>
+          <a:ln>
+            <a:tailEnd type="triangle"/>
+          </a:ln>
+        </p:spPr>
+        <p:style>
+          <a:lnRef idx="1">
+            <a:schemeClr val="accent1"/>
+          </a:lnRef>
+          <a:fillRef idx="0">
+            <a:schemeClr val="accent1"/>
+          </a:fillRef>
+          <a:effectRef idx="0">
+            <a:schemeClr val="accent1"/>
+          </a:effectRef>
+          <a:fontRef idx="minor">
+            <a:schemeClr val="tx1"/>
+          </a:fontRef>
+        </p:style>
+      </p:cxnSp>
+      <p:cxnSp>
+        <p:nvCxnSpPr>
+          <p:cNvPr id="37" name="Straight Arrow Connector 36">
+            <a:extLst>
+              <a:ext uri="{FF2B5EF4-FFF2-40B4-BE49-F238E27FC236}">
+                <a16:creationId xmlns:a16="http://schemas.microsoft.com/office/drawing/2014/main" id="{0F2CE450-32E0-3743-A017-DA2FA94357ED}"/>
+              </a:ext>
+            </a:extLst>
+          </p:cNvPr>
+          <p:cNvCxnSpPr>
+            <a:cxnSpLocks/>
+          </p:cNvCxnSpPr>
+          <p:nvPr/>
+        </p:nvCxnSpPr>
+        <p:spPr>
+          <a:xfrm flipH="1" flipV="1">
+            <a:off x="1174954" y="3302021"/>
+            <a:ext cx="541020" cy="85128"/>
+          </a:xfrm>
+          <a:prstGeom prst="straightConnector1">
+            <a:avLst/>
+          </a:prstGeom>
+          <a:ln>
+            <a:tailEnd type="triangle"/>
+          </a:ln>
+        </p:spPr>
+        <p:style>
+          <a:lnRef idx="1">
+            <a:schemeClr val="accent1"/>
+          </a:lnRef>
+          <a:fillRef idx="0">
+            <a:schemeClr val="accent1"/>
+          </a:fillRef>
+          <a:effectRef idx="0">
+            <a:schemeClr val="accent1"/>
+          </a:effectRef>
+          <a:fontRef idx="minor">
+            <a:schemeClr val="tx1"/>
+          </a:fontRef>
+        </p:style>
+      </p:cxnSp>
+      <p:sp>
+        <p:nvSpPr>
+          <p:cNvPr id="39" name="TextBox 38">
+            <a:extLst>
+              <a:ext uri="{FF2B5EF4-FFF2-40B4-BE49-F238E27FC236}">
+                <a16:creationId xmlns:a16="http://schemas.microsoft.com/office/drawing/2014/main" id="{1CA3F2D5-4A34-CB43-B697-EDCF248EF018}"/>
+              </a:ext>
+            </a:extLst>
+          </p:cNvPr>
+          <p:cNvSpPr txBox="1"/>
+          <p:nvPr/>
+        </p:nvSpPr>
+        <p:spPr>
+          <a:xfrm>
+            <a:off x="1499296" y="2564428"/>
+            <a:ext cx="1816523" cy="215444"/>
+          </a:xfrm>
+          <a:prstGeom prst="rect">
+            <a:avLst/>
+          </a:prstGeom>
+          <a:noFill/>
+        </p:spPr>
+        <p:txBody>
+          <a:bodyPr wrap="none" rtlCol="0">
+            <a:spAutoFit/>
+          </a:bodyPr>
+          <a:lstStyle/>
+          <a:p>
+            <a:r>
+              <a:rPr lang="en-US" sz="800" dirty="0">
+                <a:latin typeface="Calibri" panose="020F0502020204030204" pitchFamily="34" charset="0"/>
+                <a:cs typeface="Calibri" panose="020F0502020204030204" pitchFamily="34" charset="0"/>
+              </a:rPr>
+              <a:t>any number of </a:t>
+            </a:r>
+            <a:r>
+              <a:rPr lang="en-US" sz="800" dirty="0" err="1">
+                <a:latin typeface="Calibri" panose="020F0502020204030204" pitchFamily="34" charset="0"/>
+                <a:cs typeface="Calibri" panose="020F0502020204030204" pitchFamily="34" charset="0"/>
+              </a:rPr>
+              <a:t>elif</a:t>
+            </a:r>
+            <a:r>
+              <a:rPr lang="en-US" sz="800" dirty="0">
+                <a:latin typeface="Calibri" panose="020F0502020204030204" pitchFamily="34" charset="0"/>
+                <a:cs typeface="Calibri" panose="020F0502020204030204" pitchFamily="34" charset="0"/>
+              </a:rPr>
+              <a:t> clauses (including 0)</a:t>
+            </a:r>
+          </a:p>
+        </p:txBody>
+      </p:sp>
+      <p:sp>
+        <p:nvSpPr>
+          <p:cNvPr id="40" name="TextBox 39">
+            <a:extLst>
+              <a:ext uri="{FF2B5EF4-FFF2-40B4-BE49-F238E27FC236}">
+                <a16:creationId xmlns:a16="http://schemas.microsoft.com/office/drawing/2014/main" id="{A4F2ADF1-6C10-1845-BA17-4B58A0B4367D}"/>
+              </a:ext>
+            </a:extLst>
+          </p:cNvPr>
+          <p:cNvSpPr txBox="1"/>
+          <p:nvPr/>
+        </p:nvSpPr>
+        <p:spPr>
+          <a:xfrm>
+            <a:off x="1702982" y="3284488"/>
+            <a:ext cx="1008609" cy="215444"/>
+          </a:xfrm>
+          <a:prstGeom prst="rect">
+            <a:avLst/>
+          </a:prstGeom>
+          <a:noFill/>
+        </p:spPr>
+        <p:txBody>
+          <a:bodyPr wrap="none" rtlCol="0">
+            <a:spAutoFit/>
+          </a:bodyPr>
+          <a:lstStyle/>
+          <a:p>
+            <a:r>
+              <a:rPr lang="en-US" sz="800" dirty="0">
+                <a:latin typeface="Calibri" panose="020F0502020204030204" pitchFamily="34" charset="0"/>
+                <a:cs typeface="Calibri" panose="020F0502020204030204" pitchFamily="34" charset="0"/>
+              </a:rPr>
+              <a:t>optional else clause</a:t>
+            </a:r>
+          </a:p>
+        </p:txBody>
+      </p:sp>
+      <p:sp>
+        <p:nvSpPr>
+          <p:cNvPr id="42" name="TextBox 41">
+            <a:extLst>
+              <a:ext uri="{FF2B5EF4-FFF2-40B4-BE49-F238E27FC236}">
+                <a16:creationId xmlns:a16="http://schemas.microsoft.com/office/drawing/2014/main" id="{9065B7C0-EF5A-D241-8D02-3CB58EC0C57D}"/>
+              </a:ext>
+            </a:extLst>
+          </p:cNvPr>
+          <p:cNvSpPr txBox="1"/>
+          <p:nvPr/>
+        </p:nvSpPr>
+        <p:spPr>
+          <a:xfrm>
+            <a:off x="179337" y="3503080"/>
+            <a:ext cx="2834430" cy="1569660"/>
+          </a:xfrm>
+          <a:prstGeom prst="rect">
+            <a:avLst/>
+          </a:prstGeom>
+          <a:noFill/>
+        </p:spPr>
+        <p:txBody>
+          <a:bodyPr wrap="none" rtlCol="0">
+            <a:spAutoFit/>
+          </a:bodyPr>
+          <a:lstStyle/>
+          <a:p>
+            <a:r>
+              <a:rPr lang="en-US" sz="800" dirty="0">
+                <a:latin typeface="Calibri" panose="020F0502020204030204" pitchFamily="34" charset="0"/>
+                <a:cs typeface="Calibri" panose="020F0502020204030204" pitchFamily="34" charset="0"/>
+              </a:rPr>
+              <a:t>To evaluate an if statement, Python follows these steps:</a:t>
+            </a:r>
+          </a:p>
+          <a:p>
+            <a:pPr marL="171450" indent="-171450">
+              <a:buFont typeface="Arial" panose="020B0604020202020204" pitchFamily="34" charset="0"/>
+              <a:buChar char="•"/>
+            </a:pPr>
+            <a:r>
+              <a:rPr lang="en-US" sz="800" dirty="0">
+                <a:latin typeface="Calibri" panose="020F0502020204030204" pitchFamily="34" charset="0"/>
+                <a:cs typeface="Calibri" panose="020F0502020204030204" pitchFamily="34" charset="0"/>
+              </a:rPr>
+              <a:t>Evaluate condition1.</a:t>
+            </a:r>
+          </a:p>
+          <a:p>
+            <a:pPr marL="628650" lvl="1" indent="-171450">
+              <a:buFont typeface="Arial" panose="020B0604020202020204" pitchFamily="34" charset="0"/>
+              <a:buChar char="•"/>
+            </a:pPr>
+            <a:r>
+              <a:rPr lang="en-US" sz="800" dirty="0">
+                <a:latin typeface="Calibri" panose="020F0502020204030204" pitchFamily="34" charset="0"/>
+                <a:cs typeface="Calibri" panose="020F0502020204030204" pitchFamily="34" charset="0"/>
+              </a:rPr>
+              <a:t>If True, evaluate body1 (and no further clauses!)</a:t>
+            </a:r>
+          </a:p>
+          <a:p>
+            <a:pPr marL="628650" lvl="1" indent="-171450">
+              <a:buFont typeface="Arial" panose="020B0604020202020204" pitchFamily="34" charset="0"/>
+              <a:buChar char="•"/>
+            </a:pPr>
+            <a:r>
+              <a:rPr lang="en-US" sz="800" dirty="0">
+                <a:latin typeface="Calibri" panose="020F0502020204030204" pitchFamily="34" charset="0"/>
+                <a:cs typeface="Calibri" panose="020F0502020204030204" pitchFamily="34" charset="0"/>
+              </a:rPr>
+              <a:t>If False, go on to the next step</a:t>
+            </a:r>
+          </a:p>
+          <a:p>
+            <a:pPr marL="171450" indent="-171450">
+              <a:buFont typeface="Arial" panose="020B0604020202020204" pitchFamily="34" charset="0"/>
+              <a:buChar char="•"/>
+            </a:pPr>
+            <a:r>
+              <a:rPr lang="en-US" sz="800" dirty="0">
+                <a:latin typeface="Calibri" panose="020F0502020204030204" pitchFamily="34" charset="0"/>
+                <a:cs typeface="Calibri" panose="020F0502020204030204" pitchFamily="34" charset="0"/>
+              </a:rPr>
+              <a:t>Evaluate condition2</a:t>
+            </a:r>
+          </a:p>
+          <a:p>
+            <a:pPr marL="628650" lvl="1" indent="-171450">
+              <a:buFont typeface="Arial" panose="020B0604020202020204" pitchFamily="34" charset="0"/>
+              <a:buChar char="•"/>
+            </a:pPr>
+            <a:r>
+              <a:rPr lang="en-US" sz="800" dirty="0">
+                <a:latin typeface="Calibri" panose="020F0502020204030204" pitchFamily="34" charset="0"/>
+                <a:cs typeface="Calibri" panose="020F0502020204030204" pitchFamily="34" charset="0"/>
+              </a:rPr>
+              <a:t>If True, evaluate body2 (and no further clauses!)</a:t>
+            </a:r>
+          </a:p>
+          <a:p>
+            <a:pPr marL="628650" lvl="1" indent="-171450">
+              <a:buFont typeface="Arial" panose="020B0604020202020204" pitchFamily="34" charset="0"/>
+              <a:buChar char="•"/>
+            </a:pPr>
+            <a:r>
+              <a:rPr lang="en-US" sz="800" dirty="0">
+                <a:latin typeface="Calibri" panose="020F0502020204030204" pitchFamily="34" charset="0"/>
+                <a:cs typeface="Calibri" panose="020F0502020204030204" pitchFamily="34" charset="0"/>
+              </a:rPr>
+              <a:t>If False, go onto the next step</a:t>
+            </a:r>
+          </a:p>
+          <a:p>
+            <a:pPr marL="171450" indent="-171450">
+              <a:buFont typeface="Arial" panose="020B0604020202020204" pitchFamily="34" charset="0"/>
+              <a:buChar char="•"/>
+            </a:pPr>
+            <a:r>
+              <a:rPr lang="en-US" sz="800" dirty="0">
+                <a:latin typeface="Calibri" panose="020F0502020204030204" pitchFamily="34" charset="0"/>
+                <a:cs typeface="Calibri" panose="020F0502020204030204" pitchFamily="34" charset="0"/>
+              </a:rPr>
+              <a:t>Evaluate condition3</a:t>
+            </a:r>
+          </a:p>
+          <a:p>
+            <a:pPr marL="628650" lvl="1" indent="-171450">
+              <a:buFont typeface="Arial" panose="020B0604020202020204" pitchFamily="34" charset="0"/>
+              <a:buChar char="•"/>
+            </a:pPr>
+            <a:r>
+              <a:rPr lang="en-US" sz="800" dirty="0">
+                <a:latin typeface="Calibri" panose="020F0502020204030204" pitchFamily="34" charset="0"/>
+                <a:cs typeface="Calibri" panose="020F0502020204030204" pitchFamily="34" charset="0"/>
+              </a:rPr>
+              <a:t>If True, evaluate body3 (and no further clauses!)</a:t>
+            </a:r>
+          </a:p>
+          <a:p>
+            <a:pPr marL="628650" lvl="1" indent="-171450">
+              <a:buFont typeface="Arial" panose="020B0604020202020204" pitchFamily="34" charset="0"/>
+              <a:buChar char="•"/>
+            </a:pPr>
+            <a:r>
+              <a:rPr lang="en-US" sz="800" dirty="0">
+                <a:latin typeface="Calibri" panose="020F0502020204030204" pitchFamily="34" charset="0"/>
+                <a:cs typeface="Calibri" panose="020F0502020204030204" pitchFamily="34" charset="0"/>
+              </a:rPr>
+              <a:t>If False, go onto the next step</a:t>
+            </a:r>
+          </a:p>
+          <a:p>
+            <a:pPr marL="171450" indent="-171450">
+              <a:buFont typeface="Arial" panose="020B0604020202020204" pitchFamily="34" charset="0"/>
+              <a:buChar char="•"/>
+            </a:pPr>
+            <a:r>
+              <a:rPr lang="en-US" sz="800" dirty="0">
+                <a:latin typeface="Calibri" panose="020F0502020204030204" pitchFamily="34" charset="0"/>
+                <a:cs typeface="Calibri" panose="020F0502020204030204" pitchFamily="34" charset="0"/>
+              </a:rPr>
+              <a:t>... repeat for all </a:t>
+            </a:r>
+            <a:r>
+              <a:rPr lang="en-US" sz="800" dirty="0" err="1">
+                <a:latin typeface="Calibri" panose="020F0502020204030204" pitchFamily="34" charset="0"/>
+                <a:cs typeface="Calibri" panose="020F0502020204030204" pitchFamily="34" charset="0"/>
+              </a:rPr>
+              <a:t>elif</a:t>
+            </a:r>
+            <a:r>
+              <a:rPr lang="en-US" sz="800" dirty="0">
+                <a:latin typeface="Calibri" panose="020F0502020204030204" pitchFamily="34" charset="0"/>
+                <a:cs typeface="Calibri" panose="020F0502020204030204" pitchFamily="34" charset="0"/>
+              </a:rPr>
+              <a:t> clauses ...</a:t>
+            </a:r>
+          </a:p>
+          <a:p>
+            <a:pPr marL="171450" indent="-171450">
+              <a:buFont typeface="Arial" panose="020B0604020202020204" pitchFamily="34" charset="0"/>
+              <a:buChar char="•"/>
+            </a:pPr>
+            <a:r>
+              <a:rPr lang="en-US" sz="800" dirty="0">
+                <a:latin typeface="Calibri" panose="020F0502020204030204" pitchFamily="34" charset="0"/>
+                <a:cs typeface="Calibri" panose="020F0502020204030204" pitchFamily="34" charset="0"/>
+              </a:rPr>
+              <a:t>If there's an else clause, evaluate </a:t>
+            </a:r>
+            <a:r>
+              <a:rPr lang="en-US" sz="800" dirty="0" err="1">
+                <a:latin typeface="Calibri" panose="020F0502020204030204" pitchFamily="34" charset="0"/>
+                <a:cs typeface="Calibri" panose="020F0502020204030204" pitchFamily="34" charset="0"/>
+              </a:rPr>
+              <a:t>body_else</a:t>
+            </a:r>
+            <a:endParaRPr lang="en-US" sz="800" dirty="0">
+              <a:latin typeface="Calibri" panose="020F0502020204030204" pitchFamily="34" charset="0"/>
+              <a:cs typeface="Calibri" panose="020F0502020204030204" pitchFamily="34" charset="0"/>
+            </a:endParaRPr>
+          </a:p>
+        </p:txBody>
+      </p:sp>
+      <p:sp>
+        <p:nvSpPr>
+          <p:cNvPr id="65" name="Rectangle 64">
+            <a:extLst>
+              <a:ext uri="{FF2B5EF4-FFF2-40B4-BE49-F238E27FC236}">
+                <a16:creationId xmlns:a16="http://schemas.microsoft.com/office/drawing/2014/main" id="{73B28C5F-D394-D645-865F-16CB3975F906}"/>
+              </a:ext>
+            </a:extLst>
+          </p:cNvPr>
+          <p:cNvSpPr/>
+          <p:nvPr/>
+        </p:nvSpPr>
+        <p:spPr>
+          <a:xfrm>
+            <a:off x="3429000" y="6178091"/>
+            <a:ext cx="971741" cy="246221"/>
+          </a:xfrm>
+          <a:prstGeom prst="rect">
+            <a:avLst/>
+          </a:prstGeom>
+        </p:spPr>
+        <p:txBody>
+          <a:bodyPr wrap="none">
+            <a:spAutoFit/>
+          </a:bodyPr>
+          <a:lstStyle/>
+          <a:p>
+            <a:r>
+              <a:rPr lang="en-US" sz="1000" b="1" dirty="0">
+                <a:latin typeface="Calibri" panose="020F0502020204030204" pitchFamily="34" charset="0"/>
+                <a:cs typeface="Calibri" panose="020F0502020204030204" pitchFamily="34" charset="0"/>
+              </a:rPr>
+              <a:t>Example trace:</a:t>
+            </a:r>
+            <a:endParaRPr lang="en-US" sz="1000" dirty="0">
+              <a:latin typeface="Calibri" panose="020F0502020204030204" pitchFamily="34" charset="0"/>
+              <a:cs typeface="Calibri" panose="020F0502020204030204" pitchFamily="34" charset="0"/>
+            </a:endParaRPr>
+          </a:p>
+        </p:txBody>
+      </p:sp>
+      <p:sp>
+        <p:nvSpPr>
+          <p:cNvPr id="66" name="Rectangle 65">
+            <a:extLst>
+              <a:ext uri="{FF2B5EF4-FFF2-40B4-BE49-F238E27FC236}">
+                <a16:creationId xmlns:a16="http://schemas.microsoft.com/office/drawing/2014/main" id="{9A72D038-90E5-7E4A-ACEE-10B7137E9538}"/>
+              </a:ext>
+            </a:extLst>
+          </p:cNvPr>
+          <p:cNvSpPr/>
+          <p:nvPr/>
+        </p:nvSpPr>
+        <p:spPr>
+          <a:xfrm>
+            <a:off x="3450386" y="6480062"/>
+            <a:ext cx="1145391" cy="215444"/>
+          </a:xfrm>
+          <a:custGeom>
+            <a:avLst/>
+            <a:gdLst>
+              <a:gd name="connsiteX0" fmla="*/ 0 w 1145391"/>
+              <a:gd name="connsiteY0" fmla="*/ 0 h 215444"/>
+              <a:gd name="connsiteX1" fmla="*/ 595603 w 1145391"/>
+              <a:gd name="connsiteY1" fmla="*/ 0 h 215444"/>
+              <a:gd name="connsiteX2" fmla="*/ 1145391 w 1145391"/>
+              <a:gd name="connsiteY2" fmla="*/ 0 h 215444"/>
+              <a:gd name="connsiteX3" fmla="*/ 1145391 w 1145391"/>
+              <a:gd name="connsiteY3" fmla="*/ 215444 h 215444"/>
+              <a:gd name="connsiteX4" fmla="*/ 584149 w 1145391"/>
+              <a:gd name="connsiteY4" fmla="*/ 215444 h 215444"/>
+              <a:gd name="connsiteX5" fmla="*/ 0 w 1145391"/>
+              <a:gd name="connsiteY5" fmla="*/ 215444 h 215444"/>
+              <a:gd name="connsiteX6" fmla="*/ 0 w 1145391"/>
+              <a:gd name="connsiteY6" fmla="*/ 0 h 215444"/>
+            </a:gdLst>
+            <a:ahLst/>
+            <a:cxnLst>
+              <a:cxn ang="0">
+                <a:pos x="connsiteX0" y="connsiteY0"/>
+              </a:cxn>
+              <a:cxn ang="0">
+                <a:pos x="connsiteX1" y="connsiteY1"/>
+              </a:cxn>
+              <a:cxn ang="0">
+                <a:pos x="connsiteX2" y="connsiteY2"/>
+              </a:cxn>
+              <a:cxn ang="0">
+                <a:pos x="connsiteX3" y="connsiteY3"/>
+              </a:cxn>
+              <a:cxn ang="0">
+                <a:pos x="connsiteX4" y="connsiteY4"/>
+              </a:cxn>
+              <a:cxn ang="0">
+                <a:pos x="connsiteX5" y="connsiteY5"/>
+              </a:cxn>
+              <a:cxn ang="0">
+                <a:pos x="connsiteX6" y="connsiteY6"/>
+              </a:cxn>
+            </a:cxnLst>
+            <a:rect l="l" t="t" r="r" b="b"/>
+            <a:pathLst>
+              <a:path w="1145391" h="215444" fill="none" extrusionOk="0">
+                <a:moveTo>
+                  <a:pt x="0" y="0"/>
+                </a:moveTo>
+                <a:cubicBezTo>
+                  <a:pt x="208518" y="-13594"/>
+                  <a:pt x="436291" y="-16266"/>
+                  <a:pt x="595603" y="0"/>
+                </a:cubicBezTo>
+                <a:cubicBezTo>
+                  <a:pt x="754915" y="16266"/>
+                  <a:pt x="928799" y="5672"/>
+                  <a:pt x="1145391" y="0"/>
+                </a:cubicBezTo>
+                <a:cubicBezTo>
+                  <a:pt x="1156014" y="77982"/>
+                  <a:pt x="1145448" y="113818"/>
+                  <a:pt x="1145391" y="215444"/>
+                </a:cubicBezTo>
+                <a:cubicBezTo>
+                  <a:pt x="896717" y="201615"/>
+                  <a:pt x="858091" y="200278"/>
+                  <a:pt x="584149" y="215444"/>
+                </a:cubicBezTo>
+                <a:cubicBezTo>
+                  <a:pt x="310207" y="230610"/>
+                  <a:pt x="162222" y="228606"/>
+                  <a:pt x="0" y="215444"/>
+                </a:cubicBezTo>
+                <a:cubicBezTo>
+                  <a:pt x="5616" y="157558"/>
+                  <a:pt x="-926" y="46678"/>
+                  <a:pt x="0" y="0"/>
+                </a:cubicBezTo>
+                <a:close/>
+              </a:path>
+              <a:path w="1145391" h="215444" stroke="0" extrusionOk="0">
+                <a:moveTo>
+                  <a:pt x="0" y="0"/>
+                </a:moveTo>
+                <a:cubicBezTo>
+                  <a:pt x="212517" y="24579"/>
+                  <a:pt x="387963" y="-8167"/>
+                  <a:pt x="561242" y="0"/>
+                </a:cubicBezTo>
+                <a:cubicBezTo>
+                  <a:pt x="734521" y="8167"/>
+                  <a:pt x="854149" y="11396"/>
+                  <a:pt x="1145391" y="0"/>
+                </a:cubicBezTo>
+                <a:cubicBezTo>
+                  <a:pt x="1140750" y="91364"/>
+                  <a:pt x="1148889" y="158729"/>
+                  <a:pt x="1145391" y="215444"/>
+                </a:cubicBezTo>
+                <a:cubicBezTo>
+                  <a:pt x="991596" y="210822"/>
+                  <a:pt x="803588" y="219998"/>
+                  <a:pt x="572696" y="215444"/>
+                </a:cubicBezTo>
+                <a:cubicBezTo>
+                  <a:pt x="341804" y="210890"/>
+                  <a:pt x="198339" y="227447"/>
+                  <a:pt x="0" y="215444"/>
+                </a:cubicBezTo>
+                <a:cubicBezTo>
+                  <a:pt x="10034" y="112711"/>
+                  <a:pt x="-4353" y="71091"/>
+                  <a:pt x="0" y="0"/>
+                </a:cubicBezTo>
+                <a:close/>
+              </a:path>
+            </a:pathLst>
+          </a:custGeom>
+          <a:ln>
+            <a:solidFill>
+              <a:schemeClr val="tx1"/>
+            </a:solidFill>
+            <a:extLst>
+              <a:ext uri="{C807C97D-BFC1-408E-A445-0C87EB9F89A2}">
+                <ask:lineSketchStyleProps xmlns:ask="http://schemas.microsoft.com/office/drawing/2018/sketchyshapes" sd="1219033472">
+                  <a:prstGeom prst="rect">
+                    <a:avLst/>
+                  </a:prstGeom>
+                  <ask:type>
+                    <ask:lineSketchFreehand/>
+                  </ask:type>
+                </ask:lineSketchStyleProps>
+              </a:ext>
+            </a:extLst>
+          </a:ln>
+        </p:spPr>
+        <p:txBody>
+          <a:bodyPr wrap="square">
+            <a:spAutoFit/>
+          </a:bodyPr>
+          <a:lstStyle/>
+          <a:p>
+            <a:r>
+              <a:rPr lang="en-US" sz="800" dirty="0" err="1">
+                <a:latin typeface="Consolas" panose="020B0609020204030204" pitchFamily="49" charset="0"/>
+                <a:cs typeface="Consolas" panose="020B0609020204030204" pitchFamily="49" charset="0"/>
+              </a:rPr>
+              <a:t>my_abs</a:t>
+            </a:r>
+            <a:r>
+              <a:rPr lang="en-US" sz="800" dirty="0">
+                <a:latin typeface="Consolas" panose="020B0609020204030204" pitchFamily="49" charset="0"/>
+                <a:cs typeface="Consolas" panose="020B0609020204030204" pitchFamily="49" charset="0"/>
+              </a:rPr>
+              <a:t>(7)</a:t>
+            </a:r>
+          </a:p>
+        </p:txBody>
+      </p:sp>
+      <p:sp>
+        <p:nvSpPr>
+          <p:cNvPr id="67" name="Rectangle 66">
+            <a:extLst>
+              <a:ext uri="{FF2B5EF4-FFF2-40B4-BE49-F238E27FC236}">
+                <a16:creationId xmlns:a16="http://schemas.microsoft.com/office/drawing/2014/main" id="{754FEE2D-6237-9246-8F61-FF0E40D41EE1}"/>
+              </a:ext>
+            </a:extLst>
+          </p:cNvPr>
+          <p:cNvSpPr/>
+          <p:nvPr/>
+        </p:nvSpPr>
+        <p:spPr>
+          <a:xfrm>
+            <a:off x="3450386" y="6799179"/>
+            <a:ext cx="2237677" cy="338554"/>
+          </a:xfrm>
+          <a:custGeom>
+            <a:avLst/>
+            <a:gdLst>
+              <a:gd name="connsiteX0" fmla="*/ 0 w 2237677"/>
+              <a:gd name="connsiteY0" fmla="*/ 0 h 338554"/>
+              <a:gd name="connsiteX1" fmla="*/ 537042 w 2237677"/>
+              <a:gd name="connsiteY1" fmla="*/ 0 h 338554"/>
+              <a:gd name="connsiteX2" fmla="*/ 1096462 w 2237677"/>
+              <a:gd name="connsiteY2" fmla="*/ 0 h 338554"/>
+              <a:gd name="connsiteX3" fmla="*/ 1655881 w 2237677"/>
+              <a:gd name="connsiteY3" fmla="*/ 0 h 338554"/>
+              <a:gd name="connsiteX4" fmla="*/ 2237677 w 2237677"/>
+              <a:gd name="connsiteY4" fmla="*/ 0 h 338554"/>
+              <a:gd name="connsiteX5" fmla="*/ 2237677 w 2237677"/>
+              <a:gd name="connsiteY5" fmla="*/ 338554 h 338554"/>
+              <a:gd name="connsiteX6" fmla="*/ 1678258 w 2237677"/>
+              <a:gd name="connsiteY6" fmla="*/ 338554 h 338554"/>
+              <a:gd name="connsiteX7" fmla="*/ 1163592 w 2237677"/>
+              <a:gd name="connsiteY7" fmla="*/ 338554 h 338554"/>
+              <a:gd name="connsiteX8" fmla="*/ 648926 w 2237677"/>
+              <a:gd name="connsiteY8" fmla="*/ 338554 h 338554"/>
+              <a:gd name="connsiteX9" fmla="*/ 0 w 2237677"/>
+              <a:gd name="connsiteY9" fmla="*/ 338554 h 338554"/>
+              <a:gd name="connsiteX10" fmla="*/ 0 w 2237677"/>
+              <a:gd name="connsiteY10" fmla="*/ 0 h 338554"/>
+            </a:gdLst>
+            <a:ahLst/>
+            <a:cxnLst>
+              <a:cxn ang="0">
+                <a:pos x="connsiteX0" y="connsiteY0"/>
+              </a:cxn>
+              <a:cxn ang="0">
+                <a:pos x="connsiteX1" y="connsiteY1"/>
+              </a:cxn>
+              <a:cxn ang="0">
+                <a:pos x="connsiteX2" y="connsiteY2"/>
+              </a:cxn>
+              <a:cxn ang="0">
+                <a:pos x="connsiteX3" y="connsiteY3"/>
+              </a:cxn>
+              <a:cxn ang="0">
+                <a:pos x="connsiteX4" y="connsiteY4"/>
+              </a:cxn>
+              <a:cxn ang="0">
+                <a:pos x="connsiteX5" y="connsiteY5"/>
+              </a:cxn>
+              <a:cxn ang="0">
+                <a:pos x="connsiteX6" y="connsiteY6"/>
+              </a:cxn>
+              <a:cxn ang="0">
+                <a:pos x="connsiteX7" y="connsiteY7"/>
+              </a:cxn>
+              <a:cxn ang="0">
+                <a:pos x="connsiteX8" y="connsiteY8"/>
+              </a:cxn>
+              <a:cxn ang="0">
+                <a:pos x="connsiteX9" y="connsiteY9"/>
+              </a:cxn>
+              <a:cxn ang="0">
+                <a:pos x="connsiteX10" y="connsiteY10"/>
+              </a:cxn>
+            </a:cxnLst>
+            <a:rect l="l" t="t" r="r" b="b"/>
+            <a:pathLst>
+              <a:path w="2237677" h="338554" fill="none" extrusionOk="0">
+                <a:moveTo>
+                  <a:pt x="0" y="0"/>
+                </a:moveTo>
+                <a:cubicBezTo>
+                  <a:pt x="142435" y="13953"/>
+                  <a:pt x="327632" y="-2767"/>
+                  <a:pt x="537042" y="0"/>
+                </a:cubicBezTo>
+                <a:cubicBezTo>
+                  <a:pt x="746452" y="2767"/>
+                  <a:pt x="840496" y="-17550"/>
+                  <a:pt x="1096462" y="0"/>
+                </a:cubicBezTo>
+                <a:cubicBezTo>
+                  <a:pt x="1352428" y="17550"/>
+                  <a:pt x="1486871" y="-19786"/>
+                  <a:pt x="1655881" y="0"/>
+                </a:cubicBezTo>
+                <a:cubicBezTo>
+                  <a:pt x="1824891" y="19786"/>
+                  <a:pt x="2074208" y="13897"/>
+                  <a:pt x="2237677" y="0"/>
+                </a:cubicBezTo>
+                <a:cubicBezTo>
+                  <a:pt x="2235155" y="121961"/>
+                  <a:pt x="2231474" y="264573"/>
+                  <a:pt x="2237677" y="338554"/>
+                </a:cubicBezTo>
+                <a:cubicBezTo>
+                  <a:pt x="2077177" y="357133"/>
+                  <a:pt x="1935566" y="340828"/>
+                  <a:pt x="1678258" y="338554"/>
+                </a:cubicBezTo>
+                <a:cubicBezTo>
+                  <a:pt x="1420950" y="336280"/>
+                  <a:pt x="1284413" y="362627"/>
+                  <a:pt x="1163592" y="338554"/>
+                </a:cubicBezTo>
+                <a:cubicBezTo>
+                  <a:pt x="1042771" y="314481"/>
+                  <a:pt x="837559" y="342838"/>
+                  <a:pt x="648926" y="338554"/>
+                </a:cubicBezTo>
+                <a:cubicBezTo>
+                  <a:pt x="460293" y="334270"/>
+                  <a:pt x="157929" y="352266"/>
+                  <a:pt x="0" y="338554"/>
+                </a:cubicBezTo>
+                <a:cubicBezTo>
+                  <a:pt x="-5208" y="176273"/>
+                  <a:pt x="9892" y="90267"/>
+                  <a:pt x="0" y="0"/>
+                </a:cubicBezTo>
+                <a:close/>
+              </a:path>
+              <a:path w="2237677" h="338554" stroke="0" extrusionOk="0">
+                <a:moveTo>
+                  <a:pt x="0" y="0"/>
+                </a:moveTo>
+                <a:cubicBezTo>
+                  <a:pt x="192335" y="-10221"/>
+                  <a:pt x="389535" y="3491"/>
+                  <a:pt x="537042" y="0"/>
+                </a:cubicBezTo>
+                <a:cubicBezTo>
+                  <a:pt x="684549" y="-3491"/>
+                  <a:pt x="811207" y="9239"/>
+                  <a:pt x="1029331" y="0"/>
+                </a:cubicBezTo>
+                <a:cubicBezTo>
+                  <a:pt x="1247455" y="-9239"/>
+                  <a:pt x="1366077" y="21708"/>
+                  <a:pt x="1633504" y="0"/>
+                </a:cubicBezTo>
+                <a:cubicBezTo>
+                  <a:pt x="1900931" y="-21708"/>
+                  <a:pt x="2095624" y="26160"/>
+                  <a:pt x="2237677" y="0"/>
+                </a:cubicBezTo>
+                <a:cubicBezTo>
+                  <a:pt x="2238324" y="85468"/>
+                  <a:pt x="2235649" y="270253"/>
+                  <a:pt x="2237677" y="338554"/>
+                </a:cubicBezTo>
+                <a:cubicBezTo>
+                  <a:pt x="2064882" y="359068"/>
+                  <a:pt x="1961280" y="364182"/>
+                  <a:pt x="1723011" y="338554"/>
+                </a:cubicBezTo>
+                <a:cubicBezTo>
+                  <a:pt x="1484742" y="312926"/>
+                  <a:pt x="1397968" y="352450"/>
+                  <a:pt x="1208346" y="338554"/>
+                </a:cubicBezTo>
+                <a:cubicBezTo>
+                  <a:pt x="1018724" y="324658"/>
+                  <a:pt x="838718" y="330930"/>
+                  <a:pt x="604173" y="338554"/>
+                </a:cubicBezTo>
+                <a:cubicBezTo>
+                  <a:pt x="369628" y="346178"/>
+                  <a:pt x="261827" y="323763"/>
+                  <a:pt x="0" y="338554"/>
+                </a:cubicBezTo>
+                <a:cubicBezTo>
+                  <a:pt x="3529" y="261899"/>
+                  <a:pt x="5472" y="67847"/>
+                  <a:pt x="0" y="0"/>
+                </a:cubicBezTo>
+                <a:close/>
+              </a:path>
+            </a:pathLst>
+          </a:custGeom>
+          <a:ln>
+            <a:solidFill>
+              <a:schemeClr val="tx1"/>
+            </a:solidFill>
+            <a:extLst>
+              <a:ext uri="{C807C97D-BFC1-408E-A445-0C87EB9F89A2}">
+                <ask:lineSketchStyleProps xmlns:ask="http://schemas.microsoft.com/office/drawing/2018/sketchyshapes" sd="1219033472">
+                  <a:prstGeom prst="rect">
+                    <a:avLst/>
+                  </a:prstGeom>
+                  <ask:type>
+                    <ask:lineSketchFreehand/>
+                  </ask:type>
+                </ask:lineSketchStyleProps>
+              </a:ext>
+            </a:extLst>
+          </a:ln>
+        </p:spPr>
+        <p:txBody>
+          <a:bodyPr wrap="square">
+            <a:spAutoFit/>
+          </a:bodyPr>
+          <a:lstStyle/>
+          <a:p>
+            <a:r>
+              <a:rPr lang="en-US" sz="800" b="1" dirty="0">
+                <a:latin typeface="Consolas" panose="020B0609020204030204" pitchFamily="49" charset="0"/>
+                <a:cs typeface="Consolas" panose="020B0609020204030204" pitchFamily="49" charset="0"/>
+              </a:rPr>
+              <a:t>if n &lt; 0: return n * -1</a:t>
+            </a:r>
+          </a:p>
+          <a:p>
+            <a:r>
+              <a:rPr lang="en-US" sz="800" dirty="0">
+                <a:latin typeface="Consolas" panose="020B0609020204030204" pitchFamily="49" charset="0"/>
+                <a:cs typeface="Consolas" panose="020B0609020204030204" pitchFamily="49" charset="0"/>
+              </a:rPr>
+              <a:t>else: return n</a:t>
+            </a:r>
+          </a:p>
+        </p:txBody>
+      </p:sp>
+      <p:sp>
+        <p:nvSpPr>
+          <p:cNvPr id="68" name="Rectangle 67">
+            <a:extLst>
+              <a:ext uri="{FF2B5EF4-FFF2-40B4-BE49-F238E27FC236}">
+                <a16:creationId xmlns:a16="http://schemas.microsoft.com/office/drawing/2014/main" id="{A466870E-6E6E-2B45-8D50-233021C76346}"/>
+              </a:ext>
+            </a:extLst>
+          </p:cNvPr>
+          <p:cNvSpPr/>
+          <p:nvPr/>
+        </p:nvSpPr>
+        <p:spPr>
+          <a:xfrm>
+            <a:off x="5154663" y="6799179"/>
+            <a:ext cx="523625" cy="215444"/>
+          </a:xfrm>
+          <a:custGeom>
+            <a:avLst/>
+            <a:gdLst>
+              <a:gd name="connsiteX0" fmla="*/ 0 w 523625"/>
+              <a:gd name="connsiteY0" fmla="*/ 0 h 215444"/>
+              <a:gd name="connsiteX1" fmla="*/ 523625 w 523625"/>
+              <a:gd name="connsiteY1" fmla="*/ 0 h 215444"/>
+              <a:gd name="connsiteX2" fmla="*/ 523625 w 523625"/>
+              <a:gd name="connsiteY2" fmla="*/ 215444 h 215444"/>
+              <a:gd name="connsiteX3" fmla="*/ 0 w 523625"/>
+              <a:gd name="connsiteY3" fmla="*/ 215444 h 215444"/>
+              <a:gd name="connsiteX4" fmla="*/ 0 w 523625"/>
+              <a:gd name="connsiteY4" fmla="*/ 0 h 215444"/>
+            </a:gdLst>
+            <a:ahLst/>
+            <a:cxnLst>
+              <a:cxn ang="0">
+                <a:pos x="connsiteX0" y="connsiteY0"/>
+              </a:cxn>
+              <a:cxn ang="0">
+                <a:pos x="connsiteX1" y="connsiteY1"/>
+              </a:cxn>
+              <a:cxn ang="0">
+                <a:pos x="connsiteX2" y="connsiteY2"/>
+              </a:cxn>
+              <a:cxn ang="0">
+                <a:pos x="connsiteX3" y="connsiteY3"/>
+              </a:cxn>
+              <a:cxn ang="0">
+                <a:pos x="connsiteX4" y="connsiteY4"/>
+              </a:cxn>
+            </a:cxnLst>
+            <a:rect l="l" t="t" r="r" b="b"/>
+            <a:pathLst>
+              <a:path w="523625" h="215444" fill="none" extrusionOk="0">
+                <a:moveTo>
+                  <a:pt x="0" y="0"/>
+                </a:moveTo>
+                <a:cubicBezTo>
+                  <a:pt x="225578" y="10345"/>
+                  <a:pt x="311665" y="-12188"/>
+                  <a:pt x="523625" y="0"/>
+                </a:cubicBezTo>
+                <a:cubicBezTo>
+                  <a:pt x="533910" y="74731"/>
+                  <a:pt x="527545" y="138425"/>
+                  <a:pt x="523625" y="215444"/>
+                </a:cubicBezTo>
+                <a:cubicBezTo>
+                  <a:pt x="385024" y="215915"/>
+                  <a:pt x="195314" y="213763"/>
+                  <a:pt x="0" y="215444"/>
+                </a:cubicBezTo>
+                <a:cubicBezTo>
+                  <a:pt x="1173" y="146596"/>
+                  <a:pt x="5009" y="62565"/>
+                  <a:pt x="0" y="0"/>
+                </a:cubicBezTo>
+                <a:close/>
+              </a:path>
+              <a:path w="523625" h="215444" stroke="0" extrusionOk="0">
+                <a:moveTo>
+                  <a:pt x="0" y="0"/>
+                </a:moveTo>
+                <a:cubicBezTo>
+                  <a:pt x="214074" y="-5172"/>
+                  <a:pt x="409478" y="20598"/>
+                  <a:pt x="523625" y="0"/>
+                </a:cubicBezTo>
+                <a:cubicBezTo>
+                  <a:pt x="516703" y="56061"/>
+                  <a:pt x="530556" y="130135"/>
+                  <a:pt x="523625" y="215444"/>
+                </a:cubicBezTo>
+                <a:cubicBezTo>
+                  <a:pt x="417978" y="211909"/>
+                  <a:pt x="241319" y="215029"/>
+                  <a:pt x="0" y="215444"/>
+                </a:cubicBezTo>
+                <a:cubicBezTo>
+                  <a:pt x="4310" y="124890"/>
+                  <a:pt x="-2278" y="81524"/>
+                  <a:pt x="0" y="0"/>
+                </a:cubicBezTo>
+                <a:close/>
+              </a:path>
+            </a:pathLst>
+          </a:custGeom>
+          <a:ln>
+            <a:solidFill>
+              <a:schemeClr val="tx1"/>
+            </a:solidFill>
+            <a:extLst>
+              <a:ext uri="{C807C97D-BFC1-408E-A445-0C87EB9F89A2}">
+                <ask:lineSketchStyleProps xmlns:ask="http://schemas.microsoft.com/office/drawing/2018/sketchyshapes" sd="910468536">
+                  <a:prstGeom prst="rect">
+                    <a:avLst/>
+                  </a:prstGeom>
+                  <ask:type>
+                    <ask:lineSketchFreehand/>
+                  </ask:type>
+                </ask:lineSketchStyleProps>
+              </a:ext>
+            </a:extLst>
+          </a:ln>
+        </p:spPr>
+        <p:txBody>
+          <a:bodyPr wrap="square">
+            <a:spAutoFit/>
+          </a:bodyPr>
+          <a:lstStyle/>
+          <a:p>
+            <a:r>
+              <a:rPr lang="en-US" sz="800" dirty="0">
+                <a:latin typeface="Consolas" panose="020B0609020204030204" pitchFamily="49" charset="0"/>
+                <a:cs typeface="Consolas" panose="020B0609020204030204" pitchFamily="49" charset="0"/>
+              </a:rPr>
+              <a:t>n : 7</a:t>
+            </a:r>
+          </a:p>
+        </p:txBody>
+      </p:sp>
+      <p:sp>
+        <p:nvSpPr>
+          <p:cNvPr id="69" name="Rectangle 68">
+            <a:extLst>
+              <a:ext uri="{FF2B5EF4-FFF2-40B4-BE49-F238E27FC236}">
+                <a16:creationId xmlns:a16="http://schemas.microsoft.com/office/drawing/2014/main" id="{E8C5C120-296D-054F-970D-CBB5CBC82385}"/>
+              </a:ext>
+            </a:extLst>
+          </p:cNvPr>
+          <p:cNvSpPr/>
+          <p:nvPr/>
+        </p:nvSpPr>
+        <p:spPr>
+          <a:xfrm>
+            <a:off x="3440611" y="7251468"/>
+            <a:ext cx="2237677" cy="338554"/>
+          </a:xfrm>
+          <a:custGeom>
+            <a:avLst/>
+            <a:gdLst>
+              <a:gd name="connsiteX0" fmla="*/ 0 w 2237677"/>
+              <a:gd name="connsiteY0" fmla="*/ 0 h 338554"/>
+              <a:gd name="connsiteX1" fmla="*/ 537042 w 2237677"/>
+              <a:gd name="connsiteY1" fmla="*/ 0 h 338554"/>
+              <a:gd name="connsiteX2" fmla="*/ 1096462 w 2237677"/>
+              <a:gd name="connsiteY2" fmla="*/ 0 h 338554"/>
+              <a:gd name="connsiteX3" fmla="*/ 1655881 w 2237677"/>
+              <a:gd name="connsiteY3" fmla="*/ 0 h 338554"/>
+              <a:gd name="connsiteX4" fmla="*/ 2237677 w 2237677"/>
+              <a:gd name="connsiteY4" fmla="*/ 0 h 338554"/>
+              <a:gd name="connsiteX5" fmla="*/ 2237677 w 2237677"/>
+              <a:gd name="connsiteY5" fmla="*/ 338554 h 338554"/>
+              <a:gd name="connsiteX6" fmla="*/ 1678258 w 2237677"/>
+              <a:gd name="connsiteY6" fmla="*/ 338554 h 338554"/>
+              <a:gd name="connsiteX7" fmla="*/ 1163592 w 2237677"/>
+              <a:gd name="connsiteY7" fmla="*/ 338554 h 338554"/>
+              <a:gd name="connsiteX8" fmla="*/ 648926 w 2237677"/>
+              <a:gd name="connsiteY8" fmla="*/ 338554 h 338554"/>
+              <a:gd name="connsiteX9" fmla="*/ 0 w 2237677"/>
+              <a:gd name="connsiteY9" fmla="*/ 338554 h 338554"/>
+              <a:gd name="connsiteX10" fmla="*/ 0 w 2237677"/>
+              <a:gd name="connsiteY10" fmla="*/ 0 h 338554"/>
+            </a:gdLst>
+            <a:ahLst/>
+            <a:cxnLst>
+              <a:cxn ang="0">
+                <a:pos x="connsiteX0" y="connsiteY0"/>
+              </a:cxn>
+              <a:cxn ang="0">
+                <a:pos x="connsiteX1" y="connsiteY1"/>
+              </a:cxn>
+              <a:cxn ang="0">
+                <a:pos x="connsiteX2" y="connsiteY2"/>
+              </a:cxn>
+              <a:cxn ang="0">
+                <a:pos x="connsiteX3" y="connsiteY3"/>
+              </a:cxn>
+              <a:cxn ang="0">
+                <a:pos x="connsiteX4" y="connsiteY4"/>
+              </a:cxn>
+              <a:cxn ang="0">
+                <a:pos x="connsiteX5" y="connsiteY5"/>
+              </a:cxn>
+              <a:cxn ang="0">
+                <a:pos x="connsiteX6" y="connsiteY6"/>
+              </a:cxn>
+              <a:cxn ang="0">
+                <a:pos x="connsiteX7" y="connsiteY7"/>
+              </a:cxn>
+              <a:cxn ang="0">
+                <a:pos x="connsiteX8" y="connsiteY8"/>
+              </a:cxn>
+              <a:cxn ang="0">
+                <a:pos x="connsiteX9" y="connsiteY9"/>
+              </a:cxn>
+              <a:cxn ang="0">
+                <a:pos x="connsiteX10" y="connsiteY10"/>
+              </a:cxn>
+            </a:cxnLst>
+            <a:rect l="l" t="t" r="r" b="b"/>
+            <a:pathLst>
+              <a:path w="2237677" h="338554" fill="none" extrusionOk="0">
+                <a:moveTo>
+                  <a:pt x="0" y="0"/>
+                </a:moveTo>
+                <a:cubicBezTo>
+                  <a:pt x="142435" y="13953"/>
+                  <a:pt x="327632" y="-2767"/>
+                  <a:pt x="537042" y="0"/>
+                </a:cubicBezTo>
+                <a:cubicBezTo>
+                  <a:pt x="746452" y="2767"/>
+                  <a:pt x="840496" y="-17550"/>
+                  <a:pt x="1096462" y="0"/>
+                </a:cubicBezTo>
+                <a:cubicBezTo>
+                  <a:pt x="1352428" y="17550"/>
+                  <a:pt x="1486871" y="-19786"/>
+                  <a:pt x="1655881" y="0"/>
+                </a:cubicBezTo>
+                <a:cubicBezTo>
+                  <a:pt x="1824891" y="19786"/>
+                  <a:pt x="2074208" y="13897"/>
+                  <a:pt x="2237677" y="0"/>
+                </a:cubicBezTo>
+                <a:cubicBezTo>
+                  <a:pt x="2235155" y="121961"/>
+                  <a:pt x="2231474" y="264573"/>
+                  <a:pt x="2237677" y="338554"/>
+                </a:cubicBezTo>
+                <a:cubicBezTo>
+                  <a:pt x="2077177" y="357133"/>
+                  <a:pt x="1935566" y="340828"/>
+                  <a:pt x="1678258" y="338554"/>
+                </a:cubicBezTo>
+                <a:cubicBezTo>
+                  <a:pt x="1420950" y="336280"/>
+                  <a:pt x="1284413" y="362627"/>
+                  <a:pt x="1163592" y="338554"/>
+                </a:cubicBezTo>
+                <a:cubicBezTo>
+                  <a:pt x="1042771" y="314481"/>
+                  <a:pt x="837559" y="342838"/>
+                  <a:pt x="648926" y="338554"/>
+                </a:cubicBezTo>
+                <a:cubicBezTo>
+                  <a:pt x="460293" y="334270"/>
+                  <a:pt x="157929" y="352266"/>
+                  <a:pt x="0" y="338554"/>
+                </a:cubicBezTo>
+                <a:cubicBezTo>
+                  <a:pt x="-5208" y="176273"/>
+                  <a:pt x="9892" y="90267"/>
+                  <a:pt x="0" y="0"/>
+                </a:cubicBezTo>
+                <a:close/>
+              </a:path>
+              <a:path w="2237677" h="338554" stroke="0" extrusionOk="0">
+                <a:moveTo>
+                  <a:pt x="0" y="0"/>
+                </a:moveTo>
+                <a:cubicBezTo>
+                  <a:pt x="192335" y="-10221"/>
+                  <a:pt x="389535" y="3491"/>
+                  <a:pt x="537042" y="0"/>
+                </a:cubicBezTo>
+                <a:cubicBezTo>
+                  <a:pt x="684549" y="-3491"/>
+                  <a:pt x="811207" y="9239"/>
+                  <a:pt x="1029331" y="0"/>
+                </a:cubicBezTo>
+                <a:cubicBezTo>
+                  <a:pt x="1247455" y="-9239"/>
+                  <a:pt x="1366077" y="21708"/>
+                  <a:pt x="1633504" y="0"/>
+                </a:cubicBezTo>
+                <a:cubicBezTo>
+                  <a:pt x="1900931" y="-21708"/>
+                  <a:pt x="2095624" y="26160"/>
+                  <a:pt x="2237677" y="0"/>
+                </a:cubicBezTo>
+                <a:cubicBezTo>
+                  <a:pt x="2238324" y="85468"/>
+                  <a:pt x="2235649" y="270253"/>
+                  <a:pt x="2237677" y="338554"/>
+                </a:cubicBezTo>
+                <a:cubicBezTo>
+                  <a:pt x="2064882" y="359068"/>
+                  <a:pt x="1961280" y="364182"/>
+                  <a:pt x="1723011" y="338554"/>
+                </a:cubicBezTo>
+                <a:cubicBezTo>
+                  <a:pt x="1484742" y="312926"/>
+                  <a:pt x="1397968" y="352450"/>
+                  <a:pt x="1208346" y="338554"/>
+                </a:cubicBezTo>
+                <a:cubicBezTo>
+                  <a:pt x="1018724" y="324658"/>
+                  <a:pt x="838718" y="330930"/>
+                  <a:pt x="604173" y="338554"/>
+                </a:cubicBezTo>
+                <a:cubicBezTo>
+                  <a:pt x="369628" y="346178"/>
+                  <a:pt x="261827" y="323763"/>
+                  <a:pt x="0" y="338554"/>
+                </a:cubicBezTo>
+                <a:cubicBezTo>
+                  <a:pt x="3529" y="261899"/>
+                  <a:pt x="5472" y="67847"/>
+                  <a:pt x="0" y="0"/>
+                </a:cubicBezTo>
+                <a:close/>
+              </a:path>
+            </a:pathLst>
+          </a:custGeom>
+          <a:ln>
+            <a:solidFill>
+              <a:schemeClr val="tx1"/>
+            </a:solidFill>
+            <a:extLst>
+              <a:ext uri="{C807C97D-BFC1-408E-A445-0C87EB9F89A2}">
+                <ask:lineSketchStyleProps xmlns:ask="http://schemas.microsoft.com/office/drawing/2018/sketchyshapes" sd="1219033472">
+                  <a:prstGeom prst="rect">
+                    <a:avLst/>
+                  </a:prstGeom>
+                  <ask:type>
+                    <ask:lineSketchFreehand/>
+                  </ask:type>
+                </ask:lineSketchStyleProps>
+              </a:ext>
+            </a:extLst>
+          </a:ln>
+        </p:spPr>
+        <p:txBody>
+          <a:bodyPr wrap="square">
+            <a:spAutoFit/>
+          </a:bodyPr>
+          <a:lstStyle/>
+          <a:p>
+            <a:r>
+              <a:rPr lang="en-US" sz="800" dirty="0">
+                <a:latin typeface="Consolas" panose="020B0609020204030204" pitchFamily="49" charset="0"/>
+                <a:cs typeface="Consolas" panose="020B0609020204030204" pitchFamily="49" charset="0"/>
+              </a:rPr>
+              <a:t>if </a:t>
+            </a:r>
+            <a:r>
+              <a:rPr lang="en-US" sz="800" b="1" dirty="0">
+                <a:latin typeface="Consolas" panose="020B0609020204030204" pitchFamily="49" charset="0"/>
+                <a:cs typeface="Consolas" panose="020B0609020204030204" pitchFamily="49" charset="0"/>
+              </a:rPr>
+              <a:t>False</a:t>
+            </a:r>
+            <a:r>
+              <a:rPr lang="en-US" sz="800" dirty="0">
+                <a:latin typeface="Consolas" panose="020B0609020204030204" pitchFamily="49" charset="0"/>
+                <a:cs typeface="Consolas" panose="020B0609020204030204" pitchFamily="49" charset="0"/>
+              </a:rPr>
+              <a:t>: return n * -1</a:t>
+            </a:r>
+          </a:p>
+          <a:p>
+            <a:r>
+              <a:rPr lang="en-US" sz="800" dirty="0">
+                <a:latin typeface="Consolas" panose="020B0609020204030204" pitchFamily="49" charset="0"/>
+                <a:cs typeface="Consolas" panose="020B0609020204030204" pitchFamily="49" charset="0"/>
+              </a:rPr>
+              <a:t>else: return n</a:t>
+            </a:r>
+          </a:p>
+        </p:txBody>
+      </p:sp>
+      <p:sp>
+        <p:nvSpPr>
+          <p:cNvPr id="70" name="Rectangle 69">
+            <a:extLst>
+              <a:ext uri="{FF2B5EF4-FFF2-40B4-BE49-F238E27FC236}">
+                <a16:creationId xmlns:a16="http://schemas.microsoft.com/office/drawing/2014/main" id="{85D73663-DF1B-8A4B-BFB1-A36E99E751A4}"/>
+              </a:ext>
+            </a:extLst>
+          </p:cNvPr>
+          <p:cNvSpPr/>
+          <p:nvPr/>
+        </p:nvSpPr>
+        <p:spPr>
+          <a:xfrm>
+            <a:off x="5144888" y="7251468"/>
+            <a:ext cx="523625" cy="215444"/>
+          </a:xfrm>
+          <a:custGeom>
+            <a:avLst/>
+            <a:gdLst>
+              <a:gd name="connsiteX0" fmla="*/ 0 w 523625"/>
+              <a:gd name="connsiteY0" fmla="*/ 0 h 215444"/>
+              <a:gd name="connsiteX1" fmla="*/ 523625 w 523625"/>
+              <a:gd name="connsiteY1" fmla="*/ 0 h 215444"/>
+              <a:gd name="connsiteX2" fmla="*/ 523625 w 523625"/>
+              <a:gd name="connsiteY2" fmla="*/ 215444 h 215444"/>
+              <a:gd name="connsiteX3" fmla="*/ 0 w 523625"/>
+              <a:gd name="connsiteY3" fmla="*/ 215444 h 215444"/>
+              <a:gd name="connsiteX4" fmla="*/ 0 w 523625"/>
+              <a:gd name="connsiteY4" fmla="*/ 0 h 215444"/>
+            </a:gdLst>
+            <a:ahLst/>
+            <a:cxnLst>
+              <a:cxn ang="0">
+                <a:pos x="connsiteX0" y="connsiteY0"/>
+              </a:cxn>
+              <a:cxn ang="0">
+                <a:pos x="connsiteX1" y="connsiteY1"/>
+              </a:cxn>
+              <a:cxn ang="0">
+                <a:pos x="connsiteX2" y="connsiteY2"/>
+              </a:cxn>
+              <a:cxn ang="0">
+                <a:pos x="connsiteX3" y="connsiteY3"/>
+              </a:cxn>
+              <a:cxn ang="0">
+                <a:pos x="connsiteX4" y="connsiteY4"/>
+              </a:cxn>
+            </a:cxnLst>
+            <a:rect l="l" t="t" r="r" b="b"/>
+            <a:pathLst>
+              <a:path w="523625" h="215444" fill="none" extrusionOk="0">
+                <a:moveTo>
+                  <a:pt x="0" y="0"/>
+                </a:moveTo>
+                <a:cubicBezTo>
+                  <a:pt x="225578" y="10345"/>
+                  <a:pt x="311665" y="-12188"/>
+                  <a:pt x="523625" y="0"/>
+                </a:cubicBezTo>
+                <a:cubicBezTo>
+                  <a:pt x="533910" y="74731"/>
+                  <a:pt x="527545" y="138425"/>
+                  <a:pt x="523625" y="215444"/>
+                </a:cubicBezTo>
+                <a:cubicBezTo>
+                  <a:pt x="385024" y="215915"/>
+                  <a:pt x="195314" y="213763"/>
+                  <a:pt x="0" y="215444"/>
+                </a:cubicBezTo>
+                <a:cubicBezTo>
+                  <a:pt x="1173" y="146596"/>
+                  <a:pt x="5009" y="62565"/>
+                  <a:pt x="0" y="0"/>
+                </a:cubicBezTo>
+                <a:close/>
+              </a:path>
+              <a:path w="523625" h="215444" stroke="0" extrusionOk="0">
+                <a:moveTo>
+                  <a:pt x="0" y="0"/>
+                </a:moveTo>
+                <a:cubicBezTo>
+                  <a:pt x="214074" y="-5172"/>
+                  <a:pt x="409478" y="20598"/>
+                  <a:pt x="523625" y="0"/>
+                </a:cubicBezTo>
+                <a:cubicBezTo>
+                  <a:pt x="516703" y="56061"/>
+                  <a:pt x="530556" y="130135"/>
+                  <a:pt x="523625" y="215444"/>
+                </a:cubicBezTo>
+                <a:cubicBezTo>
+                  <a:pt x="417978" y="211909"/>
+                  <a:pt x="241319" y="215029"/>
+                  <a:pt x="0" y="215444"/>
+                </a:cubicBezTo>
+                <a:cubicBezTo>
+                  <a:pt x="4310" y="124890"/>
+                  <a:pt x="-2278" y="81524"/>
+                  <a:pt x="0" y="0"/>
+                </a:cubicBezTo>
+                <a:close/>
+              </a:path>
+            </a:pathLst>
+          </a:custGeom>
+          <a:ln>
+            <a:solidFill>
+              <a:schemeClr val="tx1"/>
+            </a:solidFill>
+            <a:extLst>
+              <a:ext uri="{C807C97D-BFC1-408E-A445-0C87EB9F89A2}">
+                <ask:lineSketchStyleProps xmlns:ask="http://schemas.microsoft.com/office/drawing/2018/sketchyshapes" sd="910468536">
+                  <a:prstGeom prst="rect">
+                    <a:avLst/>
+                  </a:prstGeom>
+                  <ask:type>
+                    <ask:lineSketchFreehand/>
+                  </ask:type>
+                </ask:lineSketchStyleProps>
+              </a:ext>
+            </a:extLst>
+          </a:ln>
+        </p:spPr>
+        <p:txBody>
+          <a:bodyPr wrap="square">
+            <a:spAutoFit/>
+          </a:bodyPr>
+          <a:lstStyle/>
+          <a:p>
+            <a:r>
+              <a:rPr lang="en-US" sz="800" dirty="0">
+                <a:latin typeface="Consolas" panose="020B0609020204030204" pitchFamily="49" charset="0"/>
+                <a:cs typeface="Consolas" panose="020B0609020204030204" pitchFamily="49" charset="0"/>
+              </a:rPr>
+              <a:t>n : 7</a:t>
+            </a:r>
+          </a:p>
+        </p:txBody>
+      </p:sp>
+      <p:sp>
+        <p:nvSpPr>
+          <p:cNvPr id="71" name="Rectangle 70">
+            <a:extLst>
+              <a:ext uri="{FF2B5EF4-FFF2-40B4-BE49-F238E27FC236}">
+                <a16:creationId xmlns:a16="http://schemas.microsoft.com/office/drawing/2014/main" id="{C327D978-5278-1441-8C6C-E5CCB896F663}"/>
+              </a:ext>
+            </a:extLst>
+          </p:cNvPr>
+          <p:cNvSpPr/>
+          <p:nvPr/>
+        </p:nvSpPr>
+        <p:spPr>
+          <a:xfrm>
+            <a:off x="3429000" y="7672502"/>
+            <a:ext cx="2237677" cy="215444"/>
+          </a:xfrm>
+          <a:custGeom>
+            <a:avLst/>
+            <a:gdLst>
+              <a:gd name="connsiteX0" fmla="*/ 0 w 2237677"/>
+              <a:gd name="connsiteY0" fmla="*/ 0 h 215444"/>
+              <a:gd name="connsiteX1" fmla="*/ 537042 w 2237677"/>
+              <a:gd name="connsiteY1" fmla="*/ 0 h 215444"/>
+              <a:gd name="connsiteX2" fmla="*/ 1096462 w 2237677"/>
+              <a:gd name="connsiteY2" fmla="*/ 0 h 215444"/>
+              <a:gd name="connsiteX3" fmla="*/ 1655881 w 2237677"/>
+              <a:gd name="connsiteY3" fmla="*/ 0 h 215444"/>
+              <a:gd name="connsiteX4" fmla="*/ 2237677 w 2237677"/>
+              <a:gd name="connsiteY4" fmla="*/ 0 h 215444"/>
+              <a:gd name="connsiteX5" fmla="*/ 2237677 w 2237677"/>
+              <a:gd name="connsiteY5" fmla="*/ 215444 h 215444"/>
+              <a:gd name="connsiteX6" fmla="*/ 1678258 w 2237677"/>
+              <a:gd name="connsiteY6" fmla="*/ 215444 h 215444"/>
+              <a:gd name="connsiteX7" fmla="*/ 1163592 w 2237677"/>
+              <a:gd name="connsiteY7" fmla="*/ 215444 h 215444"/>
+              <a:gd name="connsiteX8" fmla="*/ 648926 w 2237677"/>
+              <a:gd name="connsiteY8" fmla="*/ 215444 h 215444"/>
+              <a:gd name="connsiteX9" fmla="*/ 0 w 2237677"/>
+              <a:gd name="connsiteY9" fmla="*/ 215444 h 215444"/>
+              <a:gd name="connsiteX10" fmla="*/ 0 w 2237677"/>
+              <a:gd name="connsiteY10" fmla="*/ 0 h 215444"/>
+            </a:gdLst>
+            <a:ahLst/>
+            <a:cxnLst>
+              <a:cxn ang="0">
+                <a:pos x="connsiteX0" y="connsiteY0"/>
+              </a:cxn>
+              <a:cxn ang="0">
+                <a:pos x="connsiteX1" y="connsiteY1"/>
+              </a:cxn>
+              <a:cxn ang="0">
+                <a:pos x="connsiteX2" y="connsiteY2"/>
+              </a:cxn>
+              <a:cxn ang="0">
+                <a:pos x="connsiteX3" y="connsiteY3"/>
+              </a:cxn>
+              <a:cxn ang="0">
+                <a:pos x="connsiteX4" y="connsiteY4"/>
+              </a:cxn>
+              <a:cxn ang="0">
+                <a:pos x="connsiteX5" y="connsiteY5"/>
+              </a:cxn>
+              <a:cxn ang="0">
+                <a:pos x="connsiteX6" y="connsiteY6"/>
+              </a:cxn>
+              <a:cxn ang="0">
+                <a:pos x="connsiteX7" y="connsiteY7"/>
+              </a:cxn>
+              <a:cxn ang="0">
+                <a:pos x="connsiteX8" y="connsiteY8"/>
+              </a:cxn>
+              <a:cxn ang="0">
+                <a:pos x="connsiteX9" y="connsiteY9"/>
+              </a:cxn>
+              <a:cxn ang="0">
+                <a:pos x="connsiteX10" y="connsiteY10"/>
+              </a:cxn>
+            </a:cxnLst>
+            <a:rect l="l" t="t" r="r" b="b"/>
+            <a:pathLst>
+              <a:path w="2237677" h="215444" fill="none" extrusionOk="0">
+                <a:moveTo>
+                  <a:pt x="0" y="0"/>
+                </a:moveTo>
+                <a:cubicBezTo>
+                  <a:pt x="142435" y="13953"/>
+                  <a:pt x="327632" y="-2767"/>
+                  <a:pt x="537042" y="0"/>
+                </a:cubicBezTo>
+                <a:cubicBezTo>
+                  <a:pt x="746452" y="2767"/>
+                  <a:pt x="840496" y="-17550"/>
+                  <a:pt x="1096462" y="0"/>
+                </a:cubicBezTo>
+                <a:cubicBezTo>
+                  <a:pt x="1352428" y="17550"/>
+                  <a:pt x="1486871" y="-19786"/>
+                  <a:pt x="1655881" y="0"/>
+                </a:cubicBezTo>
+                <a:cubicBezTo>
+                  <a:pt x="1824891" y="19786"/>
+                  <a:pt x="2074208" y="13897"/>
+                  <a:pt x="2237677" y="0"/>
+                </a:cubicBezTo>
+                <a:cubicBezTo>
+                  <a:pt x="2239877" y="47097"/>
+                  <a:pt x="2228771" y="110310"/>
+                  <a:pt x="2237677" y="215444"/>
+                </a:cubicBezTo>
+                <a:cubicBezTo>
+                  <a:pt x="2077177" y="234023"/>
+                  <a:pt x="1935566" y="217718"/>
+                  <a:pt x="1678258" y="215444"/>
+                </a:cubicBezTo>
+                <a:cubicBezTo>
+                  <a:pt x="1420950" y="213170"/>
+                  <a:pt x="1284413" y="239517"/>
+                  <a:pt x="1163592" y="215444"/>
+                </a:cubicBezTo>
+                <a:cubicBezTo>
+                  <a:pt x="1042771" y="191371"/>
+                  <a:pt x="837559" y="219728"/>
+                  <a:pt x="648926" y="215444"/>
+                </a:cubicBezTo>
+                <a:cubicBezTo>
+                  <a:pt x="460293" y="211160"/>
+                  <a:pt x="157929" y="229156"/>
+                  <a:pt x="0" y="215444"/>
+                </a:cubicBezTo>
+                <a:cubicBezTo>
+                  <a:pt x="-5841" y="135246"/>
+                  <a:pt x="-7448" y="60224"/>
+                  <a:pt x="0" y="0"/>
+                </a:cubicBezTo>
+                <a:close/>
+              </a:path>
+              <a:path w="2237677" h="215444" stroke="0" extrusionOk="0">
+                <a:moveTo>
+                  <a:pt x="0" y="0"/>
+                </a:moveTo>
+                <a:cubicBezTo>
+                  <a:pt x="192335" y="-10221"/>
+                  <a:pt x="389535" y="3491"/>
+                  <a:pt x="537042" y="0"/>
+                </a:cubicBezTo>
+                <a:cubicBezTo>
+                  <a:pt x="684549" y="-3491"/>
+                  <a:pt x="811207" y="9239"/>
+                  <a:pt x="1029331" y="0"/>
+                </a:cubicBezTo>
+                <a:cubicBezTo>
+                  <a:pt x="1247455" y="-9239"/>
+                  <a:pt x="1366077" y="21708"/>
+                  <a:pt x="1633504" y="0"/>
+                </a:cubicBezTo>
+                <a:cubicBezTo>
+                  <a:pt x="1900931" y="-21708"/>
+                  <a:pt x="2095624" y="26160"/>
+                  <a:pt x="2237677" y="0"/>
+                </a:cubicBezTo>
+                <a:cubicBezTo>
+                  <a:pt x="2229645" y="70980"/>
+                  <a:pt x="2244031" y="144352"/>
+                  <a:pt x="2237677" y="215444"/>
+                </a:cubicBezTo>
+                <a:cubicBezTo>
+                  <a:pt x="2064882" y="235958"/>
+                  <a:pt x="1961280" y="241072"/>
+                  <a:pt x="1723011" y="215444"/>
+                </a:cubicBezTo>
+                <a:cubicBezTo>
+                  <a:pt x="1484742" y="189816"/>
+                  <a:pt x="1397968" y="229340"/>
+                  <a:pt x="1208346" y="215444"/>
+                </a:cubicBezTo>
+                <a:cubicBezTo>
+                  <a:pt x="1018724" y="201548"/>
+                  <a:pt x="838718" y="207820"/>
+                  <a:pt x="604173" y="215444"/>
+                </a:cubicBezTo>
+                <a:cubicBezTo>
+                  <a:pt x="369628" y="223068"/>
+                  <a:pt x="261827" y="200653"/>
+                  <a:pt x="0" y="215444"/>
+                </a:cubicBezTo>
+                <a:cubicBezTo>
+                  <a:pt x="5270" y="124398"/>
+                  <a:pt x="4045" y="63076"/>
+                  <a:pt x="0" y="0"/>
+                </a:cubicBezTo>
+                <a:close/>
+              </a:path>
+            </a:pathLst>
+          </a:custGeom>
+          <a:ln>
+            <a:solidFill>
+              <a:schemeClr val="tx1"/>
+            </a:solidFill>
+            <a:extLst>
+              <a:ext uri="{C807C97D-BFC1-408E-A445-0C87EB9F89A2}">
+                <ask:lineSketchStyleProps xmlns:ask="http://schemas.microsoft.com/office/drawing/2018/sketchyshapes" sd="1219033472">
+                  <a:prstGeom prst="rect">
+                    <a:avLst/>
+                  </a:prstGeom>
+                  <ask:type>
+                    <ask:lineSketchFreehand/>
+                  </ask:type>
+                </ask:lineSketchStyleProps>
+              </a:ext>
+            </a:extLst>
+          </a:ln>
+        </p:spPr>
+        <p:txBody>
+          <a:bodyPr wrap="square">
+            <a:spAutoFit/>
+          </a:bodyPr>
+          <a:lstStyle/>
+          <a:p>
+            <a:r>
+              <a:rPr lang="en-US" sz="800" dirty="0">
+                <a:latin typeface="Consolas" panose="020B0609020204030204" pitchFamily="49" charset="0"/>
+                <a:cs typeface="Consolas" panose="020B0609020204030204" pitchFamily="49" charset="0"/>
+              </a:rPr>
+              <a:t>return n</a:t>
+            </a:r>
+          </a:p>
+        </p:txBody>
+      </p:sp>
+      <p:sp>
+        <p:nvSpPr>
+          <p:cNvPr id="72" name="Rectangle 71">
+            <a:extLst>
+              <a:ext uri="{FF2B5EF4-FFF2-40B4-BE49-F238E27FC236}">
+                <a16:creationId xmlns:a16="http://schemas.microsoft.com/office/drawing/2014/main" id="{0316199D-BCDE-C943-9E35-7CD836FF0636}"/>
+              </a:ext>
+            </a:extLst>
+          </p:cNvPr>
+          <p:cNvSpPr/>
+          <p:nvPr/>
+        </p:nvSpPr>
+        <p:spPr>
+          <a:xfrm>
+            <a:off x="5133277" y="7672502"/>
+            <a:ext cx="523625" cy="215444"/>
+          </a:xfrm>
+          <a:custGeom>
+            <a:avLst/>
+            <a:gdLst>
+              <a:gd name="connsiteX0" fmla="*/ 0 w 523625"/>
+              <a:gd name="connsiteY0" fmla="*/ 0 h 215444"/>
+              <a:gd name="connsiteX1" fmla="*/ 523625 w 523625"/>
+              <a:gd name="connsiteY1" fmla="*/ 0 h 215444"/>
+              <a:gd name="connsiteX2" fmla="*/ 523625 w 523625"/>
+              <a:gd name="connsiteY2" fmla="*/ 215444 h 215444"/>
+              <a:gd name="connsiteX3" fmla="*/ 0 w 523625"/>
+              <a:gd name="connsiteY3" fmla="*/ 215444 h 215444"/>
+              <a:gd name="connsiteX4" fmla="*/ 0 w 523625"/>
+              <a:gd name="connsiteY4" fmla="*/ 0 h 215444"/>
+            </a:gdLst>
+            <a:ahLst/>
+            <a:cxnLst>
+              <a:cxn ang="0">
+                <a:pos x="connsiteX0" y="connsiteY0"/>
+              </a:cxn>
+              <a:cxn ang="0">
+                <a:pos x="connsiteX1" y="connsiteY1"/>
+              </a:cxn>
+              <a:cxn ang="0">
+                <a:pos x="connsiteX2" y="connsiteY2"/>
+              </a:cxn>
+              <a:cxn ang="0">
+                <a:pos x="connsiteX3" y="connsiteY3"/>
+              </a:cxn>
+              <a:cxn ang="0">
+                <a:pos x="connsiteX4" y="connsiteY4"/>
+              </a:cxn>
+            </a:cxnLst>
+            <a:rect l="l" t="t" r="r" b="b"/>
+            <a:pathLst>
+              <a:path w="523625" h="215444" fill="none" extrusionOk="0">
+                <a:moveTo>
+                  <a:pt x="0" y="0"/>
+                </a:moveTo>
+                <a:cubicBezTo>
+                  <a:pt x="225578" y="10345"/>
+                  <a:pt x="311665" y="-12188"/>
+                  <a:pt x="523625" y="0"/>
+                </a:cubicBezTo>
+                <a:cubicBezTo>
+                  <a:pt x="533910" y="74731"/>
+                  <a:pt x="527545" y="138425"/>
+                  <a:pt x="523625" y="215444"/>
+                </a:cubicBezTo>
+                <a:cubicBezTo>
+                  <a:pt x="385024" y="215915"/>
+                  <a:pt x="195314" y="213763"/>
+                  <a:pt x="0" y="215444"/>
+                </a:cubicBezTo>
+                <a:cubicBezTo>
+                  <a:pt x="1173" y="146596"/>
+                  <a:pt x="5009" y="62565"/>
+                  <a:pt x="0" y="0"/>
+                </a:cubicBezTo>
+                <a:close/>
+              </a:path>
+              <a:path w="523625" h="215444" stroke="0" extrusionOk="0">
+                <a:moveTo>
+                  <a:pt x="0" y="0"/>
+                </a:moveTo>
+                <a:cubicBezTo>
+                  <a:pt x="214074" y="-5172"/>
+                  <a:pt x="409478" y="20598"/>
+                  <a:pt x="523625" y="0"/>
+                </a:cubicBezTo>
+                <a:cubicBezTo>
+                  <a:pt x="516703" y="56061"/>
+                  <a:pt x="530556" y="130135"/>
+                  <a:pt x="523625" y="215444"/>
+                </a:cubicBezTo>
+                <a:cubicBezTo>
+                  <a:pt x="417978" y="211909"/>
+                  <a:pt x="241319" y="215029"/>
+                  <a:pt x="0" y="215444"/>
+                </a:cubicBezTo>
+                <a:cubicBezTo>
+                  <a:pt x="4310" y="124890"/>
+                  <a:pt x="-2278" y="81524"/>
+                  <a:pt x="0" y="0"/>
+                </a:cubicBezTo>
+                <a:close/>
+              </a:path>
+            </a:pathLst>
+          </a:custGeom>
+          <a:ln>
+            <a:solidFill>
+              <a:schemeClr val="tx1"/>
+            </a:solidFill>
+            <a:extLst>
+              <a:ext uri="{C807C97D-BFC1-408E-A445-0C87EB9F89A2}">
+                <ask:lineSketchStyleProps xmlns:ask="http://schemas.microsoft.com/office/drawing/2018/sketchyshapes" sd="910468536">
+                  <a:prstGeom prst="rect">
+                    <a:avLst/>
+                  </a:prstGeom>
+                  <ask:type>
+                    <ask:lineSketchFreehand/>
+                  </ask:type>
+                </ask:lineSketchStyleProps>
+              </a:ext>
+            </a:extLst>
+          </a:ln>
+        </p:spPr>
+        <p:txBody>
+          <a:bodyPr wrap="square">
+            <a:spAutoFit/>
+          </a:bodyPr>
+          <a:lstStyle/>
+          <a:p>
+            <a:r>
+              <a:rPr lang="en-US" sz="800" dirty="0">
+                <a:latin typeface="Consolas" panose="020B0609020204030204" pitchFamily="49" charset="0"/>
+                <a:cs typeface="Consolas" panose="020B0609020204030204" pitchFamily="49" charset="0"/>
+              </a:rPr>
+              <a:t>n : 7</a:t>
+            </a:r>
+          </a:p>
+        </p:txBody>
+      </p:sp>
+      <p:sp>
+        <p:nvSpPr>
+          <p:cNvPr id="73" name="Rectangle 72">
+            <a:extLst>
+              <a:ext uri="{FF2B5EF4-FFF2-40B4-BE49-F238E27FC236}">
+                <a16:creationId xmlns:a16="http://schemas.microsoft.com/office/drawing/2014/main" id="{EE32F368-0725-1B44-9608-F70A070775ED}"/>
+              </a:ext>
+            </a:extLst>
+          </p:cNvPr>
+          <p:cNvSpPr/>
+          <p:nvPr/>
+        </p:nvSpPr>
+        <p:spPr>
+          <a:xfrm>
+            <a:off x="3440610" y="7964889"/>
+            <a:ext cx="1155167" cy="215444"/>
+          </a:xfrm>
+          <a:custGeom>
+            <a:avLst/>
+            <a:gdLst>
+              <a:gd name="connsiteX0" fmla="*/ 0 w 1155167"/>
+              <a:gd name="connsiteY0" fmla="*/ 0 h 215444"/>
+              <a:gd name="connsiteX1" fmla="*/ 600687 w 1155167"/>
+              <a:gd name="connsiteY1" fmla="*/ 0 h 215444"/>
+              <a:gd name="connsiteX2" fmla="*/ 1155167 w 1155167"/>
+              <a:gd name="connsiteY2" fmla="*/ 0 h 215444"/>
+              <a:gd name="connsiteX3" fmla="*/ 1155167 w 1155167"/>
+              <a:gd name="connsiteY3" fmla="*/ 215444 h 215444"/>
+              <a:gd name="connsiteX4" fmla="*/ 589135 w 1155167"/>
+              <a:gd name="connsiteY4" fmla="*/ 215444 h 215444"/>
+              <a:gd name="connsiteX5" fmla="*/ 0 w 1155167"/>
+              <a:gd name="connsiteY5" fmla="*/ 215444 h 215444"/>
+              <a:gd name="connsiteX6" fmla="*/ 0 w 1155167"/>
+              <a:gd name="connsiteY6" fmla="*/ 0 h 215444"/>
+            </a:gdLst>
+            <a:ahLst/>
+            <a:cxnLst>
+              <a:cxn ang="0">
+                <a:pos x="connsiteX0" y="connsiteY0"/>
+              </a:cxn>
+              <a:cxn ang="0">
+                <a:pos x="connsiteX1" y="connsiteY1"/>
+              </a:cxn>
+              <a:cxn ang="0">
+                <a:pos x="connsiteX2" y="connsiteY2"/>
+              </a:cxn>
+              <a:cxn ang="0">
+                <a:pos x="connsiteX3" y="connsiteY3"/>
+              </a:cxn>
+              <a:cxn ang="0">
+                <a:pos x="connsiteX4" y="connsiteY4"/>
+              </a:cxn>
+              <a:cxn ang="0">
+                <a:pos x="connsiteX5" y="connsiteY5"/>
+              </a:cxn>
+              <a:cxn ang="0">
+                <a:pos x="connsiteX6" y="connsiteY6"/>
+              </a:cxn>
+            </a:cxnLst>
+            <a:rect l="l" t="t" r="r" b="b"/>
+            <a:pathLst>
+              <a:path w="1155167" h="215444" fill="none" extrusionOk="0">
+                <a:moveTo>
+                  <a:pt x="0" y="0"/>
+                </a:moveTo>
+                <a:cubicBezTo>
+                  <a:pt x="153852" y="-13424"/>
+                  <a:pt x="465169" y="-28585"/>
+                  <a:pt x="600687" y="0"/>
+                </a:cubicBezTo>
+                <a:cubicBezTo>
+                  <a:pt x="736205" y="28585"/>
+                  <a:pt x="1041789" y="-11281"/>
+                  <a:pt x="1155167" y="0"/>
+                </a:cubicBezTo>
+                <a:cubicBezTo>
+                  <a:pt x="1165790" y="77982"/>
+                  <a:pt x="1155224" y="113818"/>
+                  <a:pt x="1155167" y="215444"/>
+                </a:cubicBezTo>
+                <a:cubicBezTo>
+                  <a:pt x="896484" y="213507"/>
+                  <a:pt x="783135" y="190772"/>
+                  <a:pt x="589135" y="215444"/>
+                </a:cubicBezTo>
+                <a:cubicBezTo>
+                  <a:pt x="395135" y="240116"/>
+                  <a:pt x="145238" y="194310"/>
+                  <a:pt x="0" y="215444"/>
+                </a:cubicBezTo>
+                <a:cubicBezTo>
+                  <a:pt x="5616" y="157558"/>
+                  <a:pt x="-926" y="46678"/>
+                  <a:pt x="0" y="0"/>
+                </a:cubicBezTo>
+                <a:close/>
+              </a:path>
+              <a:path w="1155167" h="215444" stroke="0" extrusionOk="0">
+                <a:moveTo>
+                  <a:pt x="0" y="0"/>
+                </a:moveTo>
+                <a:cubicBezTo>
+                  <a:pt x="263373" y="25682"/>
+                  <a:pt x="334010" y="-14563"/>
+                  <a:pt x="566032" y="0"/>
+                </a:cubicBezTo>
+                <a:cubicBezTo>
+                  <a:pt x="798054" y="14563"/>
+                  <a:pt x="935578" y="9378"/>
+                  <a:pt x="1155167" y="0"/>
+                </a:cubicBezTo>
+                <a:cubicBezTo>
+                  <a:pt x="1150526" y="91364"/>
+                  <a:pt x="1158665" y="158729"/>
+                  <a:pt x="1155167" y="215444"/>
+                </a:cubicBezTo>
+                <a:cubicBezTo>
+                  <a:pt x="1006155" y="206822"/>
+                  <a:pt x="730997" y="222940"/>
+                  <a:pt x="577584" y="215444"/>
+                </a:cubicBezTo>
+                <a:cubicBezTo>
+                  <a:pt x="424171" y="207948"/>
+                  <a:pt x="235000" y="189639"/>
+                  <a:pt x="0" y="215444"/>
+                </a:cubicBezTo>
+                <a:cubicBezTo>
+                  <a:pt x="10034" y="112711"/>
+                  <a:pt x="-4353" y="71091"/>
+                  <a:pt x="0" y="0"/>
+                </a:cubicBezTo>
+                <a:close/>
+              </a:path>
+            </a:pathLst>
+          </a:custGeom>
+          <a:ln>
+            <a:solidFill>
+              <a:schemeClr val="tx1"/>
+            </a:solidFill>
+            <a:extLst>
+              <a:ext uri="{C807C97D-BFC1-408E-A445-0C87EB9F89A2}">
+                <ask:lineSketchStyleProps xmlns:ask="http://schemas.microsoft.com/office/drawing/2018/sketchyshapes" sd="1219033472">
+                  <a:prstGeom prst="rect">
+                    <a:avLst/>
+                  </a:prstGeom>
+                  <ask:type>
+                    <ask:lineSketchFreehand/>
+                  </ask:type>
+                </ask:lineSketchStyleProps>
+              </a:ext>
+            </a:extLst>
+          </a:ln>
+        </p:spPr>
+        <p:txBody>
+          <a:bodyPr wrap="square">
+            <a:spAutoFit/>
+          </a:bodyPr>
+          <a:lstStyle/>
+          <a:p>
+            <a:r>
+              <a:rPr lang="en-US" sz="800" dirty="0">
+                <a:latin typeface="Consolas" panose="020B0609020204030204" pitchFamily="49" charset="0"/>
+                <a:cs typeface="Consolas" panose="020B0609020204030204" pitchFamily="49" charset="0"/>
+              </a:rPr>
+              <a:t>7</a:t>
+            </a:r>
+          </a:p>
+        </p:txBody>
+      </p:sp>
+      <p:sp>
+        <p:nvSpPr>
+          <p:cNvPr id="74" name="Rectangle 73">
+            <a:extLst>
+              <a:ext uri="{FF2B5EF4-FFF2-40B4-BE49-F238E27FC236}">
+                <a16:creationId xmlns:a16="http://schemas.microsoft.com/office/drawing/2014/main" id="{02949911-D5E8-974E-8105-895A69E0B189}"/>
+              </a:ext>
+            </a:extLst>
+          </p:cNvPr>
+          <p:cNvSpPr/>
+          <p:nvPr/>
+        </p:nvSpPr>
+        <p:spPr>
+          <a:xfrm>
+            <a:off x="217746" y="5451695"/>
+            <a:ext cx="1145391" cy="215444"/>
+          </a:xfrm>
+          <a:custGeom>
+            <a:avLst/>
+            <a:gdLst>
+              <a:gd name="connsiteX0" fmla="*/ 0 w 1145391"/>
+              <a:gd name="connsiteY0" fmla="*/ 0 h 215444"/>
+              <a:gd name="connsiteX1" fmla="*/ 595603 w 1145391"/>
+              <a:gd name="connsiteY1" fmla="*/ 0 h 215444"/>
+              <a:gd name="connsiteX2" fmla="*/ 1145391 w 1145391"/>
+              <a:gd name="connsiteY2" fmla="*/ 0 h 215444"/>
+              <a:gd name="connsiteX3" fmla="*/ 1145391 w 1145391"/>
+              <a:gd name="connsiteY3" fmla="*/ 215444 h 215444"/>
+              <a:gd name="connsiteX4" fmla="*/ 584149 w 1145391"/>
+              <a:gd name="connsiteY4" fmla="*/ 215444 h 215444"/>
+              <a:gd name="connsiteX5" fmla="*/ 0 w 1145391"/>
+              <a:gd name="connsiteY5" fmla="*/ 215444 h 215444"/>
+              <a:gd name="connsiteX6" fmla="*/ 0 w 1145391"/>
+              <a:gd name="connsiteY6" fmla="*/ 0 h 215444"/>
+            </a:gdLst>
+            <a:ahLst/>
+            <a:cxnLst>
+              <a:cxn ang="0">
+                <a:pos x="connsiteX0" y="connsiteY0"/>
+              </a:cxn>
+              <a:cxn ang="0">
+                <a:pos x="connsiteX1" y="connsiteY1"/>
+              </a:cxn>
+              <a:cxn ang="0">
+                <a:pos x="connsiteX2" y="connsiteY2"/>
+              </a:cxn>
+              <a:cxn ang="0">
+                <a:pos x="connsiteX3" y="connsiteY3"/>
+              </a:cxn>
+              <a:cxn ang="0">
+                <a:pos x="connsiteX4" y="connsiteY4"/>
+              </a:cxn>
+              <a:cxn ang="0">
+                <a:pos x="connsiteX5" y="connsiteY5"/>
+              </a:cxn>
+              <a:cxn ang="0">
+                <a:pos x="connsiteX6" y="connsiteY6"/>
+              </a:cxn>
+            </a:cxnLst>
+            <a:rect l="l" t="t" r="r" b="b"/>
+            <a:pathLst>
+              <a:path w="1145391" h="215444" fill="none" extrusionOk="0">
+                <a:moveTo>
+                  <a:pt x="0" y="0"/>
+                </a:moveTo>
+                <a:cubicBezTo>
+                  <a:pt x="208518" y="-13594"/>
+                  <a:pt x="436291" y="-16266"/>
+                  <a:pt x="595603" y="0"/>
+                </a:cubicBezTo>
+                <a:cubicBezTo>
+                  <a:pt x="754915" y="16266"/>
+                  <a:pt x="928799" y="5672"/>
+                  <a:pt x="1145391" y="0"/>
+                </a:cubicBezTo>
+                <a:cubicBezTo>
+                  <a:pt x="1156014" y="77982"/>
+                  <a:pt x="1145448" y="113818"/>
+                  <a:pt x="1145391" y="215444"/>
+                </a:cubicBezTo>
+                <a:cubicBezTo>
+                  <a:pt x="896717" y="201615"/>
+                  <a:pt x="858091" y="200278"/>
+                  <a:pt x="584149" y="215444"/>
+                </a:cubicBezTo>
+                <a:cubicBezTo>
+                  <a:pt x="310207" y="230610"/>
+                  <a:pt x="162222" y="228606"/>
+                  <a:pt x="0" y="215444"/>
+                </a:cubicBezTo>
+                <a:cubicBezTo>
+                  <a:pt x="5616" y="157558"/>
+                  <a:pt x="-926" y="46678"/>
+                  <a:pt x="0" y="0"/>
+                </a:cubicBezTo>
+                <a:close/>
+              </a:path>
+              <a:path w="1145391" h="215444" stroke="0" extrusionOk="0">
+                <a:moveTo>
+                  <a:pt x="0" y="0"/>
+                </a:moveTo>
+                <a:cubicBezTo>
+                  <a:pt x="212517" y="24579"/>
+                  <a:pt x="387963" y="-8167"/>
+                  <a:pt x="561242" y="0"/>
+                </a:cubicBezTo>
+                <a:cubicBezTo>
+                  <a:pt x="734521" y="8167"/>
+                  <a:pt x="854149" y="11396"/>
+                  <a:pt x="1145391" y="0"/>
+                </a:cubicBezTo>
+                <a:cubicBezTo>
+                  <a:pt x="1140750" y="91364"/>
+                  <a:pt x="1148889" y="158729"/>
+                  <a:pt x="1145391" y="215444"/>
+                </a:cubicBezTo>
+                <a:cubicBezTo>
+                  <a:pt x="991596" y="210822"/>
+                  <a:pt x="803588" y="219998"/>
+                  <a:pt x="572696" y="215444"/>
+                </a:cubicBezTo>
+                <a:cubicBezTo>
+                  <a:pt x="341804" y="210890"/>
+                  <a:pt x="198339" y="227447"/>
+                  <a:pt x="0" y="215444"/>
+                </a:cubicBezTo>
+                <a:cubicBezTo>
+                  <a:pt x="10034" y="112711"/>
+                  <a:pt x="-4353" y="71091"/>
+                  <a:pt x="0" y="0"/>
+                </a:cubicBezTo>
+                <a:close/>
+              </a:path>
+            </a:pathLst>
+          </a:custGeom>
+          <a:ln>
+            <a:solidFill>
+              <a:schemeClr val="tx1"/>
+            </a:solidFill>
+            <a:extLst>
+              <a:ext uri="{C807C97D-BFC1-408E-A445-0C87EB9F89A2}">
+                <ask:lineSketchStyleProps xmlns:ask="http://schemas.microsoft.com/office/drawing/2018/sketchyshapes" sd="1219033472">
+                  <a:prstGeom prst="rect">
+                    <a:avLst/>
+                  </a:prstGeom>
+                  <ask:type>
+                    <ask:lineSketchFreehand/>
+                  </ask:type>
+                </ask:lineSketchStyleProps>
+              </a:ext>
+            </a:extLst>
+          </a:ln>
+        </p:spPr>
+        <p:txBody>
+          <a:bodyPr wrap="square">
+            <a:spAutoFit/>
+          </a:bodyPr>
+          <a:lstStyle/>
+          <a:p>
+            <a:r>
+              <a:rPr lang="en-US" sz="800" dirty="0">
+                <a:latin typeface="Consolas" panose="020B0609020204030204" pitchFamily="49" charset="0"/>
+                <a:cs typeface="Consolas" panose="020B0609020204030204" pitchFamily="49" charset="0"/>
+              </a:rPr>
+              <a:t>letter_grade1(75)</a:t>
+            </a:r>
+          </a:p>
+        </p:txBody>
+      </p:sp>
+      <p:sp>
+        <p:nvSpPr>
+          <p:cNvPr id="75" name="Rectangle 74">
+            <a:extLst>
+              <a:ext uri="{FF2B5EF4-FFF2-40B4-BE49-F238E27FC236}">
+                <a16:creationId xmlns:a16="http://schemas.microsoft.com/office/drawing/2014/main" id="{D04EDDD3-753C-994E-BFAB-184484A475BB}"/>
+              </a:ext>
+            </a:extLst>
+          </p:cNvPr>
+          <p:cNvSpPr/>
+          <p:nvPr/>
+        </p:nvSpPr>
+        <p:spPr>
+          <a:xfrm>
+            <a:off x="217746" y="5741255"/>
+            <a:ext cx="2670621" cy="584775"/>
+          </a:xfrm>
+          <a:custGeom>
+            <a:avLst/>
+            <a:gdLst>
+              <a:gd name="connsiteX0" fmla="*/ 0 w 2670621"/>
+              <a:gd name="connsiteY0" fmla="*/ 0 h 584775"/>
+              <a:gd name="connsiteX1" fmla="*/ 721068 w 2670621"/>
+              <a:gd name="connsiteY1" fmla="*/ 0 h 584775"/>
+              <a:gd name="connsiteX2" fmla="*/ 1362017 w 2670621"/>
+              <a:gd name="connsiteY2" fmla="*/ 0 h 584775"/>
+              <a:gd name="connsiteX3" fmla="*/ 1949553 w 2670621"/>
+              <a:gd name="connsiteY3" fmla="*/ 0 h 584775"/>
+              <a:gd name="connsiteX4" fmla="*/ 2670621 w 2670621"/>
+              <a:gd name="connsiteY4" fmla="*/ 0 h 584775"/>
+              <a:gd name="connsiteX5" fmla="*/ 2670621 w 2670621"/>
+              <a:gd name="connsiteY5" fmla="*/ 584775 h 584775"/>
+              <a:gd name="connsiteX6" fmla="*/ 2056378 w 2670621"/>
+              <a:gd name="connsiteY6" fmla="*/ 584775 h 584775"/>
+              <a:gd name="connsiteX7" fmla="*/ 1335311 w 2670621"/>
+              <a:gd name="connsiteY7" fmla="*/ 584775 h 584775"/>
+              <a:gd name="connsiteX8" fmla="*/ 721068 w 2670621"/>
+              <a:gd name="connsiteY8" fmla="*/ 584775 h 584775"/>
+              <a:gd name="connsiteX9" fmla="*/ 0 w 2670621"/>
+              <a:gd name="connsiteY9" fmla="*/ 584775 h 584775"/>
+              <a:gd name="connsiteX10" fmla="*/ 0 w 2670621"/>
+              <a:gd name="connsiteY10" fmla="*/ 0 h 584775"/>
+            </a:gdLst>
+            <a:ahLst/>
+            <a:cxnLst>
+              <a:cxn ang="0">
+                <a:pos x="connsiteX0" y="connsiteY0"/>
+              </a:cxn>
+              <a:cxn ang="0">
+                <a:pos x="connsiteX1" y="connsiteY1"/>
+              </a:cxn>
+              <a:cxn ang="0">
+                <a:pos x="connsiteX2" y="connsiteY2"/>
+              </a:cxn>
+              <a:cxn ang="0">
+                <a:pos x="connsiteX3" y="connsiteY3"/>
+              </a:cxn>
+              <a:cxn ang="0">
+                <a:pos x="connsiteX4" y="connsiteY4"/>
+              </a:cxn>
+              <a:cxn ang="0">
+                <a:pos x="connsiteX5" y="connsiteY5"/>
+              </a:cxn>
+              <a:cxn ang="0">
+                <a:pos x="connsiteX6" y="connsiteY6"/>
+              </a:cxn>
+              <a:cxn ang="0">
+                <a:pos x="connsiteX7" y="connsiteY7"/>
+              </a:cxn>
+              <a:cxn ang="0">
+                <a:pos x="connsiteX8" y="connsiteY8"/>
+              </a:cxn>
+              <a:cxn ang="0">
+                <a:pos x="connsiteX9" y="connsiteY9"/>
+              </a:cxn>
+              <a:cxn ang="0">
+                <a:pos x="connsiteX10" y="connsiteY10"/>
+              </a:cxn>
+            </a:cxnLst>
+            <a:rect l="l" t="t" r="r" b="b"/>
+            <a:pathLst>
+              <a:path w="2670621" h="584775" fill="none" extrusionOk="0">
+                <a:moveTo>
+                  <a:pt x="0" y="0"/>
+                </a:moveTo>
+                <a:cubicBezTo>
+                  <a:pt x="162512" y="22548"/>
+                  <a:pt x="556584" y="6815"/>
+                  <a:pt x="721068" y="0"/>
+                </a:cubicBezTo>
+                <a:cubicBezTo>
+                  <a:pt x="885552" y="-6815"/>
+                  <a:pt x="1179589" y="-10939"/>
+                  <a:pt x="1362017" y="0"/>
+                </a:cubicBezTo>
+                <a:cubicBezTo>
+                  <a:pt x="1544445" y="10939"/>
+                  <a:pt x="1794750" y="-14060"/>
+                  <a:pt x="1949553" y="0"/>
+                </a:cubicBezTo>
+                <a:cubicBezTo>
+                  <a:pt x="2104356" y="14060"/>
+                  <a:pt x="2412824" y="29155"/>
+                  <a:pt x="2670621" y="0"/>
+                </a:cubicBezTo>
+                <a:cubicBezTo>
+                  <a:pt x="2649891" y="179504"/>
+                  <a:pt x="2672665" y="420008"/>
+                  <a:pt x="2670621" y="584775"/>
+                </a:cubicBezTo>
+                <a:cubicBezTo>
+                  <a:pt x="2489285" y="609638"/>
+                  <a:pt x="2222324" y="555694"/>
+                  <a:pt x="2056378" y="584775"/>
+                </a:cubicBezTo>
+                <a:cubicBezTo>
+                  <a:pt x="1890432" y="613856"/>
+                  <a:pt x="1662547" y="578230"/>
+                  <a:pt x="1335311" y="584775"/>
+                </a:cubicBezTo>
+                <a:cubicBezTo>
+                  <a:pt x="1008075" y="591320"/>
+                  <a:pt x="1027854" y="602895"/>
+                  <a:pt x="721068" y="584775"/>
+                </a:cubicBezTo>
+                <a:cubicBezTo>
+                  <a:pt x="414282" y="566655"/>
+                  <a:pt x="240841" y="612920"/>
+                  <a:pt x="0" y="584775"/>
+                </a:cubicBezTo>
+                <a:cubicBezTo>
+                  <a:pt x="5308" y="327956"/>
+                  <a:pt x="17168" y="134634"/>
+                  <a:pt x="0" y="0"/>
+                </a:cubicBezTo>
+                <a:close/>
+              </a:path>
+              <a:path w="2670621" h="584775" stroke="0" extrusionOk="0">
+                <a:moveTo>
+                  <a:pt x="0" y="0"/>
+                </a:moveTo>
+                <a:cubicBezTo>
+                  <a:pt x="196674" y="19050"/>
+                  <a:pt x="315873" y="-27000"/>
+                  <a:pt x="614243" y="0"/>
+                </a:cubicBezTo>
+                <a:cubicBezTo>
+                  <a:pt x="912613" y="27000"/>
+                  <a:pt x="1098968" y="-16814"/>
+                  <a:pt x="1228486" y="0"/>
+                </a:cubicBezTo>
+                <a:cubicBezTo>
+                  <a:pt x="1358004" y="16814"/>
+                  <a:pt x="1713786" y="2810"/>
+                  <a:pt x="1869435" y="0"/>
+                </a:cubicBezTo>
+                <a:cubicBezTo>
+                  <a:pt x="2025084" y="-2810"/>
+                  <a:pt x="2429149" y="29720"/>
+                  <a:pt x="2670621" y="0"/>
+                </a:cubicBezTo>
+                <a:cubicBezTo>
+                  <a:pt x="2669572" y="272476"/>
+                  <a:pt x="2648658" y="435927"/>
+                  <a:pt x="2670621" y="584775"/>
+                </a:cubicBezTo>
+                <a:cubicBezTo>
+                  <a:pt x="2488413" y="615318"/>
+                  <a:pt x="2278309" y="607601"/>
+                  <a:pt x="2056378" y="584775"/>
+                </a:cubicBezTo>
+                <a:cubicBezTo>
+                  <a:pt x="1834447" y="561949"/>
+                  <a:pt x="1713405" y="566508"/>
+                  <a:pt x="1415429" y="584775"/>
+                </a:cubicBezTo>
+                <a:cubicBezTo>
+                  <a:pt x="1117453" y="603042"/>
+                  <a:pt x="1035128" y="557931"/>
+                  <a:pt x="774480" y="584775"/>
+                </a:cubicBezTo>
+                <a:cubicBezTo>
+                  <a:pt x="513832" y="611619"/>
+                  <a:pt x="297563" y="607211"/>
+                  <a:pt x="0" y="584775"/>
+                </a:cubicBezTo>
+                <a:cubicBezTo>
+                  <a:pt x="-2543" y="397928"/>
+                  <a:pt x="-18191" y="155725"/>
+                  <a:pt x="0" y="0"/>
+                </a:cubicBezTo>
+                <a:close/>
+              </a:path>
+            </a:pathLst>
+          </a:custGeom>
+          <a:ln>
+            <a:solidFill>
+              <a:schemeClr val="tx1"/>
+            </a:solidFill>
+            <a:extLst>
+              <a:ext uri="{C807C97D-BFC1-408E-A445-0C87EB9F89A2}">
+                <ask:lineSketchStyleProps xmlns:ask="http://schemas.microsoft.com/office/drawing/2018/sketchyshapes" sd="3705000160">
+                  <a:prstGeom prst="rect">
+                    <a:avLst/>
+                  </a:prstGeom>
+                  <ask:type>
+                    <ask:lineSketchFreehand/>
+                  </ask:type>
+                </ask:lineSketchStyleProps>
+              </a:ext>
+            </a:extLst>
+          </a:ln>
+        </p:spPr>
+        <p:txBody>
+          <a:bodyPr wrap="square">
+            <a:spAutoFit/>
+          </a:bodyPr>
+          <a:lstStyle/>
+          <a:p>
+            <a:r>
+              <a:rPr lang="en-US" sz="800" b="1" dirty="0">
+                <a:latin typeface="Consolas" panose="020B0609020204030204" pitchFamily="49" charset="0"/>
+                <a:cs typeface="Consolas" panose="020B0609020204030204" pitchFamily="49" charset="0"/>
+              </a:rPr>
+              <a:t>if points &gt;= 90: return "A"</a:t>
+            </a:r>
+          </a:p>
+          <a:p>
+            <a:r>
+              <a:rPr lang="en-US" sz="800" dirty="0" err="1">
+                <a:latin typeface="Consolas" panose="020B0609020204030204" pitchFamily="49" charset="0"/>
+                <a:cs typeface="Consolas" panose="020B0609020204030204" pitchFamily="49" charset="0"/>
+              </a:rPr>
+              <a:t>elif</a:t>
+            </a:r>
+            <a:r>
+              <a:rPr lang="en-US" sz="800" dirty="0">
+                <a:latin typeface="Consolas" panose="020B0609020204030204" pitchFamily="49" charset="0"/>
+                <a:cs typeface="Consolas" panose="020B0609020204030204" pitchFamily="49" charset="0"/>
+              </a:rPr>
+              <a:t> points &gt;= 80: return "B"</a:t>
+            </a:r>
+          </a:p>
+          <a:p>
+            <a:r>
+              <a:rPr lang="en-US" sz="800" dirty="0" err="1">
+                <a:latin typeface="Consolas" panose="020B0609020204030204" pitchFamily="49" charset="0"/>
+                <a:cs typeface="Consolas" panose="020B0609020204030204" pitchFamily="49" charset="0"/>
+              </a:rPr>
+              <a:t>elif</a:t>
+            </a:r>
+            <a:r>
+              <a:rPr lang="en-US" sz="800" dirty="0">
+                <a:latin typeface="Consolas" panose="020B0609020204030204" pitchFamily="49" charset="0"/>
+                <a:cs typeface="Consolas" panose="020B0609020204030204" pitchFamily="49" charset="0"/>
+              </a:rPr>
+              <a:t> points &gt;= 70: return "C"</a:t>
+            </a:r>
+          </a:p>
+          <a:p>
+            <a:r>
+              <a:rPr lang="en-US" sz="800" dirty="0">
+                <a:latin typeface="Consolas" panose="020B0609020204030204" pitchFamily="49" charset="0"/>
+                <a:cs typeface="Consolas" panose="020B0609020204030204" pitchFamily="49" charset="0"/>
+              </a:rPr>
+              <a:t>else: return "F" </a:t>
+            </a:r>
+          </a:p>
+        </p:txBody>
+      </p:sp>
+      <p:sp>
+        <p:nvSpPr>
+          <p:cNvPr id="76" name="Rectangle 75">
+            <a:extLst>
+              <a:ext uri="{FF2B5EF4-FFF2-40B4-BE49-F238E27FC236}">
+                <a16:creationId xmlns:a16="http://schemas.microsoft.com/office/drawing/2014/main" id="{9768B6FA-E627-B144-8287-84FE6EAF9DDC}"/>
+              </a:ext>
+            </a:extLst>
+          </p:cNvPr>
+          <p:cNvSpPr/>
+          <p:nvPr/>
+        </p:nvSpPr>
+        <p:spPr>
+          <a:xfrm>
+            <a:off x="2014414" y="5741255"/>
+            <a:ext cx="873953" cy="215444"/>
+          </a:xfrm>
+          <a:custGeom>
+            <a:avLst/>
+            <a:gdLst>
+              <a:gd name="connsiteX0" fmla="*/ 0 w 873953"/>
+              <a:gd name="connsiteY0" fmla="*/ 0 h 215444"/>
+              <a:gd name="connsiteX1" fmla="*/ 428237 w 873953"/>
+              <a:gd name="connsiteY1" fmla="*/ 0 h 215444"/>
+              <a:gd name="connsiteX2" fmla="*/ 873953 w 873953"/>
+              <a:gd name="connsiteY2" fmla="*/ 0 h 215444"/>
+              <a:gd name="connsiteX3" fmla="*/ 873953 w 873953"/>
+              <a:gd name="connsiteY3" fmla="*/ 215444 h 215444"/>
+              <a:gd name="connsiteX4" fmla="*/ 463195 w 873953"/>
+              <a:gd name="connsiteY4" fmla="*/ 215444 h 215444"/>
+              <a:gd name="connsiteX5" fmla="*/ 0 w 873953"/>
+              <a:gd name="connsiteY5" fmla="*/ 215444 h 215444"/>
+              <a:gd name="connsiteX6" fmla="*/ 0 w 873953"/>
+              <a:gd name="connsiteY6" fmla="*/ 0 h 215444"/>
+            </a:gdLst>
+            <a:ahLst/>
+            <a:cxnLst>
+              <a:cxn ang="0">
+                <a:pos x="connsiteX0" y="connsiteY0"/>
+              </a:cxn>
+              <a:cxn ang="0">
+                <a:pos x="connsiteX1" y="connsiteY1"/>
+              </a:cxn>
+              <a:cxn ang="0">
+                <a:pos x="connsiteX2" y="connsiteY2"/>
+              </a:cxn>
+              <a:cxn ang="0">
+                <a:pos x="connsiteX3" y="connsiteY3"/>
+              </a:cxn>
+              <a:cxn ang="0">
+                <a:pos x="connsiteX4" y="connsiteY4"/>
+              </a:cxn>
+              <a:cxn ang="0">
+                <a:pos x="connsiteX5" y="connsiteY5"/>
+              </a:cxn>
+              <a:cxn ang="0">
+                <a:pos x="connsiteX6" y="connsiteY6"/>
+              </a:cxn>
+            </a:cxnLst>
+            <a:rect l="l" t="t" r="r" b="b"/>
+            <a:pathLst>
+              <a:path w="873953" h="215444" fill="none" extrusionOk="0">
+                <a:moveTo>
+                  <a:pt x="0" y="0"/>
+                </a:moveTo>
+                <a:cubicBezTo>
+                  <a:pt x="163182" y="18931"/>
+                  <a:pt x="297316" y="-6110"/>
+                  <a:pt x="428237" y="0"/>
+                </a:cubicBezTo>
+                <a:cubicBezTo>
+                  <a:pt x="559158" y="6110"/>
+                  <a:pt x="771163" y="14696"/>
+                  <a:pt x="873953" y="0"/>
+                </a:cubicBezTo>
+                <a:cubicBezTo>
+                  <a:pt x="866555" y="68452"/>
+                  <a:pt x="875680" y="164936"/>
+                  <a:pt x="873953" y="215444"/>
+                </a:cubicBezTo>
+                <a:cubicBezTo>
+                  <a:pt x="728535" y="215675"/>
+                  <a:pt x="545582" y="211054"/>
+                  <a:pt x="463195" y="215444"/>
+                </a:cubicBezTo>
+                <a:cubicBezTo>
+                  <a:pt x="380808" y="219834"/>
+                  <a:pt x="207564" y="215358"/>
+                  <a:pt x="0" y="215444"/>
+                </a:cubicBezTo>
+                <a:cubicBezTo>
+                  <a:pt x="-557" y="146554"/>
+                  <a:pt x="-2842" y="65021"/>
+                  <a:pt x="0" y="0"/>
+                </a:cubicBezTo>
+                <a:close/>
+              </a:path>
+              <a:path w="873953" h="215444" stroke="0" extrusionOk="0">
+                <a:moveTo>
+                  <a:pt x="0" y="0"/>
+                </a:moveTo>
+                <a:cubicBezTo>
+                  <a:pt x="94940" y="5826"/>
+                  <a:pt x="256012" y="4935"/>
+                  <a:pt x="428237" y="0"/>
+                </a:cubicBezTo>
+                <a:cubicBezTo>
+                  <a:pt x="600462" y="-4935"/>
+                  <a:pt x="683256" y="15469"/>
+                  <a:pt x="873953" y="0"/>
+                </a:cubicBezTo>
+                <a:cubicBezTo>
+                  <a:pt x="879005" y="69528"/>
+                  <a:pt x="880851" y="169416"/>
+                  <a:pt x="873953" y="215444"/>
+                </a:cubicBezTo>
+                <a:cubicBezTo>
+                  <a:pt x="713582" y="209644"/>
+                  <a:pt x="641262" y="223631"/>
+                  <a:pt x="428237" y="215444"/>
+                </a:cubicBezTo>
+                <a:cubicBezTo>
+                  <a:pt x="215212" y="207257"/>
+                  <a:pt x="169193" y="212269"/>
+                  <a:pt x="0" y="215444"/>
+                </a:cubicBezTo>
+                <a:cubicBezTo>
+                  <a:pt x="5663" y="118010"/>
+                  <a:pt x="-9032" y="84122"/>
+                  <a:pt x="0" y="0"/>
+                </a:cubicBezTo>
+                <a:close/>
+              </a:path>
+            </a:pathLst>
+          </a:custGeom>
+          <a:ln>
+            <a:solidFill>
+              <a:schemeClr val="tx1"/>
+            </a:solidFill>
+            <a:extLst>
+              <a:ext uri="{C807C97D-BFC1-408E-A445-0C87EB9F89A2}">
+                <ask:lineSketchStyleProps xmlns:ask="http://schemas.microsoft.com/office/drawing/2018/sketchyshapes" sd="910468536">
+                  <a:prstGeom prst="rect">
+                    <a:avLst/>
+                  </a:prstGeom>
+                  <ask:type>
+                    <ask:lineSketchFreehand/>
+                  </ask:type>
+                </ask:lineSketchStyleProps>
+              </a:ext>
+            </a:extLst>
+          </a:ln>
+        </p:spPr>
+        <p:txBody>
+          <a:bodyPr wrap="square">
+            <a:spAutoFit/>
+          </a:bodyPr>
+          <a:lstStyle/>
+          <a:p>
+            <a:r>
+              <a:rPr lang="en-US" sz="800" dirty="0">
+                <a:latin typeface="Consolas" panose="020B0609020204030204" pitchFamily="49" charset="0"/>
+                <a:cs typeface="Consolas" panose="020B0609020204030204" pitchFamily="49" charset="0"/>
+              </a:rPr>
+              <a:t>points : 75</a:t>
+            </a:r>
+          </a:p>
+        </p:txBody>
+      </p:sp>
+      <p:sp>
+        <p:nvSpPr>
+          <p:cNvPr id="77" name="Rectangle 76">
+            <a:extLst>
+              <a:ext uri="{FF2B5EF4-FFF2-40B4-BE49-F238E27FC236}">
+                <a16:creationId xmlns:a16="http://schemas.microsoft.com/office/drawing/2014/main" id="{1577704F-3890-0641-BB6B-80702A1816A2}"/>
+              </a:ext>
+            </a:extLst>
+          </p:cNvPr>
+          <p:cNvSpPr/>
+          <p:nvPr/>
+        </p:nvSpPr>
+        <p:spPr>
+          <a:xfrm>
+            <a:off x="217746" y="6417977"/>
+            <a:ext cx="2670621" cy="584775"/>
+          </a:xfrm>
+          <a:custGeom>
+            <a:avLst/>
+            <a:gdLst>
+              <a:gd name="connsiteX0" fmla="*/ 0 w 2670621"/>
+              <a:gd name="connsiteY0" fmla="*/ 0 h 584775"/>
+              <a:gd name="connsiteX1" fmla="*/ 614243 w 2670621"/>
+              <a:gd name="connsiteY1" fmla="*/ 0 h 584775"/>
+              <a:gd name="connsiteX2" fmla="*/ 1308604 w 2670621"/>
+              <a:gd name="connsiteY2" fmla="*/ 0 h 584775"/>
+              <a:gd name="connsiteX3" fmla="*/ 1976260 w 2670621"/>
+              <a:gd name="connsiteY3" fmla="*/ 0 h 584775"/>
+              <a:gd name="connsiteX4" fmla="*/ 2670621 w 2670621"/>
+              <a:gd name="connsiteY4" fmla="*/ 0 h 584775"/>
+              <a:gd name="connsiteX5" fmla="*/ 2670621 w 2670621"/>
+              <a:gd name="connsiteY5" fmla="*/ 584775 h 584775"/>
+              <a:gd name="connsiteX6" fmla="*/ 1949553 w 2670621"/>
+              <a:gd name="connsiteY6" fmla="*/ 584775 h 584775"/>
+              <a:gd name="connsiteX7" fmla="*/ 1255192 w 2670621"/>
+              <a:gd name="connsiteY7" fmla="*/ 584775 h 584775"/>
+              <a:gd name="connsiteX8" fmla="*/ 614243 w 2670621"/>
+              <a:gd name="connsiteY8" fmla="*/ 584775 h 584775"/>
+              <a:gd name="connsiteX9" fmla="*/ 0 w 2670621"/>
+              <a:gd name="connsiteY9" fmla="*/ 584775 h 584775"/>
+              <a:gd name="connsiteX10" fmla="*/ 0 w 2670621"/>
+              <a:gd name="connsiteY10" fmla="*/ 0 h 584775"/>
+            </a:gdLst>
+            <a:ahLst/>
+            <a:cxnLst>
+              <a:cxn ang="0">
+                <a:pos x="connsiteX0" y="connsiteY0"/>
+              </a:cxn>
+              <a:cxn ang="0">
+                <a:pos x="connsiteX1" y="connsiteY1"/>
+              </a:cxn>
+              <a:cxn ang="0">
+                <a:pos x="connsiteX2" y="connsiteY2"/>
+              </a:cxn>
+              <a:cxn ang="0">
+                <a:pos x="connsiteX3" y="connsiteY3"/>
+              </a:cxn>
+              <a:cxn ang="0">
+                <a:pos x="connsiteX4" y="connsiteY4"/>
+              </a:cxn>
+              <a:cxn ang="0">
+                <a:pos x="connsiteX5" y="connsiteY5"/>
+              </a:cxn>
+              <a:cxn ang="0">
+                <a:pos x="connsiteX6" y="connsiteY6"/>
+              </a:cxn>
+              <a:cxn ang="0">
+                <a:pos x="connsiteX7" y="connsiteY7"/>
+              </a:cxn>
+              <a:cxn ang="0">
+                <a:pos x="connsiteX8" y="connsiteY8"/>
+              </a:cxn>
+              <a:cxn ang="0">
+                <a:pos x="connsiteX9" y="connsiteY9"/>
+              </a:cxn>
+              <a:cxn ang="0">
+                <a:pos x="connsiteX10" y="connsiteY10"/>
+              </a:cxn>
+            </a:cxnLst>
+            <a:rect l="l" t="t" r="r" b="b"/>
+            <a:pathLst>
+              <a:path w="2670621" h="584775" fill="none" extrusionOk="0">
+                <a:moveTo>
+                  <a:pt x="0" y="0"/>
+                </a:moveTo>
+                <a:cubicBezTo>
+                  <a:pt x="159021" y="-16032"/>
+                  <a:pt x="366338" y="13979"/>
+                  <a:pt x="614243" y="0"/>
+                </a:cubicBezTo>
+                <a:cubicBezTo>
+                  <a:pt x="862148" y="-13979"/>
+                  <a:pt x="1065867" y="-27621"/>
+                  <a:pt x="1308604" y="0"/>
+                </a:cubicBezTo>
+                <a:cubicBezTo>
+                  <a:pt x="1551341" y="27621"/>
+                  <a:pt x="1685329" y="-31602"/>
+                  <a:pt x="1976260" y="0"/>
+                </a:cubicBezTo>
+                <a:cubicBezTo>
+                  <a:pt x="2267191" y="31602"/>
+                  <a:pt x="2513827" y="12826"/>
+                  <a:pt x="2670621" y="0"/>
+                </a:cubicBezTo>
+                <a:cubicBezTo>
+                  <a:pt x="2665200" y="206765"/>
+                  <a:pt x="2685655" y="377116"/>
+                  <a:pt x="2670621" y="584775"/>
+                </a:cubicBezTo>
+                <a:cubicBezTo>
+                  <a:pt x="2441744" y="615112"/>
+                  <a:pt x="2138382" y="553569"/>
+                  <a:pt x="1949553" y="584775"/>
+                </a:cubicBezTo>
+                <a:cubicBezTo>
+                  <a:pt x="1760724" y="615981"/>
+                  <a:pt x="1407649" y="598878"/>
+                  <a:pt x="1255192" y="584775"/>
+                </a:cubicBezTo>
+                <a:cubicBezTo>
+                  <a:pt x="1102735" y="570672"/>
+                  <a:pt x="894428" y="600169"/>
+                  <a:pt x="614243" y="584775"/>
+                </a:cubicBezTo>
+                <a:cubicBezTo>
+                  <a:pt x="334058" y="569381"/>
+                  <a:pt x="142015" y="614773"/>
+                  <a:pt x="0" y="584775"/>
+                </a:cubicBezTo>
+                <a:cubicBezTo>
+                  <a:pt x="-15577" y="464410"/>
+                  <a:pt x="-24350" y="129258"/>
+                  <a:pt x="0" y="0"/>
+                </a:cubicBezTo>
+                <a:close/>
+              </a:path>
+              <a:path w="2670621" h="584775" stroke="0" extrusionOk="0">
+                <a:moveTo>
+                  <a:pt x="0" y="0"/>
+                </a:moveTo>
+                <a:cubicBezTo>
+                  <a:pt x="199699" y="17730"/>
+                  <a:pt x="340427" y="7318"/>
+                  <a:pt x="667655" y="0"/>
+                </a:cubicBezTo>
+                <a:cubicBezTo>
+                  <a:pt x="994884" y="-7318"/>
+                  <a:pt x="1051547" y="14856"/>
+                  <a:pt x="1335311" y="0"/>
+                </a:cubicBezTo>
+                <a:cubicBezTo>
+                  <a:pt x="1619075" y="-14856"/>
+                  <a:pt x="1836738" y="-19119"/>
+                  <a:pt x="2029672" y="0"/>
+                </a:cubicBezTo>
+                <a:cubicBezTo>
+                  <a:pt x="2222606" y="19119"/>
+                  <a:pt x="2436353" y="19589"/>
+                  <a:pt x="2670621" y="0"/>
+                </a:cubicBezTo>
+                <a:cubicBezTo>
+                  <a:pt x="2648426" y="229925"/>
+                  <a:pt x="2695692" y="329837"/>
+                  <a:pt x="2670621" y="584775"/>
+                </a:cubicBezTo>
+                <a:cubicBezTo>
+                  <a:pt x="2440602" y="574729"/>
+                  <a:pt x="2293988" y="619548"/>
+                  <a:pt x="1949553" y="584775"/>
+                </a:cubicBezTo>
+                <a:cubicBezTo>
+                  <a:pt x="1605118" y="550002"/>
+                  <a:pt x="1542492" y="577110"/>
+                  <a:pt x="1362017" y="584775"/>
+                </a:cubicBezTo>
+                <a:cubicBezTo>
+                  <a:pt x="1181542" y="592440"/>
+                  <a:pt x="1005972" y="612460"/>
+                  <a:pt x="774480" y="584775"/>
+                </a:cubicBezTo>
+                <a:cubicBezTo>
+                  <a:pt x="542988" y="557090"/>
+                  <a:pt x="330502" y="556040"/>
+                  <a:pt x="0" y="584775"/>
+                </a:cubicBezTo>
+                <a:cubicBezTo>
+                  <a:pt x="-28272" y="330832"/>
+                  <a:pt x="22601" y="117575"/>
+                  <a:pt x="0" y="0"/>
+                </a:cubicBezTo>
+                <a:close/>
+              </a:path>
+            </a:pathLst>
+          </a:custGeom>
+          <a:ln>
+            <a:solidFill>
+              <a:schemeClr val="tx1"/>
+            </a:solidFill>
+            <a:extLst>
+              <a:ext uri="{C807C97D-BFC1-408E-A445-0C87EB9F89A2}">
+                <ask:lineSketchStyleProps xmlns:ask="http://schemas.microsoft.com/office/drawing/2018/sketchyshapes" sd="4101838037">
+                  <a:prstGeom prst="rect">
+                    <a:avLst/>
+                  </a:prstGeom>
+                  <ask:type>
+                    <ask:lineSketchFreehand/>
+                  </ask:type>
+                </ask:lineSketchStyleProps>
+              </a:ext>
+            </a:extLst>
+          </a:ln>
+        </p:spPr>
+        <p:txBody>
+          <a:bodyPr wrap="square">
+            <a:spAutoFit/>
+          </a:bodyPr>
+          <a:lstStyle/>
+          <a:p>
+            <a:r>
+              <a:rPr lang="en-US" sz="800" dirty="0">
+                <a:latin typeface="Consolas" panose="020B0609020204030204" pitchFamily="49" charset="0"/>
+                <a:cs typeface="Consolas" panose="020B0609020204030204" pitchFamily="49" charset="0"/>
+              </a:rPr>
+              <a:t>if </a:t>
+            </a:r>
+            <a:r>
+              <a:rPr lang="en-US" sz="800" b="1" dirty="0">
+                <a:latin typeface="Consolas" panose="020B0609020204030204" pitchFamily="49" charset="0"/>
+                <a:cs typeface="Consolas" panose="020B0609020204030204" pitchFamily="49" charset="0"/>
+              </a:rPr>
+              <a:t>False</a:t>
+            </a:r>
+            <a:r>
+              <a:rPr lang="en-US" sz="800" dirty="0">
+                <a:latin typeface="Consolas" panose="020B0609020204030204" pitchFamily="49" charset="0"/>
+                <a:cs typeface="Consolas" panose="020B0609020204030204" pitchFamily="49" charset="0"/>
+              </a:rPr>
+              <a:t>: return "A"</a:t>
+            </a:r>
+          </a:p>
+          <a:p>
+            <a:r>
+              <a:rPr lang="en-US" sz="800" dirty="0" err="1">
+                <a:latin typeface="Consolas" panose="020B0609020204030204" pitchFamily="49" charset="0"/>
+                <a:cs typeface="Consolas" panose="020B0609020204030204" pitchFamily="49" charset="0"/>
+              </a:rPr>
+              <a:t>elif</a:t>
+            </a:r>
+            <a:r>
+              <a:rPr lang="en-US" sz="800" dirty="0">
+                <a:latin typeface="Consolas" panose="020B0609020204030204" pitchFamily="49" charset="0"/>
+                <a:cs typeface="Consolas" panose="020B0609020204030204" pitchFamily="49" charset="0"/>
+              </a:rPr>
+              <a:t> points &gt;= 80: return "B"</a:t>
+            </a:r>
+          </a:p>
+          <a:p>
+            <a:r>
+              <a:rPr lang="en-US" sz="800" dirty="0" err="1">
+                <a:latin typeface="Consolas" panose="020B0609020204030204" pitchFamily="49" charset="0"/>
+                <a:cs typeface="Consolas" panose="020B0609020204030204" pitchFamily="49" charset="0"/>
+              </a:rPr>
+              <a:t>elif</a:t>
+            </a:r>
+            <a:r>
+              <a:rPr lang="en-US" sz="800" dirty="0">
+                <a:latin typeface="Consolas" panose="020B0609020204030204" pitchFamily="49" charset="0"/>
+                <a:cs typeface="Consolas" panose="020B0609020204030204" pitchFamily="49" charset="0"/>
+              </a:rPr>
+              <a:t> points &gt;= 70: return "C"</a:t>
+            </a:r>
+          </a:p>
+          <a:p>
+            <a:r>
+              <a:rPr lang="en-US" sz="800" dirty="0">
+                <a:latin typeface="Consolas" panose="020B0609020204030204" pitchFamily="49" charset="0"/>
+                <a:cs typeface="Consolas" panose="020B0609020204030204" pitchFamily="49" charset="0"/>
+              </a:rPr>
+              <a:t>else: return "F" </a:t>
+            </a:r>
+          </a:p>
+        </p:txBody>
+      </p:sp>
+      <p:sp>
+        <p:nvSpPr>
+          <p:cNvPr id="78" name="Rectangle 77">
+            <a:extLst>
+              <a:ext uri="{FF2B5EF4-FFF2-40B4-BE49-F238E27FC236}">
+                <a16:creationId xmlns:a16="http://schemas.microsoft.com/office/drawing/2014/main" id="{A54CB63C-54FC-E34B-9D32-F00DED6C3653}"/>
+              </a:ext>
+            </a:extLst>
+          </p:cNvPr>
+          <p:cNvSpPr/>
+          <p:nvPr/>
+        </p:nvSpPr>
+        <p:spPr>
+          <a:xfrm>
+            <a:off x="2017084" y="6417977"/>
+            <a:ext cx="873953" cy="215444"/>
+          </a:xfrm>
+          <a:custGeom>
+            <a:avLst/>
+            <a:gdLst>
+              <a:gd name="connsiteX0" fmla="*/ 0 w 873953"/>
+              <a:gd name="connsiteY0" fmla="*/ 0 h 215444"/>
+              <a:gd name="connsiteX1" fmla="*/ 436977 w 873953"/>
+              <a:gd name="connsiteY1" fmla="*/ 0 h 215444"/>
+              <a:gd name="connsiteX2" fmla="*/ 873953 w 873953"/>
+              <a:gd name="connsiteY2" fmla="*/ 0 h 215444"/>
+              <a:gd name="connsiteX3" fmla="*/ 873953 w 873953"/>
+              <a:gd name="connsiteY3" fmla="*/ 215444 h 215444"/>
+              <a:gd name="connsiteX4" fmla="*/ 428237 w 873953"/>
+              <a:gd name="connsiteY4" fmla="*/ 215444 h 215444"/>
+              <a:gd name="connsiteX5" fmla="*/ 0 w 873953"/>
+              <a:gd name="connsiteY5" fmla="*/ 215444 h 215444"/>
+              <a:gd name="connsiteX6" fmla="*/ 0 w 873953"/>
+              <a:gd name="connsiteY6" fmla="*/ 0 h 215444"/>
+            </a:gdLst>
+            <a:ahLst/>
+            <a:cxnLst>
+              <a:cxn ang="0">
+                <a:pos x="connsiteX0" y="connsiteY0"/>
+              </a:cxn>
+              <a:cxn ang="0">
+                <a:pos x="connsiteX1" y="connsiteY1"/>
+              </a:cxn>
+              <a:cxn ang="0">
+                <a:pos x="connsiteX2" y="connsiteY2"/>
+              </a:cxn>
+              <a:cxn ang="0">
+                <a:pos x="connsiteX3" y="connsiteY3"/>
+              </a:cxn>
+              <a:cxn ang="0">
+                <a:pos x="connsiteX4" y="connsiteY4"/>
+              </a:cxn>
+              <a:cxn ang="0">
+                <a:pos x="connsiteX5" y="connsiteY5"/>
+              </a:cxn>
+              <a:cxn ang="0">
+                <a:pos x="connsiteX6" y="connsiteY6"/>
+              </a:cxn>
+            </a:cxnLst>
+            <a:rect l="l" t="t" r="r" b="b"/>
+            <a:pathLst>
+              <a:path w="873953" h="215444" fill="none" extrusionOk="0">
+                <a:moveTo>
+                  <a:pt x="0" y="0"/>
+                </a:moveTo>
+                <a:cubicBezTo>
+                  <a:pt x="156962" y="-12862"/>
+                  <a:pt x="223041" y="-13669"/>
+                  <a:pt x="436977" y="0"/>
+                </a:cubicBezTo>
+                <a:cubicBezTo>
+                  <a:pt x="650913" y="13669"/>
+                  <a:pt x="664580" y="14842"/>
+                  <a:pt x="873953" y="0"/>
+                </a:cubicBezTo>
+                <a:cubicBezTo>
+                  <a:pt x="879427" y="58171"/>
+                  <a:pt x="863763" y="129746"/>
+                  <a:pt x="873953" y="215444"/>
+                </a:cubicBezTo>
+                <a:cubicBezTo>
+                  <a:pt x="753285" y="222337"/>
+                  <a:pt x="568423" y="204735"/>
+                  <a:pt x="428237" y="215444"/>
+                </a:cubicBezTo>
+                <a:cubicBezTo>
+                  <a:pt x="288051" y="226153"/>
+                  <a:pt x="179851" y="235944"/>
+                  <a:pt x="0" y="215444"/>
+                </a:cubicBezTo>
+                <a:cubicBezTo>
+                  <a:pt x="-2092" y="151803"/>
+                  <a:pt x="-2867" y="70016"/>
+                  <a:pt x="0" y="0"/>
+                </a:cubicBezTo>
+                <a:close/>
+              </a:path>
+              <a:path w="873953" h="215444" stroke="0" extrusionOk="0">
+                <a:moveTo>
+                  <a:pt x="0" y="0"/>
+                </a:moveTo>
+                <a:cubicBezTo>
+                  <a:pt x="101306" y="3545"/>
+                  <a:pt x="323698" y="7687"/>
+                  <a:pt x="445716" y="0"/>
+                </a:cubicBezTo>
+                <a:cubicBezTo>
+                  <a:pt x="567734" y="-7687"/>
+                  <a:pt x="768247" y="-18162"/>
+                  <a:pt x="873953" y="0"/>
+                </a:cubicBezTo>
+                <a:cubicBezTo>
+                  <a:pt x="868599" y="93918"/>
+                  <a:pt x="875467" y="107975"/>
+                  <a:pt x="873953" y="215444"/>
+                </a:cubicBezTo>
+                <a:cubicBezTo>
+                  <a:pt x="742177" y="225883"/>
+                  <a:pt x="597656" y="201024"/>
+                  <a:pt x="445716" y="215444"/>
+                </a:cubicBezTo>
+                <a:cubicBezTo>
+                  <a:pt x="293776" y="229864"/>
+                  <a:pt x="109972" y="201556"/>
+                  <a:pt x="0" y="215444"/>
+                </a:cubicBezTo>
+                <a:cubicBezTo>
+                  <a:pt x="-4684" y="139029"/>
+                  <a:pt x="3841" y="78761"/>
+                  <a:pt x="0" y="0"/>
+                </a:cubicBezTo>
+                <a:close/>
+              </a:path>
+            </a:pathLst>
+          </a:custGeom>
+          <a:ln>
+            <a:solidFill>
+              <a:schemeClr val="tx1"/>
+            </a:solidFill>
+            <a:extLst>
+              <a:ext uri="{C807C97D-BFC1-408E-A445-0C87EB9F89A2}">
+                <ask:lineSketchStyleProps xmlns:ask="http://schemas.microsoft.com/office/drawing/2018/sketchyshapes" sd="3003303824">
+                  <a:prstGeom prst="rect">
+                    <a:avLst/>
+                  </a:prstGeom>
+                  <ask:type>
+                    <ask:lineSketchFreehand/>
+                  </ask:type>
+                </ask:lineSketchStyleProps>
+              </a:ext>
+            </a:extLst>
+          </a:ln>
+        </p:spPr>
+        <p:txBody>
+          <a:bodyPr wrap="square">
+            <a:spAutoFit/>
+          </a:bodyPr>
+          <a:lstStyle/>
+          <a:p>
+            <a:r>
+              <a:rPr lang="en-US" sz="800" dirty="0">
+                <a:latin typeface="Consolas" panose="020B0609020204030204" pitchFamily="49" charset="0"/>
+                <a:cs typeface="Consolas" panose="020B0609020204030204" pitchFamily="49" charset="0"/>
+              </a:rPr>
+              <a:t>points : 75</a:t>
+            </a:r>
+          </a:p>
+        </p:txBody>
+      </p:sp>
+      <p:sp>
+        <p:nvSpPr>
+          <p:cNvPr id="79" name="Rectangle 78">
+            <a:extLst>
+              <a:ext uri="{FF2B5EF4-FFF2-40B4-BE49-F238E27FC236}">
+                <a16:creationId xmlns:a16="http://schemas.microsoft.com/office/drawing/2014/main" id="{18D4BE7B-7BBE-A941-BE71-99793B60C07A}"/>
+              </a:ext>
+            </a:extLst>
+          </p:cNvPr>
+          <p:cNvSpPr/>
+          <p:nvPr/>
+        </p:nvSpPr>
+        <p:spPr>
+          <a:xfrm>
+            <a:off x="217746" y="7087727"/>
+            <a:ext cx="2670621" cy="584775"/>
+          </a:xfrm>
+          <a:custGeom>
+            <a:avLst/>
+            <a:gdLst>
+              <a:gd name="connsiteX0" fmla="*/ 0 w 2670621"/>
+              <a:gd name="connsiteY0" fmla="*/ 0 h 584775"/>
+              <a:gd name="connsiteX1" fmla="*/ 694361 w 2670621"/>
+              <a:gd name="connsiteY1" fmla="*/ 0 h 584775"/>
+              <a:gd name="connsiteX2" fmla="*/ 1415429 w 2670621"/>
+              <a:gd name="connsiteY2" fmla="*/ 0 h 584775"/>
+              <a:gd name="connsiteX3" fmla="*/ 2083084 w 2670621"/>
+              <a:gd name="connsiteY3" fmla="*/ 0 h 584775"/>
+              <a:gd name="connsiteX4" fmla="*/ 2670621 w 2670621"/>
+              <a:gd name="connsiteY4" fmla="*/ 0 h 584775"/>
+              <a:gd name="connsiteX5" fmla="*/ 2670621 w 2670621"/>
+              <a:gd name="connsiteY5" fmla="*/ 584775 h 584775"/>
+              <a:gd name="connsiteX6" fmla="*/ 1949553 w 2670621"/>
+              <a:gd name="connsiteY6" fmla="*/ 584775 h 584775"/>
+              <a:gd name="connsiteX7" fmla="*/ 1228486 w 2670621"/>
+              <a:gd name="connsiteY7" fmla="*/ 584775 h 584775"/>
+              <a:gd name="connsiteX8" fmla="*/ 0 w 2670621"/>
+              <a:gd name="connsiteY8" fmla="*/ 584775 h 584775"/>
+              <a:gd name="connsiteX9" fmla="*/ 0 w 2670621"/>
+              <a:gd name="connsiteY9" fmla="*/ 0 h 584775"/>
+            </a:gdLst>
+            <a:ahLst/>
+            <a:cxnLst>
+              <a:cxn ang="0">
+                <a:pos x="connsiteX0" y="connsiteY0"/>
+              </a:cxn>
+              <a:cxn ang="0">
+                <a:pos x="connsiteX1" y="connsiteY1"/>
+              </a:cxn>
+              <a:cxn ang="0">
+                <a:pos x="connsiteX2" y="connsiteY2"/>
+              </a:cxn>
+              <a:cxn ang="0">
+                <a:pos x="connsiteX3" y="connsiteY3"/>
+              </a:cxn>
+              <a:cxn ang="0">
+                <a:pos x="connsiteX4" y="connsiteY4"/>
+              </a:cxn>
+              <a:cxn ang="0">
+                <a:pos x="connsiteX5" y="connsiteY5"/>
+              </a:cxn>
+              <a:cxn ang="0">
+                <a:pos x="connsiteX6" y="connsiteY6"/>
+              </a:cxn>
+              <a:cxn ang="0">
+                <a:pos x="connsiteX7" y="connsiteY7"/>
+              </a:cxn>
+              <a:cxn ang="0">
+                <a:pos x="connsiteX8" y="connsiteY8"/>
+              </a:cxn>
+              <a:cxn ang="0">
+                <a:pos x="connsiteX9" y="connsiteY9"/>
+              </a:cxn>
+            </a:cxnLst>
+            <a:rect l="l" t="t" r="r" b="b"/>
+            <a:pathLst>
+              <a:path w="2670621" h="584775" fill="none" extrusionOk="0">
+                <a:moveTo>
+                  <a:pt x="0" y="0"/>
+                </a:moveTo>
+                <a:cubicBezTo>
+                  <a:pt x="303741" y="-1785"/>
+                  <a:pt x="495607" y="-18276"/>
+                  <a:pt x="694361" y="0"/>
+                </a:cubicBezTo>
+                <a:cubicBezTo>
+                  <a:pt x="893115" y="18276"/>
+                  <a:pt x="1095097" y="25179"/>
+                  <a:pt x="1415429" y="0"/>
+                </a:cubicBezTo>
+                <a:cubicBezTo>
+                  <a:pt x="1735761" y="-25179"/>
+                  <a:pt x="1919412" y="1508"/>
+                  <a:pt x="2083084" y="0"/>
+                </a:cubicBezTo>
+                <a:cubicBezTo>
+                  <a:pt x="2246756" y="-1508"/>
+                  <a:pt x="2538810" y="-10006"/>
+                  <a:pt x="2670621" y="0"/>
+                </a:cubicBezTo>
+                <a:cubicBezTo>
+                  <a:pt x="2647895" y="193309"/>
+                  <a:pt x="2653076" y="380228"/>
+                  <a:pt x="2670621" y="584775"/>
+                </a:cubicBezTo>
+                <a:cubicBezTo>
+                  <a:pt x="2311675" y="552292"/>
+                  <a:pt x="2305248" y="562442"/>
+                  <a:pt x="1949553" y="584775"/>
+                </a:cubicBezTo>
+                <a:cubicBezTo>
+                  <a:pt x="1593858" y="607108"/>
+                  <a:pt x="1476741" y="617152"/>
+                  <a:pt x="1228486" y="584775"/>
+                </a:cubicBezTo>
+                <a:cubicBezTo>
+                  <a:pt x="980231" y="552398"/>
+                  <a:pt x="261718" y="566819"/>
+                  <a:pt x="0" y="584775"/>
+                </a:cubicBezTo>
+                <a:cubicBezTo>
+                  <a:pt x="3174" y="399575"/>
+                  <a:pt x="772" y="245154"/>
+                  <a:pt x="0" y="0"/>
+                </a:cubicBezTo>
+                <a:close/>
+              </a:path>
+              <a:path w="2670621" h="584775" stroke="0" extrusionOk="0">
+                <a:moveTo>
+                  <a:pt x="0" y="0"/>
+                </a:moveTo>
+                <a:cubicBezTo>
+                  <a:pt x="187881" y="-32858"/>
+                  <a:pt x="367736" y="33753"/>
+                  <a:pt x="721068" y="0"/>
+                </a:cubicBezTo>
+                <a:cubicBezTo>
+                  <a:pt x="1074400" y="-33753"/>
+                  <a:pt x="1093157" y="-5741"/>
+                  <a:pt x="1388723" y="0"/>
+                </a:cubicBezTo>
+                <a:cubicBezTo>
+                  <a:pt x="1684290" y="5741"/>
+                  <a:pt x="1888195" y="6939"/>
+                  <a:pt x="2056378" y="0"/>
+                </a:cubicBezTo>
+                <a:cubicBezTo>
+                  <a:pt x="2224561" y="-6939"/>
+                  <a:pt x="2460138" y="-29400"/>
+                  <a:pt x="2670621" y="0"/>
+                </a:cubicBezTo>
+                <a:cubicBezTo>
+                  <a:pt x="2665535" y="164257"/>
+                  <a:pt x="2696763" y="464047"/>
+                  <a:pt x="2670621" y="584775"/>
+                </a:cubicBezTo>
+                <a:cubicBezTo>
+                  <a:pt x="2446033" y="613648"/>
+                  <a:pt x="2244523" y="598779"/>
+                  <a:pt x="2083084" y="584775"/>
+                </a:cubicBezTo>
+                <a:cubicBezTo>
+                  <a:pt x="1921645" y="570771"/>
+                  <a:pt x="1692203" y="559476"/>
+                  <a:pt x="1442135" y="584775"/>
+                </a:cubicBezTo>
+                <a:cubicBezTo>
+                  <a:pt x="1192067" y="610074"/>
+                  <a:pt x="997710" y="556286"/>
+                  <a:pt x="801186" y="584775"/>
+                </a:cubicBezTo>
+                <a:cubicBezTo>
+                  <a:pt x="604662" y="613264"/>
+                  <a:pt x="198333" y="578627"/>
+                  <a:pt x="0" y="584775"/>
+                </a:cubicBezTo>
+                <a:cubicBezTo>
+                  <a:pt x="1850" y="374972"/>
+                  <a:pt x="18763" y="157790"/>
+                  <a:pt x="0" y="0"/>
+                </a:cubicBezTo>
+                <a:close/>
+              </a:path>
+            </a:pathLst>
+          </a:custGeom>
+          <a:ln>
+            <a:solidFill>
+              <a:schemeClr val="tx1"/>
+            </a:solidFill>
+            <a:extLst>
+              <a:ext uri="{C807C97D-BFC1-408E-A445-0C87EB9F89A2}">
+                <ask:lineSketchStyleProps xmlns:ask="http://schemas.microsoft.com/office/drawing/2018/sketchyshapes" sd="1842865705">
+                  <a:prstGeom prst="rect">
+                    <a:avLst/>
+                  </a:prstGeom>
+                  <ask:type>
+                    <ask:lineSketchFreehand/>
+                  </ask:type>
+                </ask:lineSketchStyleProps>
+              </a:ext>
+            </a:extLst>
+          </a:ln>
+        </p:spPr>
+        <p:txBody>
+          <a:bodyPr wrap="square">
+            <a:spAutoFit/>
+          </a:bodyPr>
+          <a:lstStyle/>
+          <a:p>
+            <a:r>
+              <a:rPr lang="en-US" sz="800" dirty="0">
+                <a:latin typeface="Consolas" panose="020B0609020204030204" pitchFamily="49" charset="0"/>
+                <a:cs typeface="Consolas" panose="020B0609020204030204" pitchFamily="49" charset="0"/>
+              </a:rPr>
+              <a:t>if False: return "A"</a:t>
+            </a:r>
+          </a:p>
+          <a:p>
+            <a:r>
+              <a:rPr lang="en-US" sz="800" b="1" dirty="0" err="1">
+                <a:latin typeface="Consolas" panose="020B0609020204030204" pitchFamily="49" charset="0"/>
+                <a:cs typeface="Consolas" panose="020B0609020204030204" pitchFamily="49" charset="0"/>
+              </a:rPr>
+              <a:t>elif</a:t>
+            </a:r>
+            <a:r>
+              <a:rPr lang="en-US" sz="800" b="1" dirty="0">
+                <a:latin typeface="Consolas" panose="020B0609020204030204" pitchFamily="49" charset="0"/>
+                <a:cs typeface="Consolas" panose="020B0609020204030204" pitchFamily="49" charset="0"/>
+              </a:rPr>
+              <a:t> False: return "B"</a:t>
+            </a:r>
+          </a:p>
+          <a:p>
+            <a:r>
+              <a:rPr lang="en-US" sz="800" dirty="0" err="1">
+                <a:latin typeface="Consolas" panose="020B0609020204030204" pitchFamily="49" charset="0"/>
+                <a:cs typeface="Consolas" panose="020B0609020204030204" pitchFamily="49" charset="0"/>
+              </a:rPr>
+              <a:t>elif</a:t>
+            </a:r>
+            <a:r>
+              <a:rPr lang="en-US" sz="800" dirty="0">
+                <a:latin typeface="Consolas" panose="020B0609020204030204" pitchFamily="49" charset="0"/>
+                <a:cs typeface="Consolas" panose="020B0609020204030204" pitchFamily="49" charset="0"/>
+              </a:rPr>
+              <a:t> points &gt;= 70: return "C"</a:t>
+            </a:r>
+          </a:p>
+          <a:p>
+            <a:r>
+              <a:rPr lang="en-US" sz="800" dirty="0">
+                <a:latin typeface="Consolas" panose="020B0609020204030204" pitchFamily="49" charset="0"/>
+                <a:cs typeface="Consolas" panose="020B0609020204030204" pitchFamily="49" charset="0"/>
+              </a:rPr>
+              <a:t>else: return "F" </a:t>
+            </a:r>
+          </a:p>
+        </p:txBody>
+      </p:sp>
+      <p:sp>
+        <p:nvSpPr>
+          <p:cNvPr id="80" name="Rectangle 79">
+            <a:extLst>
+              <a:ext uri="{FF2B5EF4-FFF2-40B4-BE49-F238E27FC236}">
+                <a16:creationId xmlns:a16="http://schemas.microsoft.com/office/drawing/2014/main" id="{505A28A2-0ED1-8647-9EC4-BA3C66E2963E}"/>
+              </a:ext>
+            </a:extLst>
+          </p:cNvPr>
+          <p:cNvSpPr/>
+          <p:nvPr/>
+        </p:nvSpPr>
+        <p:spPr>
+          <a:xfrm>
+            <a:off x="2014413" y="7087727"/>
+            <a:ext cx="873953" cy="215444"/>
+          </a:xfrm>
+          <a:custGeom>
+            <a:avLst/>
+            <a:gdLst>
+              <a:gd name="connsiteX0" fmla="*/ 0 w 873953"/>
+              <a:gd name="connsiteY0" fmla="*/ 0 h 215444"/>
+              <a:gd name="connsiteX1" fmla="*/ 428237 w 873953"/>
+              <a:gd name="connsiteY1" fmla="*/ 0 h 215444"/>
+              <a:gd name="connsiteX2" fmla="*/ 873953 w 873953"/>
+              <a:gd name="connsiteY2" fmla="*/ 0 h 215444"/>
+              <a:gd name="connsiteX3" fmla="*/ 873953 w 873953"/>
+              <a:gd name="connsiteY3" fmla="*/ 215444 h 215444"/>
+              <a:gd name="connsiteX4" fmla="*/ 454456 w 873953"/>
+              <a:gd name="connsiteY4" fmla="*/ 215444 h 215444"/>
+              <a:gd name="connsiteX5" fmla="*/ 0 w 873953"/>
+              <a:gd name="connsiteY5" fmla="*/ 215444 h 215444"/>
+              <a:gd name="connsiteX6" fmla="*/ 0 w 873953"/>
+              <a:gd name="connsiteY6" fmla="*/ 0 h 215444"/>
+            </a:gdLst>
+            <a:ahLst/>
+            <a:cxnLst>
+              <a:cxn ang="0">
+                <a:pos x="connsiteX0" y="connsiteY0"/>
+              </a:cxn>
+              <a:cxn ang="0">
+                <a:pos x="connsiteX1" y="connsiteY1"/>
+              </a:cxn>
+              <a:cxn ang="0">
+                <a:pos x="connsiteX2" y="connsiteY2"/>
+              </a:cxn>
+              <a:cxn ang="0">
+                <a:pos x="connsiteX3" y="connsiteY3"/>
+              </a:cxn>
+              <a:cxn ang="0">
+                <a:pos x="connsiteX4" y="connsiteY4"/>
+              </a:cxn>
+              <a:cxn ang="0">
+                <a:pos x="connsiteX5" y="connsiteY5"/>
+              </a:cxn>
+              <a:cxn ang="0">
+                <a:pos x="connsiteX6" y="connsiteY6"/>
+              </a:cxn>
+            </a:cxnLst>
+            <a:rect l="l" t="t" r="r" b="b"/>
+            <a:pathLst>
+              <a:path w="873953" h="215444" fill="none" extrusionOk="0">
+                <a:moveTo>
+                  <a:pt x="0" y="0"/>
+                </a:moveTo>
+                <a:cubicBezTo>
+                  <a:pt x="124753" y="12932"/>
+                  <a:pt x="234953" y="20429"/>
+                  <a:pt x="428237" y="0"/>
+                </a:cubicBezTo>
+                <a:cubicBezTo>
+                  <a:pt x="621521" y="-20429"/>
+                  <a:pt x="740987" y="16010"/>
+                  <a:pt x="873953" y="0"/>
+                </a:cubicBezTo>
+                <a:cubicBezTo>
+                  <a:pt x="875393" y="70009"/>
+                  <a:pt x="866573" y="139121"/>
+                  <a:pt x="873953" y="215444"/>
+                </a:cubicBezTo>
+                <a:cubicBezTo>
+                  <a:pt x="748858" y="213663"/>
+                  <a:pt x="638997" y="223232"/>
+                  <a:pt x="454456" y="215444"/>
+                </a:cubicBezTo>
+                <a:cubicBezTo>
+                  <a:pt x="269915" y="207656"/>
+                  <a:pt x="177758" y="213072"/>
+                  <a:pt x="0" y="215444"/>
+                </a:cubicBezTo>
+                <a:cubicBezTo>
+                  <a:pt x="-88" y="163320"/>
+                  <a:pt x="10716" y="76557"/>
+                  <a:pt x="0" y="0"/>
+                </a:cubicBezTo>
+                <a:close/>
+              </a:path>
+              <a:path w="873953" h="215444" stroke="0" extrusionOk="0">
+                <a:moveTo>
+                  <a:pt x="0" y="0"/>
+                </a:moveTo>
+                <a:cubicBezTo>
+                  <a:pt x="144779" y="3802"/>
+                  <a:pt x="266934" y="5203"/>
+                  <a:pt x="428237" y="0"/>
+                </a:cubicBezTo>
+                <a:cubicBezTo>
+                  <a:pt x="589540" y="-5203"/>
+                  <a:pt x="661713" y="-21578"/>
+                  <a:pt x="873953" y="0"/>
+                </a:cubicBezTo>
+                <a:cubicBezTo>
+                  <a:pt x="880089" y="52604"/>
+                  <a:pt x="884681" y="136549"/>
+                  <a:pt x="873953" y="215444"/>
+                </a:cubicBezTo>
+                <a:cubicBezTo>
+                  <a:pt x="786816" y="212737"/>
+                  <a:pt x="661376" y="230411"/>
+                  <a:pt x="463195" y="215444"/>
+                </a:cubicBezTo>
+                <a:cubicBezTo>
+                  <a:pt x="265014" y="200477"/>
+                  <a:pt x="155228" y="237295"/>
+                  <a:pt x="0" y="215444"/>
+                </a:cubicBezTo>
+                <a:cubicBezTo>
+                  <a:pt x="-3377" y="123624"/>
+                  <a:pt x="8562" y="106898"/>
+                  <a:pt x="0" y="0"/>
+                </a:cubicBezTo>
+                <a:close/>
+              </a:path>
+            </a:pathLst>
+          </a:custGeom>
+          <a:ln>
+            <a:solidFill>
+              <a:schemeClr val="tx1"/>
+            </a:solidFill>
+            <a:extLst>
+              <a:ext uri="{C807C97D-BFC1-408E-A445-0C87EB9F89A2}">
+                <ask:lineSketchStyleProps xmlns:ask="http://schemas.microsoft.com/office/drawing/2018/sketchyshapes" sd="1388697725">
+                  <a:prstGeom prst="rect">
+                    <a:avLst/>
+                  </a:prstGeom>
+                  <ask:type>
+                    <ask:lineSketchFreehand/>
+                  </ask:type>
+                </ask:lineSketchStyleProps>
+              </a:ext>
+            </a:extLst>
+          </a:ln>
+        </p:spPr>
+        <p:txBody>
+          <a:bodyPr wrap="square">
+            <a:spAutoFit/>
+          </a:bodyPr>
+          <a:lstStyle/>
+          <a:p>
+            <a:r>
+              <a:rPr lang="en-US" sz="800" dirty="0">
+                <a:latin typeface="Consolas" panose="020B0609020204030204" pitchFamily="49" charset="0"/>
+                <a:cs typeface="Consolas" panose="020B0609020204030204" pitchFamily="49" charset="0"/>
+              </a:rPr>
+              <a:t>points : 75</a:t>
+            </a:r>
+          </a:p>
+        </p:txBody>
+      </p:sp>
+      <p:sp>
+        <p:nvSpPr>
+          <p:cNvPr id="81" name="Rectangle 80">
+            <a:extLst>
+              <a:ext uri="{FF2B5EF4-FFF2-40B4-BE49-F238E27FC236}">
+                <a16:creationId xmlns:a16="http://schemas.microsoft.com/office/drawing/2014/main" id="{F36E2965-3EB9-694D-B61C-7457BB4E9C82}"/>
+              </a:ext>
+            </a:extLst>
+          </p:cNvPr>
+          <p:cNvSpPr/>
+          <p:nvPr/>
+        </p:nvSpPr>
+        <p:spPr>
+          <a:xfrm>
+            <a:off x="217746" y="7730582"/>
+            <a:ext cx="2670620" cy="584775"/>
+          </a:xfrm>
+          <a:custGeom>
+            <a:avLst/>
+            <a:gdLst>
+              <a:gd name="connsiteX0" fmla="*/ 0 w 2670620"/>
+              <a:gd name="connsiteY0" fmla="*/ 0 h 584775"/>
+              <a:gd name="connsiteX1" fmla="*/ 694361 w 2670620"/>
+              <a:gd name="connsiteY1" fmla="*/ 0 h 584775"/>
+              <a:gd name="connsiteX2" fmla="*/ 1335310 w 2670620"/>
+              <a:gd name="connsiteY2" fmla="*/ 0 h 584775"/>
+              <a:gd name="connsiteX3" fmla="*/ 2029671 w 2670620"/>
+              <a:gd name="connsiteY3" fmla="*/ 0 h 584775"/>
+              <a:gd name="connsiteX4" fmla="*/ 2670620 w 2670620"/>
+              <a:gd name="connsiteY4" fmla="*/ 0 h 584775"/>
+              <a:gd name="connsiteX5" fmla="*/ 2670620 w 2670620"/>
+              <a:gd name="connsiteY5" fmla="*/ 584775 h 584775"/>
+              <a:gd name="connsiteX6" fmla="*/ 2029671 w 2670620"/>
+              <a:gd name="connsiteY6" fmla="*/ 584775 h 584775"/>
+              <a:gd name="connsiteX7" fmla="*/ 1308604 w 2670620"/>
+              <a:gd name="connsiteY7" fmla="*/ 584775 h 584775"/>
+              <a:gd name="connsiteX8" fmla="*/ 721067 w 2670620"/>
+              <a:gd name="connsiteY8" fmla="*/ 584775 h 584775"/>
+              <a:gd name="connsiteX9" fmla="*/ 0 w 2670620"/>
+              <a:gd name="connsiteY9" fmla="*/ 584775 h 584775"/>
+              <a:gd name="connsiteX10" fmla="*/ 0 w 2670620"/>
+              <a:gd name="connsiteY10" fmla="*/ 0 h 584775"/>
+            </a:gdLst>
+            <a:ahLst/>
+            <a:cxnLst>
+              <a:cxn ang="0">
+                <a:pos x="connsiteX0" y="connsiteY0"/>
+              </a:cxn>
+              <a:cxn ang="0">
+                <a:pos x="connsiteX1" y="connsiteY1"/>
+              </a:cxn>
+              <a:cxn ang="0">
+                <a:pos x="connsiteX2" y="connsiteY2"/>
+              </a:cxn>
+              <a:cxn ang="0">
+                <a:pos x="connsiteX3" y="connsiteY3"/>
+              </a:cxn>
+              <a:cxn ang="0">
+                <a:pos x="connsiteX4" y="connsiteY4"/>
+              </a:cxn>
+              <a:cxn ang="0">
+                <a:pos x="connsiteX5" y="connsiteY5"/>
+              </a:cxn>
+              <a:cxn ang="0">
+                <a:pos x="connsiteX6" y="connsiteY6"/>
+              </a:cxn>
+              <a:cxn ang="0">
+                <a:pos x="connsiteX7" y="connsiteY7"/>
+              </a:cxn>
+              <a:cxn ang="0">
+                <a:pos x="connsiteX8" y="connsiteY8"/>
+              </a:cxn>
+              <a:cxn ang="0">
+                <a:pos x="connsiteX9" y="connsiteY9"/>
+              </a:cxn>
+              <a:cxn ang="0">
+                <a:pos x="connsiteX10" y="connsiteY10"/>
+              </a:cxn>
+            </a:cxnLst>
+            <a:rect l="l" t="t" r="r" b="b"/>
+            <a:pathLst>
+              <a:path w="2670620" h="584775" fill="none" extrusionOk="0">
+                <a:moveTo>
+                  <a:pt x="0" y="0"/>
+                </a:moveTo>
+                <a:cubicBezTo>
+                  <a:pt x="219790" y="12344"/>
+                  <a:pt x="439116" y="-30588"/>
+                  <a:pt x="694361" y="0"/>
+                </a:cubicBezTo>
+                <a:cubicBezTo>
+                  <a:pt x="949606" y="30588"/>
+                  <a:pt x="1058670" y="22873"/>
+                  <a:pt x="1335310" y="0"/>
+                </a:cubicBezTo>
+                <a:cubicBezTo>
+                  <a:pt x="1611950" y="-22873"/>
+                  <a:pt x="1764209" y="-22518"/>
+                  <a:pt x="2029671" y="0"/>
+                </a:cubicBezTo>
+                <a:cubicBezTo>
+                  <a:pt x="2295133" y="22518"/>
+                  <a:pt x="2492740" y="14018"/>
+                  <a:pt x="2670620" y="0"/>
+                </a:cubicBezTo>
+                <a:cubicBezTo>
+                  <a:pt x="2673003" y="243176"/>
+                  <a:pt x="2661850" y="294198"/>
+                  <a:pt x="2670620" y="584775"/>
+                </a:cubicBezTo>
+                <a:cubicBezTo>
+                  <a:pt x="2531693" y="592160"/>
+                  <a:pt x="2289829" y="574082"/>
+                  <a:pt x="2029671" y="584775"/>
+                </a:cubicBezTo>
+                <a:cubicBezTo>
+                  <a:pt x="1769513" y="595468"/>
+                  <a:pt x="1655745" y="600405"/>
+                  <a:pt x="1308604" y="584775"/>
+                </a:cubicBezTo>
+                <a:cubicBezTo>
+                  <a:pt x="961463" y="569145"/>
+                  <a:pt x="988281" y="576385"/>
+                  <a:pt x="721067" y="584775"/>
+                </a:cubicBezTo>
+                <a:cubicBezTo>
+                  <a:pt x="453853" y="593165"/>
+                  <a:pt x="274282" y="602384"/>
+                  <a:pt x="0" y="584775"/>
+                </a:cubicBezTo>
+                <a:cubicBezTo>
+                  <a:pt x="-15090" y="398927"/>
+                  <a:pt x="-3791" y="241879"/>
+                  <a:pt x="0" y="0"/>
+                </a:cubicBezTo>
+                <a:close/>
+              </a:path>
+              <a:path w="2670620" h="584775" stroke="0" extrusionOk="0">
+                <a:moveTo>
+                  <a:pt x="0" y="0"/>
+                </a:moveTo>
+                <a:cubicBezTo>
+                  <a:pt x="180797" y="-25657"/>
+                  <a:pt x="462438" y="24959"/>
+                  <a:pt x="667655" y="0"/>
+                </a:cubicBezTo>
+                <a:cubicBezTo>
+                  <a:pt x="872873" y="-24959"/>
+                  <a:pt x="999470" y="6911"/>
+                  <a:pt x="1281898" y="0"/>
+                </a:cubicBezTo>
+                <a:cubicBezTo>
+                  <a:pt x="1564326" y="-6911"/>
+                  <a:pt x="1770580" y="15495"/>
+                  <a:pt x="1976259" y="0"/>
+                </a:cubicBezTo>
+                <a:cubicBezTo>
+                  <a:pt x="2181938" y="-15495"/>
+                  <a:pt x="2448499" y="-14105"/>
+                  <a:pt x="2670620" y="0"/>
+                </a:cubicBezTo>
+                <a:cubicBezTo>
+                  <a:pt x="2660077" y="194689"/>
+                  <a:pt x="2680112" y="335378"/>
+                  <a:pt x="2670620" y="584775"/>
+                </a:cubicBezTo>
+                <a:cubicBezTo>
+                  <a:pt x="2506464" y="599999"/>
+                  <a:pt x="2317880" y="617111"/>
+                  <a:pt x="2002965" y="584775"/>
+                </a:cubicBezTo>
+                <a:cubicBezTo>
+                  <a:pt x="1688051" y="552439"/>
+                  <a:pt x="1488759" y="599127"/>
+                  <a:pt x="1308604" y="584775"/>
+                </a:cubicBezTo>
+                <a:cubicBezTo>
+                  <a:pt x="1128449" y="570423"/>
+                  <a:pt x="978787" y="590816"/>
+                  <a:pt x="694361" y="584775"/>
+                </a:cubicBezTo>
+                <a:cubicBezTo>
+                  <a:pt x="409935" y="578734"/>
+                  <a:pt x="184490" y="559682"/>
+                  <a:pt x="0" y="584775"/>
+                </a:cubicBezTo>
+                <a:cubicBezTo>
+                  <a:pt x="15179" y="376286"/>
+                  <a:pt x="17050" y="146163"/>
+                  <a:pt x="0" y="0"/>
+                </a:cubicBezTo>
+                <a:close/>
+              </a:path>
+            </a:pathLst>
+          </a:custGeom>
+          <a:ln>
+            <a:solidFill>
+              <a:schemeClr val="tx1"/>
+            </a:solidFill>
+            <a:extLst>
+              <a:ext uri="{C807C97D-BFC1-408E-A445-0C87EB9F89A2}">
+                <ask:lineSketchStyleProps xmlns:ask="http://schemas.microsoft.com/office/drawing/2018/sketchyshapes" sd="3204874815">
+                  <a:prstGeom prst="rect">
+                    <a:avLst/>
+                  </a:prstGeom>
+                  <ask:type>
+                    <ask:lineSketchFreehand/>
+                  </ask:type>
+                </ask:lineSketchStyleProps>
+              </a:ext>
+            </a:extLst>
+          </a:ln>
+        </p:spPr>
+        <p:txBody>
+          <a:bodyPr wrap="square">
+            <a:spAutoFit/>
+          </a:bodyPr>
+          <a:lstStyle/>
+          <a:p>
+            <a:r>
+              <a:rPr lang="en-US" sz="800" dirty="0">
+                <a:latin typeface="Consolas" panose="020B0609020204030204" pitchFamily="49" charset="0"/>
+                <a:cs typeface="Consolas" panose="020B0609020204030204" pitchFamily="49" charset="0"/>
+              </a:rPr>
+              <a:t>if False: return "A"</a:t>
+            </a:r>
+          </a:p>
+          <a:p>
+            <a:r>
+              <a:rPr lang="en-US" sz="800" dirty="0" err="1">
+                <a:latin typeface="Consolas" panose="020B0609020204030204" pitchFamily="49" charset="0"/>
+                <a:cs typeface="Consolas" panose="020B0609020204030204" pitchFamily="49" charset="0"/>
+              </a:rPr>
+              <a:t>elif</a:t>
+            </a:r>
+            <a:r>
+              <a:rPr lang="en-US" sz="800" dirty="0">
+                <a:latin typeface="Consolas" panose="020B0609020204030204" pitchFamily="49" charset="0"/>
+                <a:cs typeface="Consolas" panose="020B0609020204030204" pitchFamily="49" charset="0"/>
+              </a:rPr>
+              <a:t> False: return "B"</a:t>
+            </a:r>
+          </a:p>
+          <a:p>
+            <a:r>
+              <a:rPr lang="en-US" sz="800" b="1" dirty="0" err="1">
+                <a:latin typeface="Consolas" panose="020B0609020204030204" pitchFamily="49" charset="0"/>
+                <a:cs typeface="Consolas" panose="020B0609020204030204" pitchFamily="49" charset="0"/>
+              </a:rPr>
+              <a:t>elif</a:t>
+            </a:r>
+            <a:r>
+              <a:rPr lang="en-US" sz="800" b="1" dirty="0">
+                <a:latin typeface="Consolas" panose="020B0609020204030204" pitchFamily="49" charset="0"/>
+                <a:cs typeface="Consolas" panose="020B0609020204030204" pitchFamily="49" charset="0"/>
+              </a:rPr>
+              <a:t> True: return "C"</a:t>
+            </a:r>
+          </a:p>
+          <a:p>
+            <a:r>
+              <a:rPr lang="en-US" sz="800" dirty="0">
+                <a:latin typeface="Consolas" panose="020B0609020204030204" pitchFamily="49" charset="0"/>
+                <a:cs typeface="Consolas" panose="020B0609020204030204" pitchFamily="49" charset="0"/>
+              </a:rPr>
+              <a:t>else: return "F" </a:t>
+            </a:r>
+          </a:p>
+        </p:txBody>
+      </p:sp>
+      <p:sp>
+        <p:nvSpPr>
+          <p:cNvPr id="82" name="Rectangle 81">
+            <a:extLst>
+              <a:ext uri="{FF2B5EF4-FFF2-40B4-BE49-F238E27FC236}">
+                <a16:creationId xmlns:a16="http://schemas.microsoft.com/office/drawing/2014/main" id="{6B8B02D4-D89F-AF4C-A92B-8328E457EFE6}"/>
+              </a:ext>
+            </a:extLst>
+          </p:cNvPr>
+          <p:cNvSpPr/>
+          <p:nvPr/>
+        </p:nvSpPr>
+        <p:spPr>
+          <a:xfrm>
+            <a:off x="2014412" y="7730582"/>
+            <a:ext cx="873953" cy="215444"/>
+          </a:xfrm>
+          <a:custGeom>
+            <a:avLst/>
+            <a:gdLst>
+              <a:gd name="connsiteX0" fmla="*/ 0 w 873953"/>
+              <a:gd name="connsiteY0" fmla="*/ 0 h 215444"/>
+              <a:gd name="connsiteX1" fmla="*/ 445716 w 873953"/>
+              <a:gd name="connsiteY1" fmla="*/ 0 h 215444"/>
+              <a:gd name="connsiteX2" fmla="*/ 873953 w 873953"/>
+              <a:gd name="connsiteY2" fmla="*/ 0 h 215444"/>
+              <a:gd name="connsiteX3" fmla="*/ 873953 w 873953"/>
+              <a:gd name="connsiteY3" fmla="*/ 215444 h 215444"/>
+              <a:gd name="connsiteX4" fmla="*/ 436977 w 873953"/>
+              <a:gd name="connsiteY4" fmla="*/ 215444 h 215444"/>
+              <a:gd name="connsiteX5" fmla="*/ 0 w 873953"/>
+              <a:gd name="connsiteY5" fmla="*/ 215444 h 215444"/>
+              <a:gd name="connsiteX6" fmla="*/ 0 w 873953"/>
+              <a:gd name="connsiteY6" fmla="*/ 0 h 215444"/>
+            </a:gdLst>
+            <a:ahLst/>
+            <a:cxnLst>
+              <a:cxn ang="0">
+                <a:pos x="connsiteX0" y="connsiteY0"/>
+              </a:cxn>
+              <a:cxn ang="0">
+                <a:pos x="connsiteX1" y="connsiteY1"/>
+              </a:cxn>
+              <a:cxn ang="0">
+                <a:pos x="connsiteX2" y="connsiteY2"/>
+              </a:cxn>
+              <a:cxn ang="0">
+                <a:pos x="connsiteX3" y="connsiteY3"/>
+              </a:cxn>
+              <a:cxn ang="0">
+                <a:pos x="connsiteX4" y="connsiteY4"/>
+              </a:cxn>
+              <a:cxn ang="0">
+                <a:pos x="connsiteX5" y="connsiteY5"/>
+              </a:cxn>
+              <a:cxn ang="0">
+                <a:pos x="connsiteX6" y="connsiteY6"/>
+              </a:cxn>
+            </a:cxnLst>
+            <a:rect l="l" t="t" r="r" b="b"/>
+            <a:pathLst>
+              <a:path w="873953" h="215444" fill="none" extrusionOk="0">
+                <a:moveTo>
+                  <a:pt x="0" y="0"/>
+                </a:moveTo>
+                <a:cubicBezTo>
+                  <a:pt x="158102" y="18352"/>
+                  <a:pt x="277329" y="-441"/>
+                  <a:pt x="445716" y="0"/>
+                </a:cubicBezTo>
+                <a:cubicBezTo>
+                  <a:pt x="614103" y="441"/>
+                  <a:pt x="700360" y="-5099"/>
+                  <a:pt x="873953" y="0"/>
+                </a:cubicBezTo>
+                <a:cubicBezTo>
+                  <a:pt x="871764" y="75748"/>
+                  <a:pt x="870908" y="161371"/>
+                  <a:pt x="873953" y="215444"/>
+                </a:cubicBezTo>
+                <a:cubicBezTo>
+                  <a:pt x="711795" y="199761"/>
+                  <a:pt x="588434" y="230539"/>
+                  <a:pt x="436977" y="215444"/>
+                </a:cubicBezTo>
+                <a:cubicBezTo>
+                  <a:pt x="285520" y="200349"/>
+                  <a:pt x="108167" y="198091"/>
+                  <a:pt x="0" y="215444"/>
+                </a:cubicBezTo>
+                <a:cubicBezTo>
+                  <a:pt x="8361" y="120385"/>
+                  <a:pt x="2306" y="44754"/>
+                  <a:pt x="0" y="0"/>
+                </a:cubicBezTo>
+                <a:close/>
+              </a:path>
+              <a:path w="873953" h="215444" stroke="0" extrusionOk="0">
+                <a:moveTo>
+                  <a:pt x="0" y="0"/>
+                </a:moveTo>
+                <a:cubicBezTo>
+                  <a:pt x="121530" y="12975"/>
+                  <a:pt x="305108" y="-12540"/>
+                  <a:pt x="410758" y="0"/>
+                </a:cubicBezTo>
+                <a:cubicBezTo>
+                  <a:pt x="516408" y="12540"/>
+                  <a:pt x="694344" y="-22345"/>
+                  <a:pt x="873953" y="0"/>
+                </a:cubicBezTo>
+                <a:cubicBezTo>
+                  <a:pt x="876328" y="89769"/>
+                  <a:pt x="870747" y="163811"/>
+                  <a:pt x="873953" y="215444"/>
+                </a:cubicBezTo>
+                <a:cubicBezTo>
+                  <a:pt x="782606" y="236269"/>
+                  <a:pt x="642546" y="202512"/>
+                  <a:pt x="428237" y="215444"/>
+                </a:cubicBezTo>
+                <a:cubicBezTo>
+                  <a:pt x="213928" y="228376"/>
+                  <a:pt x="167507" y="218385"/>
+                  <a:pt x="0" y="215444"/>
+                </a:cubicBezTo>
+                <a:cubicBezTo>
+                  <a:pt x="10710" y="165714"/>
+                  <a:pt x="3443" y="81089"/>
+                  <a:pt x="0" y="0"/>
+                </a:cubicBezTo>
+                <a:close/>
+              </a:path>
+            </a:pathLst>
+          </a:custGeom>
+          <a:ln>
+            <a:solidFill>
+              <a:schemeClr val="tx1"/>
+            </a:solidFill>
+            <a:extLst>
+              <a:ext uri="{C807C97D-BFC1-408E-A445-0C87EB9F89A2}">
+                <ask:lineSketchStyleProps xmlns:ask="http://schemas.microsoft.com/office/drawing/2018/sketchyshapes" sd="3616333144">
+                  <a:prstGeom prst="rect">
+                    <a:avLst/>
+                  </a:prstGeom>
+                  <ask:type>
+                    <ask:lineSketchFreehand/>
+                  </ask:type>
+                </ask:lineSketchStyleProps>
+              </a:ext>
+            </a:extLst>
+          </a:ln>
+        </p:spPr>
+        <p:txBody>
+          <a:bodyPr wrap="square">
+            <a:spAutoFit/>
+          </a:bodyPr>
+          <a:lstStyle/>
+          <a:p>
+            <a:r>
+              <a:rPr lang="en-US" sz="800" dirty="0">
+                <a:latin typeface="Consolas" panose="020B0609020204030204" pitchFamily="49" charset="0"/>
+                <a:cs typeface="Consolas" panose="020B0609020204030204" pitchFamily="49" charset="0"/>
+              </a:rPr>
+              <a:t>points : 75</a:t>
+            </a:r>
+          </a:p>
+        </p:txBody>
+      </p:sp>
+      <p:sp>
+        <p:nvSpPr>
+          <p:cNvPr id="83" name="Rectangle 82">
+            <a:extLst>
+              <a:ext uri="{FF2B5EF4-FFF2-40B4-BE49-F238E27FC236}">
+                <a16:creationId xmlns:a16="http://schemas.microsoft.com/office/drawing/2014/main" id="{737646CD-8598-BF4A-9535-B4948701C984}"/>
+              </a:ext>
+            </a:extLst>
+          </p:cNvPr>
+          <p:cNvSpPr/>
+          <p:nvPr/>
+        </p:nvSpPr>
+        <p:spPr>
+          <a:xfrm>
+            <a:off x="217746" y="8450380"/>
+            <a:ext cx="2670619" cy="215444"/>
+          </a:xfrm>
+          <a:custGeom>
+            <a:avLst/>
+            <a:gdLst>
+              <a:gd name="connsiteX0" fmla="*/ 0 w 2670619"/>
+              <a:gd name="connsiteY0" fmla="*/ 0 h 215444"/>
+              <a:gd name="connsiteX1" fmla="*/ 694361 w 2670619"/>
+              <a:gd name="connsiteY1" fmla="*/ 0 h 215444"/>
+              <a:gd name="connsiteX2" fmla="*/ 1308603 w 2670619"/>
+              <a:gd name="connsiteY2" fmla="*/ 0 h 215444"/>
+              <a:gd name="connsiteX3" fmla="*/ 2029670 w 2670619"/>
+              <a:gd name="connsiteY3" fmla="*/ 0 h 215444"/>
+              <a:gd name="connsiteX4" fmla="*/ 2670619 w 2670619"/>
+              <a:gd name="connsiteY4" fmla="*/ 0 h 215444"/>
+              <a:gd name="connsiteX5" fmla="*/ 2670619 w 2670619"/>
+              <a:gd name="connsiteY5" fmla="*/ 215444 h 215444"/>
+              <a:gd name="connsiteX6" fmla="*/ 1976258 w 2670619"/>
+              <a:gd name="connsiteY6" fmla="*/ 215444 h 215444"/>
+              <a:gd name="connsiteX7" fmla="*/ 1308603 w 2670619"/>
+              <a:gd name="connsiteY7" fmla="*/ 215444 h 215444"/>
+              <a:gd name="connsiteX8" fmla="*/ 694361 w 2670619"/>
+              <a:gd name="connsiteY8" fmla="*/ 215444 h 215444"/>
+              <a:gd name="connsiteX9" fmla="*/ 0 w 2670619"/>
+              <a:gd name="connsiteY9" fmla="*/ 215444 h 215444"/>
+              <a:gd name="connsiteX10" fmla="*/ 0 w 2670619"/>
+              <a:gd name="connsiteY10" fmla="*/ 0 h 215444"/>
+            </a:gdLst>
+            <a:ahLst/>
+            <a:cxnLst>
+              <a:cxn ang="0">
+                <a:pos x="connsiteX0" y="connsiteY0"/>
+              </a:cxn>
+              <a:cxn ang="0">
+                <a:pos x="connsiteX1" y="connsiteY1"/>
+              </a:cxn>
+              <a:cxn ang="0">
+                <a:pos x="connsiteX2" y="connsiteY2"/>
+              </a:cxn>
+              <a:cxn ang="0">
+                <a:pos x="connsiteX3" y="connsiteY3"/>
+              </a:cxn>
+              <a:cxn ang="0">
+                <a:pos x="connsiteX4" y="connsiteY4"/>
+              </a:cxn>
+              <a:cxn ang="0">
+                <a:pos x="connsiteX5" y="connsiteY5"/>
+              </a:cxn>
+              <a:cxn ang="0">
+                <a:pos x="connsiteX6" y="connsiteY6"/>
+              </a:cxn>
+              <a:cxn ang="0">
+                <a:pos x="connsiteX7" y="connsiteY7"/>
+              </a:cxn>
+              <a:cxn ang="0">
+                <a:pos x="connsiteX8" y="connsiteY8"/>
+              </a:cxn>
+              <a:cxn ang="0">
+                <a:pos x="connsiteX9" y="connsiteY9"/>
+              </a:cxn>
+              <a:cxn ang="0">
+                <a:pos x="connsiteX10" y="connsiteY10"/>
+              </a:cxn>
+            </a:cxnLst>
+            <a:rect l="l" t="t" r="r" b="b"/>
+            <a:pathLst>
+              <a:path w="2670619" h="215444" fill="none" extrusionOk="0">
+                <a:moveTo>
+                  <a:pt x="0" y="0"/>
+                </a:moveTo>
+                <a:cubicBezTo>
+                  <a:pt x="337200" y="21056"/>
+                  <a:pt x="492277" y="1582"/>
+                  <a:pt x="694361" y="0"/>
+                </a:cubicBezTo>
+                <a:cubicBezTo>
+                  <a:pt x="896445" y="-1582"/>
+                  <a:pt x="1101506" y="28667"/>
+                  <a:pt x="1308603" y="0"/>
+                </a:cubicBezTo>
+                <a:cubicBezTo>
+                  <a:pt x="1515700" y="-28667"/>
+                  <a:pt x="1687248" y="-10238"/>
+                  <a:pt x="2029670" y="0"/>
+                </a:cubicBezTo>
+                <a:cubicBezTo>
+                  <a:pt x="2372092" y="10238"/>
+                  <a:pt x="2519835" y="-4290"/>
+                  <a:pt x="2670619" y="0"/>
+                </a:cubicBezTo>
+                <a:cubicBezTo>
+                  <a:pt x="2674413" y="90650"/>
+                  <a:pt x="2677164" y="143559"/>
+                  <a:pt x="2670619" y="215444"/>
+                </a:cubicBezTo>
+                <a:cubicBezTo>
+                  <a:pt x="2460297" y="227288"/>
+                  <a:pt x="2263889" y="238681"/>
+                  <a:pt x="1976258" y="215444"/>
+                </a:cubicBezTo>
+                <a:cubicBezTo>
+                  <a:pt x="1688627" y="192207"/>
+                  <a:pt x="1557705" y="234625"/>
+                  <a:pt x="1308603" y="215444"/>
+                </a:cubicBezTo>
+                <a:cubicBezTo>
+                  <a:pt x="1059502" y="196263"/>
+                  <a:pt x="870073" y="244129"/>
+                  <a:pt x="694361" y="215444"/>
+                </a:cubicBezTo>
+                <a:cubicBezTo>
+                  <a:pt x="518649" y="186759"/>
+                  <a:pt x="303693" y="239406"/>
+                  <a:pt x="0" y="215444"/>
+                </a:cubicBezTo>
+                <a:cubicBezTo>
+                  <a:pt x="-2026" y="148107"/>
+                  <a:pt x="4085" y="65240"/>
+                  <a:pt x="0" y="0"/>
+                </a:cubicBezTo>
+                <a:close/>
+              </a:path>
+              <a:path w="2670619" h="215444" stroke="0" extrusionOk="0">
+                <a:moveTo>
+                  <a:pt x="0" y="0"/>
+                </a:moveTo>
+                <a:cubicBezTo>
+                  <a:pt x="216624" y="-8773"/>
+                  <a:pt x="375476" y="-2582"/>
+                  <a:pt x="667655" y="0"/>
+                </a:cubicBezTo>
+                <a:cubicBezTo>
+                  <a:pt x="959835" y="2582"/>
+                  <a:pt x="1067330" y="-26057"/>
+                  <a:pt x="1362016" y="0"/>
+                </a:cubicBezTo>
+                <a:cubicBezTo>
+                  <a:pt x="1656702" y="26057"/>
+                  <a:pt x="1784849" y="-16824"/>
+                  <a:pt x="2002964" y="0"/>
+                </a:cubicBezTo>
+                <a:cubicBezTo>
+                  <a:pt x="2221079" y="16824"/>
+                  <a:pt x="2472695" y="-12937"/>
+                  <a:pt x="2670619" y="0"/>
+                </a:cubicBezTo>
+                <a:cubicBezTo>
+                  <a:pt x="2664770" y="82686"/>
+                  <a:pt x="2672020" y="141549"/>
+                  <a:pt x="2670619" y="215444"/>
+                </a:cubicBezTo>
+                <a:cubicBezTo>
+                  <a:pt x="2530256" y="195189"/>
+                  <a:pt x="2305178" y="186639"/>
+                  <a:pt x="2083083" y="215444"/>
+                </a:cubicBezTo>
+                <a:cubicBezTo>
+                  <a:pt x="1860988" y="244249"/>
+                  <a:pt x="1544861" y="235999"/>
+                  <a:pt x="1388722" y="215444"/>
+                </a:cubicBezTo>
+                <a:cubicBezTo>
+                  <a:pt x="1232583" y="194889"/>
+                  <a:pt x="1016466" y="205651"/>
+                  <a:pt x="774480" y="215444"/>
+                </a:cubicBezTo>
+                <a:cubicBezTo>
+                  <a:pt x="532494" y="225237"/>
+                  <a:pt x="343146" y="244306"/>
+                  <a:pt x="0" y="215444"/>
+                </a:cubicBezTo>
+                <a:cubicBezTo>
+                  <a:pt x="-10620" y="161938"/>
+                  <a:pt x="879" y="102834"/>
+                  <a:pt x="0" y="0"/>
+                </a:cubicBezTo>
+                <a:close/>
+              </a:path>
+            </a:pathLst>
+          </a:custGeom>
+          <a:ln>
+            <a:solidFill>
+              <a:schemeClr val="tx1"/>
+            </a:solidFill>
+            <a:extLst>
+              <a:ext uri="{C807C97D-BFC1-408E-A445-0C87EB9F89A2}">
+                <ask:lineSketchStyleProps xmlns:ask="http://schemas.microsoft.com/office/drawing/2018/sketchyshapes" sd="2220305791">
+                  <a:prstGeom prst="rect">
+                    <a:avLst/>
+                  </a:prstGeom>
+                  <ask:type>
+                    <ask:lineSketchFreehand/>
+                  </ask:type>
+                </ask:lineSketchStyleProps>
+              </a:ext>
+            </a:extLst>
+          </a:ln>
+        </p:spPr>
+        <p:txBody>
+          <a:bodyPr wrap="square">
+            <a:spAutoFit/>
+          </a:bodyPr>
+          <a:lstStyle/>
+          <a:p>
+            <a:r>
+              <a:rPr lang="en-US" sz="800" dirty="0">
+                <a:latin typeface="Consolas" panose="020B0609020204030204" pitchFamily="49" charset="0"/>
+                <a:cs typeface="Consolas" panose="020B0609020204030204" pitchFamily="49" charset="0"/>
+              </a:rPr>
+              <a:t>return "C"</a:t>
+            </a:r>
+          </a:p>
+        </p:txBody>
+      </p:sp>
+      <p:sp>
+        <p:nvSpPr>
+          <p:cNvPr id="84" name="Rectangle 83">
+            <a:extLst>
+              <a:ext uri="{FF2B5EF4-FFF2-40B4-BE49-F238E27FC236}">
+                <a16:creationId xmlns:a16="http://schemas.microsoft.com/office/drawing/2014/main" id="{BF90F096-FDE2-7943-A573-4C8E9A8CF341}"/>
+              </a:ext>
+            </a:extLst>
+          </p:cNvPr>
+          <p:cNvSpPr/>
+          <p:nvPr/>
+        </p:nvSpPr>
+        <p:spPr>
+          <a:xfrm>
+            <a:off x="2014412" y="8450380"/>
+            <a:ext cx="873953" cy="215444"/>
+          </a:xfrm>
+          <a:custGeom>
+            <a:avLst/>
+            <a:gdLst>
+              <a:gd name="connsiteX0" fmla="*/ 0 w 873953"/>
+              <a:gd name="connsiteY0" fmla="*/ 0 h 215444"/>
+              <a:gd name="connsiteX1" fmla="*/ 410758 w 873953"/>
+              <a:gd name="connsiteY1" fmla="*/ 0 h 215444"/>
+              <a:gd name="connsiteX2" fmla="*/ 873953 w 873953"/>
+              <a:gd name="connsiteY2" fmla="*/ 0 h 215444"/>
+              <a:gd name="connsiteX3" fmla="*/ 873953 w 873953"/>
+              <a:gd name="connsiteY3" fmla="*/ 215444 h 215444"/>
+              <a:gd name="connsiteX4" fmla="*/ 436977 w 873953"/>
+              <a:gd name="connsiteY4" fmla="*/ 215444 h 215444"/>
+              <a:gd name="connsiteX5" fmla="*/ 0 w 873953"/>
+              <a:gd name="connsiteY5" fmla="*/ 215444 h 215444"/>
+              <a:gd name="connsiteX6" fmla="*/ 0 w 873953"/>
+              <a:gd name="connsiteY6" fmla="*/ 0 h 215444"/>
+            </a:gdLst>
+            <a:ahLst/>
+            <a:cxnLst>
+              <a:cxn ang="0">
+                <a:pos x="connsiteX0" y="connsiteY0"/>
+              </a:cxn>
+              <a:cxn ang="0">
+                <a:pos x="connsiteX1" y="connsiteY1"/>
+              </a:cxn>
+              <a:cxn ang="0">
+                <a:pos x="connsiteX2" y="connsiteY2"/>
+              </a:cxn>
+              <a:cxn ang="0">
+                <a:pos x="connsiteX3" y="connsiteY3"/>
+              </a:cxn>
+              <a:cxn ang="0">
+                <a:pos x="connsiteX4" y="connsiteY4"/>
+              </a:cxn>
+              <a:cxn ang="0">
+                <a:pos x="connsiteX5" y="connsiteY5"/>
+              </a:cxn>
+              <a:cxn ang="0">
+                <a:pos x="connsiteX6" y="connsiteY6"/>
+              </a:cxn>
+            </a:cxnLst>
+            <a:rect l="l" t="t" r="r" b="b"/>
+            <a:pathLst>
+              <a:path w="873953" h="215444" fill="none" extrusionOk="0">
+                <a:moveTo>
+                  <a:pt x="0" y="0"/>
+                </a:moveTo>
+                <a:cubicBezTo>
+                  <a:pt x="82285" y="-16926"/>
+                  <a:pt x="245639" y="17556"/>
+                  <a:pt x="410758" y="0"/>
+                </a:cubicBezTo>
+                <a:cubicBezTo>
+                  <a:pt x="575877" y="-17556"/>
+                  <a:pt x="696277" y="-17634"/>
+                  <a:pt x="873953" y="0"/>
+                </a:cubicBezTo>
+                <a:cubicBezTo>
+                  <a:pt x="882193" y="78470"/>
+                  <a:pt x="882706" y="171636"/>
+                  <a:pt x="873953" y="215444"/>
+                </a:cubicBezTo>
+                <a:cubicBezTo>
+                  <a:pt x="662453" y="228214"/>
+                  <a:pt x="591625" y="236511"/>
+                  <a:pt x="436977" y="215444"/>
+                </a:cubicBezTo>
+                <a:cubicBezTo>
+                  <a:pt x="282329" y="194377"/>
+                  <a:pt x="87501" y="227721"/>
+                  <a:pt x="0" y="215444"/>
+                </a:cubicBezTo>
+                <a:cubicBezTo>
+                  <a:pt x="5684" y="156984"/>
+                  <a:pt x="10332" y="89636"/>
+                  <a:pt x="0" y="0"/>
+                </a:cubicBezTo>
+                <a:close/>
+              </a:path>
+              <a:path w="873953" h="215444" stroke="0" extrusionOk="0">
+                <a:moveTo>
+                  <a:pt x="0" y="0"/>
+                </a:moveTo>
+                <a:cubicBezTo>
+                  <a:pt x="142538" y="-1377"/>
+                  <a:pt x="243455" y="3289"/>
+                  <a:pt x="410758" y="0"/>
+                </a:cubicBezTo>
+                <a:cubicBezTo>
+                  <a:pt x="578061" y="-3289"/>
+                  <a:pt x="768121" y="18640"/>
+                  <a:pt x="873953" y="0"/>
+                </a:cubicBezTo>
+                <a:cubicBezTo>
+                  <a:pt x="876137" y="71941"/>
+                  <a:pt x="868924" y="118283"/>
+                  <a:pt x="873953" y="215444"/>
+                </a:cubicBezTo>
+                <a:cubicBezTo>
+                  <a:pt x="688545" y="210083"/>
+                  <a:pt x="550188" y="198262"/>
+                  <a:pt x="454456" y="215444"/>
+                </a:cubicBezTo>
+                <a:cubicBezTo>
+                  <a:pt x="358724" y="232626"/>
+                  <a:pt x="204925" y="237084"/>
+                  <a:pt x="0" y="215444"/>
+                </a:cubicBezTo>
+                <a:cubicBezTo>
+                  <a:pt x="-750" y="161557"/>
+                  <a:pt x="5727" y="72294"/>
+                  <a:pt x="0" y="0"/>
+                </a:cubicBezTo>
+                <a:close/>
+              </a:path>
+            </a:pathLst>
+          </a:custGeom>
+          <a:ln>
+            <a:solidFill>
+              <a:schemeClr val="tx1"/>
+            </a:solidFill>
+            <a:extLst>
+              <a:ext uri="{C807C97D-BFC1-408E-A445-0C87EB9F89A2}">
+                <ask:lineSketchStyleProps xmlns:ask="http://schemas.microsoft.com/office/drawing/2018/sketchyshapes" sd="1678133187">
+                  <a:prstGeom prst="rect">
+                    <a:avLst/>
+                  </a:prstGeom>
+                  <ask:type>
+                    <ask:lineSketchFreehand/>
+                  </ask:type>
+                </ask:lineSketchStyleProps>
+              </a:ext>
+            </a:extLst>
+          </a:ln>
+        </p:spPr>
+        <p:txBody>
+          <a:bodyPr wrap="square">
+            <a:spAutoFit/>
+          </a:bodyPr>
+          <a:lstStyle/>
+          <a:p>
+            <a:r>
+              <a:rPr lang="en-US" sz="800" dirty="0">
+                <a:latin typeface="Consolas" panose="020B0609020204030204" pitchFamily="49" charset="0"/>
+                <a:cs typeface="Consolas" panose="020B0609020204030204" pitchFamily="49" charset="0"/>
+              </a:rPr>
+              <a:t>points : 75</a:t>
+            </a:r>
+          </a:p>
+        </p:txBody>
+      </p:sp>
+      <p:sp>
+        <p:nvSpPr>
+          <p:cNvPr id="85" name="Rectangle 84">
+            <a:extLst>
+              <a:ext uri="{FF2B5EF4-FFF2-40B4-BE49-F238E27FC236}">
+                <a16:creationId xmlns:a16="http://schemas.microsoft.com/office/drawing/2014/main" id="{574BEFF6-07B7-0D4F-920A-8A8AAFA86EA8}"/>
+              </a:ext>
+            </a:extLst>
+          </p:cNvPr>
+          <p:cNvSpPr/>
+          <p:nvPr/>
+        </p:nvSpPr>
+        <p:spPr>
+          <a:xfrm>
+            <a:off x="217746" y="8799626"/>
+            <a:ext cx="1145391" cy="215444"/>
+          </a:xfrm>
+          <a:custGeom>
+            <a:avLst/>
+            <a:gdLst>
+              <a:gd name="connsiteX0" fmla="*/ 0 w 1145391"/>
+              <a:gd name="connsiteY0" fmla="*/ 0 h 215444"/>
+              <a:gd name="connsiteX1" fmla="*/ 584149 w 1145391"/>
+              <a:gd name="connsiteY1" fmla="*/ 0 h 215444"/>
+              <a:gd name="connsiteX2" fmla="*/ 1145391 w 1145391"/>
+              <a:gd name="connsiteY2" fmla="*/ 0 h 215444"/>
+              <a:gd name="connsiteX3" fmla="*/ 1145391 w 1145391"/>
+              <a:gd name="connsiteY3" fmla="*/ 215444 h 215444"/>
+              <a:gd name="connsiteX4" fmla="*/ 595603 w 1145391"/>
+              <a:gd name="connsiteY4" fmla="*/ 215444 h 215444"/>
+              <a:gd name="connsiteX5" fmla="*/ 0 w 1145391"/>
+              <a:gd name="connsiteY5" fmla="*/ 215444 h 215444"/>
+              <a:gd name="connsiteX6" fmla="*/ 0 w 1145391"/>
+              <a:gd name="connsiteY6" fmla="*/ 0 h 215444"/>
+            </a:gdLst>
+            <a:ahLst/>
+            <a:cxnLst>
+              <a:cxn ang="0">
+                <a:pos x="connsiteX0" y="connsiteY0"/>
+              </a:cxn>
+              <a:cxn ang="0">
+                <a:pos x="connsiteX1" y="connsiteY1"/>
+              </a:cxn>
+              <a:cxn ang="0">
+                <a:pos x="connsiteX2" y="connsiteY2"/>
+              </a:cxn>
+              <a:cxn ang="0">
+                <a:pos x="connsiteX3" y="connsiteY3"/>
+              </a:cxn>
+              <a:cxn ang="0">
+                <a:pos x="connsiteX4" y="connsiteY4"/>
+              </a:cxn>
+              <a:cxn ang="0">
+                <a:pos x="connsiteX5" y="connsiteY5"/>
+              </a:cxn>
+              <a:cxn ang="0">
+                <a:pos x="connsiteX6" y="connsiteY6"/>
+              </a:cxn>
+            </a:cxnLst>
+            <a:rect l="l" t="t" r="r" b="b"/>
+            <a:pathLst>
+              <a:path w="1145391" h="215444" fill="none" extrusionOk="0">
+                <a:moveTo>
+                  <a:pt x="0" y="0"/>
+                </a:moveTo>
+                <a:cubicBezTo>
+                  <a:pt x="237127" y="18477"/>
+                  <a:pt x="333283" y="-6747"/>
+                  <a:pt x="584149" y="0"/>
+                </a:cubicBezTo>
+                <a:cubicBezTo>
+                  <a:pt x="835015" y="6747"/>
+                  <a:pt x="986159" y="-6987"/>
+                  <a:pt x="1145391" y="0"/>
+                </a:cubicBezTo>
+                <a:cubicBezTo>
+                  <a:pt x="1148039" y="94984"/>
+                  <a:pt x="1153266" y="153803"/>
+                  <a:pt x="1145391" y="215444"/>
+                </a:cubicBezTo>
+                <a:cubicBezTo>
+                  <a:pt x="879720" y="237599"/>
+                  <a:pt x="812490" y="209061"/>
+                  <a:pt x="595603" y="215444"/>
+                </a:cubicBezTo>
+                <a:cubicBezTo>
+                  <a:pt x="378716" y="221827"/>
+                  <a:pt x="158812" y="223904"/>
+                  <a:pt x="0" y="215444"/>
+                </a:cubicBezTo>
+                <a:cubicBezTo>
+                  <a:pt x="1692" y="153860"/>
+                  <a:pt x="-7732" y="89394"/>
+                  <a:pt x="0" y="0"/>
+                </a:cubicBezTo>
+                <a:close/>
+              </a:path>
+              <a:path w="1145391" h="215444" stroke="0" extrusionOk="0">
+                <a:moveTo>
+                  <a:pt x="0" y="0"/>
+                </a:moveTo>
+                <a:cubicBezTo>
+                  <a:pt x="215075" y="6384"/>
+                  <a:pt x="410810" y="-4706"/>
+                  <a:pt x="538334" y="0"/>
+                </a:cubicBezTo>
+                <a:cubicBezTo>
+                  <a:pt x="665858" y="4706"/>
+                  <a:pt x="987577" y="-7389"/>
+                  <a:pt x="1145391" y="0"/>
+                </a:cubicBezTo>
+                <a:cubicBezTo>
+                  <a:pt x="1150073" y="69385"/>
+                  <a:pt x="1148548" y="131293"/>
+                  <a:pt x="1145391" y="215444"/>
+                </a:cubicBezTo>
+                <a:cubicBezTo>
+                  <a:pt x="1006406" y="232380"/>
+                  <a:pt x="793682" y="229821"/>
+                  <a:pt x="572696" y="215444"/>
+                </a:cubicBezTo>
+                <a:cubicBezTo>
+                  <a:pt x="351710" y="201067"/>
+                  <a:pt x="137364" y="227377"/>
+                  <a:pt x="0" y="215444"/>
+                </a:cubicBezTo>
+                <a:cubicBezTo>
+                  <a:pt x="-2229" y="132884"/>
+                  <a:pt x="-9846" y="104159"/>
+                  <a:pt x="0" y="0"/>
+                </a:cubicBezTo>
+                <a:close/>
+              </a:path>
+            </a:pathLst>
+          </a:custGeom>
+          <a:ln>
+            <a:solidFill>
+              <a:schemeClr val="tx1"/>
+            </a:solidFill>
+            <a:extLst>
+              <a:ext uri="{C807C97D-BFC1-408E-A445-0C87EB9F89A2}">
+                <ask:lineSketchStyleProps xmlns:ask="http://schemas.microsoft.com/office/drawing/2018/sketchyshapes" sd="4221267431">
+                  <a:prstGeom prst="rect">
+                    <a:avLst/>
+                  </a:prstGeom>
+                  <ask:type>
+                    <ask:lineSketchFreehand/>
+                  </ask:type>
+                </ask:lineSketchStyleProps>
+              </a:ext>
+            </a:extLst>
+          </a:ln>
+        </p:spPr>
+        <p:txBody>
+          <a:bodyPr wrap="square">
+            <a:spAutoFit/>
+          </a:bodyPr>
+          <a:lstStyle/>
+          <a:p>
+            <a:r>
+              <a:rPr lang="en-US" sz="800" dirty="0">
+                <a:latin typeface="Consolas" panose="020B0609020204030204" pitchFamily="49" charset="0"/>
+                <a:cs typeface="Consolas" panose="020B0609020204030204" pitchFamily="49" charset="0"/>
+              </a:rPr>
+              <a:t>"C"</a:t>
+            </a:r>
+          </a:p>
+        </p:txBody>
+      </p:sp>
+      <p:sp>
+        <p:nvSpPr>
+          <p:cNvPr id="86" name="Rectangle 85">
+            <a:extLst>
+              <a:ext uri="{FF2B5EF4-FFF2-40B4-BE49-F238E27FC236}">
+                <a16:creationId xmlns:a16="http://schemas.microsoft.com/office/drawing/2014/main" id="{34B91396-4FC4-F344-95BB-DAF75C9DACF2}"/>
+              </a:ext>
+            </a:extLst>
+          </p:cNvPr>
+          <p:cNvSpPr/>
+          <p:nvPr/>
+        </p:nvSpPr>
+        <p:spPr>
+          <a:xfrm>
+            <a:off x="217746" y="5137962"/>
+            <a:ext cx="971741" cy="246221"/>
+          </a:xfrm>
+          <a:prstGeom prst="rect">
+            <a:avLst/>
+          </a:prstGeom>
+        </p:spPr>
+        <p:txBody>
+          <a:bodyPr wrap="none">
+            <a:spAutoFit/>
+          </a:bodyPr>
+          <a:lstStyle/>
+          <a:p>
+            <a:r>
+              <a:rPr lang="en-US" sz="1000" b="1" dirty="0">
+                <a:latin typeface="Calibri" panose="020F0502020204030204" pitchFamily="34" charset="0"/>
+                <a:cs typeface="Calibri" panose="020F0502020204030204" pitchFamily="34" charset="0"/>
+              </a:rPr>
+              <a:t>Example trace:</a:t>
+            </a:r>
+            <a:endParaRPr lang="en-US" sz="1000" dirty="0">
+              <a:latin typeface="Calibri" panose="020F0502020204030204" pitchFamily="34" charset="0"/>
+              <a:cs typeface="Calibri" panose="020F0502020204030204" pitchFamily="34" charset="0"/>
             </a:endParaRPr>
           </a:p>
         </p:txBody>

--- a/lectures/CSE8AW20-01-14-Lec3-Booleans-If/CSE8AW20-01-09-Lec3-Booleans-If-handout.pptx
+++ b/lectures/CSE8AW20-01-14-Lec3-Booleans-If/CSE8AW20-01-09-Lec3-Booleans-If-handout.pptx
@@ -5309,7 +5309,7 @@
                 <a:latin typeface="Calibri" panose="020F0502020204030204" pitchFamily="34" charset="0"/>
                 <a:cs typeface="Calibri" panose="020F0502020204030204" pitchFamily="34" charset="0"/>
               </a:rPr>
-              <a:t>If False, go on to the next step</a:t>
+              <a:t>If False, go on to the next step, ignore body1</a:t>
             </a:r>
           </a:p>
           <a:p>
@@ -5348,7 +5348,7 @@
                 <a:latin typeface="Calibri" panose="020F0502020204030204" pitchFamily="34" charset="0"/>
                 <a:cs typeface="Calibri" panose="020F0502020204030204" pitchFamily="34" charset="0"/>
               </a:rPr>
-              <a:t>If False, go onto the next step</a:t>
+              <a:t>If False, go onto the next step, ignore body2</a:t>
             </a:r>
           </a:p>
           <a:p>
@@ -5387,7 +5387,7 @@
                 <a:latin typeface="Calibri" panose="020F0502020204030204" pitchFamily="34" charset="0"/>
                 <a:cs typeface="Calibri" panose="020F0502020204030204" pitchFamily="34" charset="0"/>
               </a:rPr>
-              <a:t>If False, go onto the next step</a:t>
+              <a:t>If False, go onto the next step, ignore body3</a:t>
             </a:r>
           </a:p>
           <a:p>
@@ -8235,54 +8235,28 @@
           </a:bodyPr>
           <a:lstStyle/>
           <a:p>
-            <a:r>
-              <a:rPr lang="en-US" sz="800" dirty="0">
-                <a:latin typeface="Consolas" panose="020B0609020204030204" pitchFamily="49" charset="0"/>
-                <a:cs typeface="Consolas" panose="020B0609020204030204" pitchFamily="49" charset="0"/>
-              </a:rPr>
-              <a:t>if False: return "A"</a:t>
-            </a:r>
-          </a:p>
-          <a:p>
-            <a:r>
-              <a:rPr lang="en-US" sz="800" b="1" dirty="0" err="1">
-                <a:latin typeface="Consolas" panose="020B0609020204030204" pitchFamily="49" charset="0"/>
-                <a:cs typeface="Consolas" panose="020B0609020204030204" pitchFamily="49" charset="0"/>
-              </a:rPr>
-              <a:t>elif</a:t>
-            </a:r>
-            <a:r>
-              <a:rPr lang="en-US" sz="800" b="1" dirty="0">
-                <a:latin typeface="Consolas" panose="020B0609020204030204" pitchFamily="49" charset="0"/>
-                <a:cs typeface="Consolas" panose="020B0609020204030204" pitchFamily="49" charset="0"/>
-              </a:rPr>
-              <a:t> False: return "B"</a:t>
-            </a:r>
-          </a:p>
-          <a:p>
-            <a:r>
-              <a:rPr lang="en-US" sz="800" dirty="0" err="1">
-                <a:latin typeface="Consolas" panose="020B0609020204030204" pitchFamily="49" charset="0"/>
-                <a:cs typeface="Consolas" panose="020B0609020204030204" pitchFamily="49" charset="0"/>
-              </a:rPr>
-              <a:t>elif</a:t>
-            </a:r>
-            <a:r>
-              <a:rPr lang="en-US" sz="800" dirty="0">
-                <a:latin typeface="Consolas" panose="020B0609020204030204" pitchFamily="49" charset="0"/>
-                <a:cs typeface="Consolas" panose="020B0609020204030204" pitchFamily="49" charset="0"/>
-              </a:rPr>
-              <a:t> points &gt;= 70: return "C"</a:t>
-            </a:r>
-          </a:p>
-          <a:p>
-            <a:r>
-              <a:rPr lang="en-US" sz="800" dirty="0">
-                <a:latin typeface="Consolas" panose="020B0609020204030204" pitchFamily="49" charset="0"/>
-                <a:cs typeface="Consolas" panose="020B0609020204030204" pitchFamily="49" charset="0"/>
-              </a:rPr>
-              <a:t>else: return "F" </a:t>
-            </a:r>
+            <a:endParaRPr lang="en-US" sz="800" dirty="0">
+              <a:latin typeface="Consolas" panose="020B0609020204030204" pitchFamily="49" charset="0"/>
+              <a:cs typeface="Consolas" panose="020B0609020204030204" pitchFamily="49" charset="0"/>
+            </a:endParaRPr>
+          </a:p>
+          <a:p>
+            <a:endParaRPr lang="en-US" sz="800" dirty="0">
+              <a:latin typeface="Consolas" panose="020B0609020204030204" pitchFamily="49" charset="0"/>
+              <a:cs typeface="Consolas" panose="020B0609020204030204" pitchFamily="49" charset="0"/>
+            </a:endParaRPr>
+          </a:p>
+          <a:p>
+            <a:endParaRPr lang="en-US" sz="800" dirty="0">
+              <a:latin typeface="Consolas" panose="020B0609020204030204" pitchFamily="49" charset="0"/>
+              <a:cs typeface="Consolas" panose="020B0609020204030204" pitchFamily="49" charset="0"/>
+            </a:endParaRPr>
+          </a:p>
+          <a:p>
+            <a:endParaRPr lang="en-US" sz="800" dirty="0">
+              <a:latin typeface="Consolas" panose="020B0609020204030204" pitchFamily="49" charset="0"/>
+              <a:cs typeface="Consolas" panose="020B0609020204030204" pitchFamily="49" charset="0"/>
+            </a:endParaRPr>
           </a:p>
         </p:txBody>
       </p:sp>
@@ -8674,53 +8648,30 @@
           </a:bodyPr>
           <a:lstStyle/>
           <a:p>
-            <a:r>
-              <a:rPr lang="en-US" sz="800" dirty="0">
-                <a:latin typeface="Consolas" panose="020B0609020204030204" pitchFamily="49" charset="0"/>
-                <a:cs typeface="Consolas" panose="020B0609020204030204" pitchFamily="49" charset="0"/>
-              </a:rPr>
-              <a:t>if False: return "A"</a:t>
-            </a:r>
-          </a:p>
-          <a:p>
-            <a:r>
-              <a:rPr lang="en-US" sz="800" dirty="0" err="1">
-                <a:latin typeface="Consolas" panose="020B0609020204030204" pitchFamily="49" charset="0"/>
-                <a:cs typeface="Consolas" panose="020B0609020204030204" pitchFamily="49" charset="0"/>
-              </a:rPr>
-              <a:t>elif</a:t>
-            </a:r>
-            <a:r>
-              <a:rPr lang="en-US" sz="800" dirty="0">
-                <a:latin typeface="Consolas" panose="020B0609020204030204" pitchFamily="49" charset="0"/>
-                <a:cs typeface="Consolas" panose="020B0609020204030204" pitchFamily="49" charset="0"/>
-              </a:rPr>
-              <a:t> False: return "B"</a:t>
-            </a:r>
-          </a:p>
-          <a:p>
-            <a:r>
-              <a:rPr lang="en-US" sz="800" b="1" dirty="0" err="1">
-                <a:latin typeface="Consolas" panose="020B0609020204030204" pitchFamily="49" charset="0"/>
-                <a:cs typeface="Consolas" panose="020B0609020204030204" pitchFamily="49" charset="0"/>
-              </a:rPr>
-              <a:t>elif</a:t>
-            </a:r>
-            <a:r>
-              <a:rPr lang="en-US" sz="800" b="1" dirty="0">
-                <a:latin typeface="Consolas" panose="020B0609020204030204" pitchFamily="49" charset="0"/>
-                <a:cs typeface="Consolas" panose="020B0609020204030204" pitchFamily="49" charset="0"/>
-              </a:rPr>
-              <a:t> True: return "C"</a:t>
-            </a:r>
-          </a:p>
-          <a:p>
-            <a:r>
-              <a:rPr lang="en-US" sz="800" dirty="0">
-                <a:latin typeface="Consolas" panose="020B0609020204030204" pitchFamily="49" charset="0"/>
-                <a:cs typeface="Consolas" panose="020B0609020204030204" pitchFamily="49" charset="0"/>
-              </a:rPr>
-              <a:t>else: return "F" </a:t>
+            <a:endParaRPr lang="en-US" sz="800" dirty="0">
+              <a:latin typeface="Consolas" panose="020B0609020204030204" pitchFamily="49" charset="0"/>
+              <a:cs typeface="Consolas" panose="020B0609020204030204" pitchFamily="49" charset="0"/>
+            </a:endParaRPr>
+          </a:p>
+          <a:p>
+            <a:endParaRPr lang="en-US" sz="800" dirty="0">
+              <a:latin typeface="Consolas" panose="020B0609020204030204" pitchFamily="49" charset="0"/>
+              <a:cs typeface="Consolas" panose="020B0609020204030204" pitchFamily="49" charset="0"/>
+            </a:endParaRPr>
+          </a:p>
+          <a:p>
+            <a:endParaRPr lang="en-US" sz="800" dirty="0">
+              <a:latin typeface="Consolas" panose="020B0609020204030204" pitchFamily="49" charset="0"/>
+              <a:cs typeface="Consolas" panose="020B0609020204030204" pitchFamily="49" charset="0"/>
+            </a:endParaRPr>
+          </a:p>
+          <a:p>
+            <a:r>
+              <a:rPr lang="en-US" sz="800" dirty="0">
+                <a:latin typeface="Consolas" panose="020B0609020204030204" pitchFamily="49" charset="0"/>
+                <a:cs typeface="Consolas" panose="020B0609020204030204" pitchFamily="49" charset="0"/>
+              </a:rPr>
+              <a:t> </a:t>
             </a:r>
           </a:p>
         </p:txBody>

--- a/lectures/CSE8AW20-01-14-Lec3-Booleans-If/CSE8AW20-01-09-Lec3-Booleans-If-handout.pptx
+++ b/lectures/CSE8AW20-01-14-Lec3-Booleans-If/CSE8AW20-01-09-Lec3-Booleans-If-handout.pptx
@@ -4196,6 +4196,203 @@
           </a:p>
         </p:txBody>
       </p:sp>
+      <p:sp>
+        <p:nvSpPr>
+          <p:cNvPr id="44" name="TextBox 43">
+            <a:extLst>
+              <a:ext uri="{FF2B5EF4-FFF2-40B4-BE49-F238E27FC236}">
+                <a16:creationId xmlns:a16="http://schemas.microsoft.com/office/drawing/2014/main" id="{02625889-FF63-9E48-A0D2-D6B76239F84E}"/>
+              </a:ext>
+            </a:extLst>
+          </p:cNvPr>
+          <p:cNvSpPr txBox="1"/>
+          <p:nvPr/>
+        </p:nvSpPr>
+        <p:spPr>
+          <a:xfrm>
+            <a:off x="3450386" y="1511693"/>
+            <a:ext cx="2327898" cy="276999"/>
+          </a:xfrm>
+          <a:prstGeom prst="rect">
+            <a:avLst/>
+          </a:prstGeom>
+          <a:noFill/>
+        </p:spPr>
+        <p:txBody>
+          <a:bodyPr wrap="square" rtlCol="0">
+            <a:spAutoFit/>
+          </a:bodyPr>
+          <a:lstStyle/>
+          <a:p>
+            <a:r>
+              <a:rPr lang="en-US" sz="1200" b="1" dirty="0"/>
+              <a:t>New: Boolean values</a:t>
+            </a:r>
+          </a:p>
+        </p:txBody>
+      </p:sp>
+      <p:sp>
+        <p:nvSpPr>
+          <p:cNvPr id="45" name="Rectangle 44">
+            <a:extLst>
+              <a:ext uri="{FF2B5EF4-FFF2-40B4-BE49-F238E27FC236}">
+                <a16:creationId xmlns:a16="http://schemas.microsoft.com/office/drawing/2014/main" id="{D3A4BF8F-57DC-8A4F-A8F7-E73E69F9275B}"/>
+              </a:ext>
+            </a:extLst>
+          </p:cNvPr>
+          <p:cNvSpPr/>
+          <p:nvPr/>
+        </p:nvSpPr>
+        <p:spPr>
+          <a:xfrm>
+            <a:off x="3481394" y="1759423"/>
+            <a:ext cx="745717" cy="215444"/>
+          </a:xfrm>
+          <a:prstGeom prst="rect">
+            <a:avLst/>
+          </a:prstGeom>
+        </p:spPr>
+        <p:txBody>
+          <a:bodyPr wrap="none">
+            <a:spAutoFit/>
+          </a:bodyPr>
+          <a:lstStyle/>
+          <a:p>
+            <a:r>
+              <a:rPr lang="en-US" sz="800" dirty="0">
+                <a:latin typeface="Consolas" panose="020B0609020204030204" pitchFamily="49" charset="0"/>
+                <a:cs typeface="Consolas" panose="020B0609020204030204" pitchFamily="49" charset="0"/>
+              </a:rPr>
+              <a:t>True False</a:t>
+            </a:r>
+          </a:p>
+        </p:txBody>
+      </p:sp>
+      <p:sp>
+        <p:nvSpPr>
+          <p:cNvPr id="46" name="Rectangle 45">
+            <a:extLst>
+              <a:ext uri="{FF2B5EF4-FFF2-40B4-BE49-F238E27FC236}">
+                <a16:creationId xmlns:a16="http://schemas.microsoft.com/office/drawing/2014/main" id="{0ACBAB2F-2003-8441-B0B2-3E08F38656CF}"/>
+              </a:ext>
+            </a:extLst>
+          </p:cNvPr>
+          <p:cNvSpPr/>
+          <p:nvPr/>
+        </p:nvSpPr>
+        <p:spPr>
+          <a:xfrm>
+            <a:off x="3470243" y="1970110"/>
+            <a:ext cx="3036533" cy="215444"/>
+          </a:xfrm>
+          <a:prstGeom prst="rect">
+            <a:avLst/>
+          </a:prstGeom>
+        </p:spPr>
+        <p:txBody>
+          <a:bodyPr wrap="square">
+            <a:spAutoFit/>
+          </a:bodyPr>
+          <a:lstStyle/>
+          <a:p>
+            <a:r>
+              <a:rPr lang="en-US" sz="800" dirty="0">
+                <a:latin typeface="Calibri" panose="020F0502020204030204" pitchFamily="34" charset="0"/>
+                <a:cs typeface="Calibri" panose="020F0502020204030204" pitchFamily="34" charset="0"/>
+              </a:rPr>
+              <a:t>Values representing answers to yes/no questions.</a:t>
+            </a:r>
+          </a:p>
+        </p:txBody>
+      </p:sp>
+      <p:sp>
+        <p:nvSpPr>
+          <p:cNvPr id="47" name="Rectangle 46">
+            <a:extLst>
+              <a:ext uri="{FF2B5EF4-FFF2-40B4-BE49-F238E27FC236}">
+                <a16:creationId xmlns:a16="http://schemas.microsoft.com/office/drawing/2014/main" id="{8181333F-1994-924B-B317-B1DDF48B03D5}"/>
+              </a:ext>
+            </a:extLst>
+          </p:cNvPr>
+          <p:cNvSpPr/>
+          <p:nvPr/>
+        </p:nvSpPr>
+        <p:spPr>
+          <a:xfrm>
+            <a:off x="3481394" y="4365362"/>
+            <a:ext cx="352982" cy="215444"/>
+          </a:xfrm>
+          <a:prstGeom prst="rect">
+            <a:avLst/>
+          </a:prstGeom>
+        </p:spPr>
+        <p:txBody>
+          <a:bodyPr wrap="none">
+            <a:spAutoFit/>
+          </a:bodyPr>
+          <a:lstStyle/>
+          <a:p>
+            <a:r>
+              <a:rPr lang="en-US" sz="800" dirty="0">
+                <a:latin typeface="Consolas" panose="020B0609020204030204" pitchFamily="49" charset="0"/>
+                <a:cs typeface="Consolas" panose="020B0609020204030204" pitchFamily="49" charset="0"/>
+              </a:rPr>
+              <a:t>not</a:t>
+            </a:r>
+          </a:p>
+        </p:txBody>
+      </p:sp>
+      <p:sp>
+        <p:nvSpPr>
+          <p:cNvPr id="48" name="Rectangle 47">
+            <a:extLst>
+              <a:ext uri="{FF2B5EF4-FFF2-40B4-BE49-F238E27FC236}">
+                <a16:creationId xmlns:a16="http://schemas.microsoft.com/office/drawing/2014/main" id="{78CC5690-2EF3-E945-9205-91177EFC4A27}"/>
+              </a:ext>
+            </a:extLst>
+          </p:cNvPr>
+          <p:cNvSpPr/>
+          <p:nvPr/>
+        </p:nvSpPr>
+        <p:spPr>
+          <a:xfrm>
+            <a:off x="3470243" y="4561685"/>
+            <a:ext cx="3241593" cy="215444"/>
+          </a:xfrm>
+          <a:prstGeom prst="rect">
+            <a:avLst/>
+          </a:prstGeom>
+        </p:spPr>
+        <p:txBody>
+          <a:bodyPr wrap="none">
+            <a:spAutoFit/>
+          </a:bodyPr>
+          <a:lstStyle/>
+          <a:p>
+            <a:r>
+              <a:rPr lang="en-US" sz="800" dirty="0">
+                <a:latin typeface="Calibri" panose="020F0502020204030204" pitchFamily="34" charset="0"/>
+                <a:cs typeface="Calibri" panose="020F0502020204030204" pitchFamily="34" charset="0"/>
+              </a:rPr>
+              <a:t>Takes a </a:t>
+            </a:r>
+            <a:r>
+              <a:rPr lang="en-US" sz="800" dirty="0" err="1">
+                <a:latin typeface="Calibri" panose="020F0502020204030204" pitchFamily="34" charset="0"/>
+                <a:cs typeface="Calibri" panose="020F0502020204030204" pitchFamily="34" charset="0"/>
+              </a:rPr>
+              <a:t>boolean</a:t>
+            </a:r>
+            <a:r>
+              <a:rPr lang="en-US" sz="800" dirty="0">
+                <a:latin typeface="Calibri" panose="020F0502020204030204" pitchFamily="34" charset="0"/>
+                <a:cs typeface="Calibri" panose="020F0502020204030204" pitchFamily="34" charset="0"/>
+              </a:rPr>
+              <a:t> and produces the opposite (True for False, False for True)</a:t>
+            </a:r>
+          </a:p>
+        </p:txBody>
+      </p:sp>
     </p:spTree>
     <p:extLst>
       <p:ext uri="{BB962C8B-B14F-4D97-AF65-F5344CB8AC3E}">
@@ -4241,7 +4438,7 @@
         <p:spPr>
           <a:xfrm>
             <a:off x="200723" y="150294"/>
-            <a:ext cx="3228277" cy="1200329"/>
+            <a:ext cx="3228277" cy="2185214"/>
           </a:xfrm>
           <a:prstGeom prst="rect">
             <a:avLst/>
@@ -4366,6 +4563,54 @@
               </a:rPr>
               <a:t>"C"</a:t>
             </a:r>
+          </a:p>
+          <a:p>
+            <a:endParaRPr lang="en-US" sz="800" dirty="0">
+              <a:latin typeface="Consolas" panose="020B0609020204030204" pitchFamily="49" charset="0"/>
+              <a:cs typeface="Consolas" panose="020B0609020204030204" pitchFamily="49" charset="0"/>
+            </a:endParaRPr>
+          </a:p>
+          <a:p>
+            <a:endParaRPr lang="en-US" sz="800" dirty="0">
+              <a:latin typeface="Consolas" panose="020B0609020204030204" pitchFamily="49" charset="0"/>
+              <a:cs typeface="Consolas" panose="020B0609020204030204" pitchFamily="49" charset="0"/>
+            </a:endParaRPr>
+          </a:p>
+          <a:p>
+            <a:endParaRPr lang="en-US" sz="800" dirty="0">
+              <a:latin typeface="Consolas" panose="020B0609020204030204" pitchFamily="49" charset="0"/>
+              <a:cs typeface="Consolas" panose="020B0609020204030204" pitchFamily="49" charset="0"/>
+            </a:endParaRPr>
+          </a:p>
+          <a:p>
+            <a:endParaRPr lang="en-US" sz="800" dirty="0">
+              <a:latin typeface="Consolas" panose="020B0609020204030204" pitchFamily="49" charset="0"/>
+              <a:cs typeface="Consolas" panose="020B0609020204030204" pitchFamily="49" charset="0"/>
+            </a:endParaRPr>
+          </a:p>
+          <a:p>
+            <a:endParaRPr lang="en-US" sz="800" dirty="0">
+              <a:latin typeface="Consolas" panose="020B0609020204030204" pitchFamily="49" charset="0"/>
+              <a:cs typeface="Consolas" panose="020B0609020204030204" pitchFamily="49" charset="0"/>
+            </a:endParaRPr>
+          </a:p>
+          <a:p>
+            <a:endParaRPr lang="en-US" sz="800" dirty="0">
+              <a:latin typeface="Consolas" panose="020B0609020204030204" pitchFamily="49" charset="0"/>
+              <a:cs typeface="Consolas" panose="020B0609020204030204" pitchFamily="49" charset="0"/>
+            </a:endParaRPr>
+          </a:p>
+          <a:p>
+            <a:endParaRPr lang="en-US" sz="800" dirty="0">
+              <a:latin typeface="Consolas" panose="020B0609020204030204" pitchFamily="49" charset="0"/>
+              <a:cs typeface="Consolas" panose="020B0609020204030204" pitchFamily="49" charset="0"/>
+            </a:endParaRPr>
+          </a:p>
+          <a:p>
+            <a:endParaRPr lang="en-US" sz="800" dirty="0">
+              <a:latin typeface="Consolas" panose="020B0609020204030204" pitchFamily="49" charset="0"/>
+              <a:cs typeface="Consolas" panose="020B0609020204030204" pitchFamily="49" charset="0"/>
+            </a:endParaRPr>
           </a:p>
         </p:txBody>
       </p:sp>

--- a/lectures/CSE8AW20-01-14-Lec3-Booleans-If/CSE8AW20-01-09-Lec3-Booleans-If-handout.pptx
+++ b/lectures/CSE8AW20-01-14-Lec3-Booleans-If/CSE8AW20-01-09-Lec3-Booleans-If-handout.pptx
@@ -244,7 +244,7 @@
           <a:p>
             <a:fld id="{070F244D-4D42-E641-9DC0-EC849D2FA02C}" type="datetimeFigureOut">
               <a:rPr lang="en-US" smtClean="0"/>
-              <a:t>1/8/20</a:t>
+              <a:t>1/14/20</a:t>
             </a:fld>
             <a:endParaRPr lang="en-US"/>
           </a:p>
@@ -414,7 +414,7 @@
           <a:p>
             <a:fld id="{070F244D-4D42-E641-9DC0-EC849D2FA02C}" type="datetimeFigureOut">
               <a:rPr lang="en-US" smtClean="0"/>
-              <a:t>1/8/20</a:t>
+              <a:t>1/14/20</a:t>
             </a:fld>
             <a:endParaRPr lang="en-US"/>
           </a:p>
@@ -594,7 +594,7 @@
           <a:p>
             <a:fld id="{070F244D-4D42-E641-9DC0-EC849D2FA02C}" type="datetimeFigureOut">
               <a:rPr lang="en-US" smtClean="0"/>
-              <a:t>1/8/20</a:t>
+              <a:t>1/14/20</a:t>
             </a:fld>
             <a:endParaRPr lang="en-US"/>
           </a:p>
@@ -764,7 +764,7 @@
           <a:p>
             <a:fld id="{070F244D-4D42-E641-9DC0-EC849D2FA02C}" type="datetimeFigureOut">
               <a:rPr lang="en-US" smtClean="0"/>
-              <a:t>1/8/20</a:t>
+              <a:t>1/14/20</a:t>
             </a:fld>
             <a:endParaRPr lang="en-US"/>
           </a:p>
@@ -1008,7 +1008,7 @@
           <a:p>
             <a:fld id="{070F244D-4D42-E641-9DC0-EC849D2FA02C}" type="datetimeFigureOut">
               <a:rPr lang="en-US" smtClean="0"/>
-              <a:t>1/8/20</a:t>
+              <a:t>1/14/20</a:t>
             </a:fld>
             <a:endParaRPr lang="en-US"/>
           </a:p>
@@ -1240,7 +1240,7 @@
           <a:p>
             <a:fld id="{070F244D-4D42-E641-9DC0-EC849D2FA02C}" type="datetimeFigureOut">
               <a:rPr lang="en-US" smtClean="0"/>
-              <a:t>1/8/20</a:t>
+              <a:t>1/14/20</a:t>
             </a:fld>
             <a:endParaRPr lang="en-US"/>
           </a:p>
@@ -1607,7 +1607,7 @@
           <a:p>
             <a:fld id="{070F244D-4D42-E641-9DC0-EC849D2FA02C}" type="datetimeFigureOut">
               <a:rPr lang="en-US" smtClean="0"/>
-              <a:t>1/8/20</a:t>
+              <a:t>1/14/20</a:t>
             </a:fld>
             <a:endParaRPr lang="en-US"/>
           </a:p>
@@ -1725,7 +1725,7 @@
           <a:p>
             <a:fld id="{070F244D-4D42-E641-9DC0-EC849D2FA02C}" type="datetimeFigureOut">
               <a:rPr lang="en-US" smtClean="0"/>
-              <a:t>1/8/20</a:t>
+              <a:t>1/14/20</a:t>
             </a:fld>
             <a:endParaRPr lang="en-US"/>
           </a:p>
@@ -1820,7 +1820,7 @@
           <a:p>
             <a:fld id="{070F244D-4D42-E641-9DC0-EC849D2FA02C}" type="datetimeFigureOut">
               <a:rPr lang="en-US" smtClean="0"/>
-              <a:t>1/8/20</a:t>
+              <a:t>1/14/20</a:t>
             </a:fld>
             <a:endParaRPr lang="en-US"/>
           </a:p>
@@ -2097,7 +2097,7 @@
           <a:p>
             <a:fld id="{070F244D-4D42-E641-9DC0-EC849D2FA02C}" type="datetimeFigureOut">
               <a:rPr lang="en-US" smtClean="0"/>
-              <a:t>1/8/20</a:t>
+              <a:t>1/14/20</a:t>
             </a:fld>
             <a:endParaRPr lang="en-US"/>
           </a:p>
@@ -2354,7 +2354,7 @@
           <a:p>
             <a:fld id="{070F244D-4D42-E641-9DC0-EC849D2FA02C}" type="datetimeFigureOut">
               <a:rPr lang="en-US" smtClean="0"/>
-              <a:t>1/8/20</a:t>
+              <a:t>1/14/20</a:t>
             </a:fld>
             <a:endParaRPr lang="en-US"/>
           </a:p>
@@ -2567,7 +2567,7 @@
           <a:p>
             <a:fld id="{070F244D-4D42-E641-9DC0-EC849D2FA02C}" type="datetimeFigureOut">
               <a:rPr lang="en-US" smtClean="0"/>
-              <a:t>1/8/20</a:t>
+              <a:t>1/14/20</a:t>
             </a:fld>
             <a:endParaRPr lang="en-US"/>
           </a:p>
@@ -4904,6 +4904,9 @@
           <a:p>
             <a:r>
               <a:rPr lang="en-US" sz="800" dirty="0">
+                <a:highlight>
+                  <a:srgbClr val="00FF00"/>
+                </a:highlight>
                 <a:latin typeface="Consolas" panose="020B0609020204030204" pitchFamily="49" charset="0"/>
                 <a:cs typeface="Consolas" panose="020B0609020204030204" pitchFamily="49" charset="0"/>
               </a:rPr>
@@ -4911,6 +4914,9 @@
             </a:r>
             <a:r>
               <a:rPr lang="en-US" sz="800" dirty="0" err="1">
+                <a:highlight>
+                  <a:srgbClr val="00FF00"/>
+                </a:highlight>
                 <a:latin typeface="Consolas" panose="020B0609020204030204" pitchFamily="49" charset="0"/>
                 <a:cs typeface="Consolas" panose="020B0609020204030204" pitchFamily="49" charset="0"/>
               </a:rPr>
@@ -4918,6 +4924,9 @@
             </a:r>
             <a:r>
               <a:rPr lang="en-US" sz="800" dirty="0">
+                <a:highlight>
+                  <a:srgbClr val="00FF00"/>
+                </a:highlight>
                 <a:latin typeface="Consolas" panose="020B0609020204030204" pitchFamily="49" charset="0"/>
                 <a:cs typeface="Consolas" panose="020B0609020204030204" pitchFamily="49" charset="0"/>
               </a:rPr>
@@ -7603,7 +7612,24 @@
                 <a:latin typeface="Consolas" panose="020B0609020204030204" pitchFamily="49" charset="0"/>
                 <a:cs typeface="Consolas" panose="020B0609020204030204" pitchFamily="49" charset="0"/>
               </a:rPr>
-              <a:t>if points &gt;= 90: return "A"</a:t>
+              <a:t>if </a:t>
+            </a:r>
+            <a:r>
+              <a:rPr lang="en-US" sz="800" b="1" dirty="0">
+                <a:highlight>
+                  <a:srgbClr val="00FF00"/>
+                </a:highlight>
+                <a:latin typeface="Consolas" panose="020B0609020204030204" pitchFamily="49" charset="0"/>
+                <a:cs typeface="Consolas" panose="020B0609020204030204" pitchFamily="49" charset="0"/>
+              </a:rPr>
+              <a:t>points &gt;= 90</a:t>
+            </a:r>
+            <a:r>
+              <a:rPr lang="en-US" sz="800" b="1" dirty="0">
+                <a:latin typeface="Consolas" panose="020B0609020204030204" pitchFamily="49" charset="0"/>
+                <a:cs typeface="Consolas" panose="020B0609020204030204" pitchFamily="49" charset="0"/>
+              </a:rPr>
+              <a:t>: return "A"</a:t>
             </a:r>
           </a:p>
           <a:p>
@@ -8046,6 +8072,9 @@
             </a:r>
             <a:r>
               <a:rPr lang="en-US" sz="800" b="1" dirty="0">
+                <a:highlight>
+                  <a:srgbClr val="00FF00"/>
+                </a:highlight>
                 <a:latin typeface="Consolas" panose="020B0609020204030204" pitchFamily="49" charset="0"/>
                 <a:cs typeface="Consolas" panose="020B0609020204030204" pitchFamily="49" charset="0"/>
               </a:rPr>
@@ -9695,6 +9724,648 @@
               <a:latin typeface="Calibri" panose="020F0502020204030204" pitchFamily="34" charset="0"/>
               <a:cs typeface="Calibri" panose="020F0502020204030204" pitchFamily="34" charset="0"/>
             </a:endParaRPr>
+          </a:p>
+        </p:txBody>
+      </p:sp>
+      <p:sp>
+        <p:nvSpPr>
+          <p:cNvPr id="34" name="Rectangle 33">
+            <a:extLst>
+              <a:ext uri="{FF2B5EF4-FFF2-40B4-BE49-F238E27FC236}">
+                <a16:creationId xmlns:a16="http://schemas.microsoft.com/office/drawing/2014/main" id="{AC2C6CE2-6EE8-7549-99DA-396956385105}"/>
+              </a:ext>
+            </a:extLst>
+          </p:cNvPr>
+          <p:cNvSpPr/>
+          <p:nvPr/>
+        </p:nvSpPr>
+        <p:spPr>
+          <a:xfrm>
+            <a:off x="207971" y="7095758"/>
+            <a:ext cx="2670621" cy="584775"/>
+          </a:xfrm>
+          <a:custGeom>
+            <a:avLst/>
+            <a:gdLst>
+              <a:gd name="connsiteX0" fmla="*/ 0 w 2670621"/>
+              <a:gd name="connsiteY0" fmla="*/ 0 h 584775"/>
+              <a:gd name="connsiteX1" fmla="*/ 614243 w 2670621"/>
+              <a:gd name="connsiteY1" fmla="*/ 0 h 584775"/>
+              <a:gd name="connsiteX2" fmla="*/ 1308604 w 2670621"/>
+              <a:gd name="connsiteY2" fmla="*/ 0 h 584775"/>
+              <a:gd name="connsiteX3" fmla="*/ 1976260 w 2670621"/>
+              <a:gd name="connsiteY3" fmla="*/ 0 h 584775"/>
+              <a:gd name="connsiteX4" fmla="*/ 2670621 w 2670621"/>
+              <a:gd name="connsiteY4" fmla="*/ 0 h 584775"/>
+              <a:gd name="connsiteX5" fmla="*/ 2670621 w 2670621"/>
+              <a:gd name="connsiteY5" fmla="*/ 584775 h 584775"/>
+              <a:gd name="connsiteX6" fmla="*/ 1949553 w 2670621"/>
+              <a:gd name="connsiteY6" fmla="*/ 584775 h 584775"/>
+              <a:gd name="connsiteX7" fmla="*/ 1255192 w 2670621"/>
+              <a:gd name="connsiteY7" fmla="*/ 584775 h 584775"/>
+              <a:gd name="connsiteX8" fmla="*/ 614243 w 2670621"/>
+              <a:gd name="connsiteY8" fmla="*/ 584775 h 584775"/>
+              <a:gd name="connsiteX9" fmla="*/ 0 w 2670621"/>
+              <a:gd name="connsiteY9" fmla="*/ 584775 h 584775"/>
+              <a:gd name="connsiteX10" fmla="*/ 0 w 2670621"/>
+              <a:gd name="connsiteY10" fmla="*/ 0 h 584775"/>
+            </a:gdLst>
+            <a:ahLst/>
+            <a:cxnLst>
+              <a:cxn ang="0">
+                <a:pos x="connsiteX0" y="connsiteY0"/>
+              </a:cxn>
+              <a:cxn ang="0">
+                <a:pos x="connsiteX1" y="connsiteY1"/>
+              </a:cxn>
+              <a:cxn ang="0">
+                <a:pos x="connsiteX2" y="connsiteY2"/>
+              </a:cxn>
+              <a:cxn ang="0">
+                <a:pos x="connsiteX3" y="connsiteY3"/>
+              </a:cxn>
+              <a:cxn ang="0">
+                <a:pos x="connsiteX4" y="connsiteY4"/>
+              </a:cxn>
+              <a:cxn ang="0">
+                <a:pos x="connsiteX5" y="connsiteY5"/>
+              </a:cxn>
+              <a:cxn ang="0">
+                <a:pos x="connsiteX6" y="connsiteY6"/>
+              </a:cxn>
+              <a:cxn ang="0">
+                <a:pos x="connsiteX7" y="connsiteY7"/>
+              </a:cxn>
+              <a:cxn ang="0">
+                <a:pos x="connsiteX8" y="connsiteY8"/>
+              </a:cxn>
+              <a:cxn ang="0">
+                <a:pos x="connsiteX9" y="connsiteY9"/>
+              </a:cxn>
+              <a:cxn ang="0">
+                <a:pos x="connsiteX10" y="connsiteY10"/>
+              </a:cxn>
+            </a:cxnLst>
+            <a:rect l="l" t="t" r="r" b="b"/>
+            <a:pathLst>
+              <a:path w="2670621" h="584775" fill="none" extrusionOk="0">
+                <a:moveTo>
+                  <a:pt x="0" y="0"/>
+                </a:moveTo>
+                <a:cubicBezTo>
+                  <a:pt x="159021" y="-16032"/>
+                  <a:pt x="366338" y="13979"/>
+                  <a:pt x="614243" y="0"/>
+                </a:cubicBezTo>
+                <a:cubicBezTo>
+                  <a:pt x="862148" y="-13979"/>
+                  <a:pt x="1065867" y="-27621"/>
+                  <a:pt x="1308604" y="0"/>
+                </a:cubicBezTo>
+                <a:cubicBezTo>
+                  <a:pt x="1551341" y="27621"/>
+                  <a:pt x="1685329" y="-31602"/>
+                  <a:pt x="1976260" y="0"/>
+                </a:cubicBezTo>
+                <a:cubicBezTo>
+                  <a:pt x="2267191" y="31602"/>
+                  <a:pt x="2513827" y="12826"/>
+                  <a:pt x="2670621" y="0"/>
+                </a:cubicBezTo>
+                <a:cubicBezTo>
+                  <a:pt x="2665200" y="206765"/>
+                  <a:pt x="2685655" y="377116"/>
+                  <a:pt x="2670621" y="584775"/>
+                </a:cubicBezTo>
+                <a:cubicBezTo>
+                  <a:pt x="2441744" y="615112"/>
+                  <a:pt x="2138382" y="553569"/>
+                  <a:pt x="1949553" y="584775"/>
+                </a:cubicBezTo>
+                <a:cubicBezTo>
+                  <a:pt x="1760724" y="615981"/>
+                  <a:pt x="1407649" y="598878"/>
+                  <a:pt x="1255192" y="584775"/>
+                </a:cubicBezTo>
+                <a:cubicBezTo>
+                  <a:pt x="1102735" y="570672"/>
+                  <a:pt x="894428" y="600169"/>
+                  <a:pt x="614243" y="584775"/>
+                </a:cubicBezTo>
+                <a:cubicBezTo>
+                  <a:pt x="334058" y="569381"/>
+                  <a:pt x="142015" y="614773"/>
+                  <a:pt x="0" y="584775"/>
+                </a:cubicBezTo>
+                <a:cubicBezTo>
+                  <a:pt x="-15577" y="464410"/>
+                  <a:pt x="-24350" y="129258"/>
+                  <a:pt x="0" y="0"/>
+                </a:cubicBezTo>
+                <a:close/>
+              </a:path>
+              <a:path w="2670621" h="584775" stroke="0" extrusionOk="0">
+                <a:moveTo>
+                  <a:pt x="0" y="0"/>
+                </a:moveTo>
+                <a:cubicBezTo>
+                  <a:pt x="199699" y="17730"/>
+                  <a:pt x="340427" y="7318"/>
+                  <a:pt x="667655" y="0"/>
+                </a:cubicBezTo>
+                <a:cubicBezTo>
+                  <a:pt x="994884" y="-7318"/>
+                  <a:pt x="1051547" y="14856"/>
+                  <a:pt x="1335311" y="0"/>
+                </a:cubicBezTo>
+                <a:cubicBezTo>
+                  <a:pt x="1619075" y="-14856"/>
+                  <a:pt x="1836738" y="-19119"/>
+                  <a:pt x="2029672" y="0"/>
+                </a:cubicBezTo>
+                <a:cubicBezTo>
+                  <a:pt x="2222606" y="19119"/>
+                  <a:pt x="2436353" y="19589"/>
+                  <a:pt x="2670621" y="0"/>
+                </a:cubicBezTo>
+                <a:cubicBezTo>
+                  <a:pt x="2648426" y="229925"/>
+                  <a:pt x="2695692" y="329837"/>
+                  <a:pt x="2670621" y="584775"/>
+                </a:cubicBezTo>
+                <a:cubicBezTo>
+                  <a:pt x="2440602" y="574729"/>
+                  <a:pt x="2293988" y="619548"/>
+                  <a:pt x="1949553" y="584775"/>
+                </a:cubicBezTo>
+                <a:cubicBezTo>
+                  <a:pt x="1605118" y="550002"/>
+                  <a:pt x="1542492" y="577110"/>
+                  <a:pt x="1362017" y="584775"/>
+                </a:cubicBezTo>
+                <a:cubicBezTo>
+                  <a:pt x="1181542" y="592440"/>
+                  <a:pt x="1005972" y="612460"/>
+                  <a:pt x="774480" y="584775"/>
+                </a:cubicBezTo>
+                <a:cubicBezTo>
+                  <a:pt x="542988" y="557090"/>
+                  <a:pt x="330502" y="556040"/>
+                  <a:pt x="0" y="584775"/>
+                </a:cubicBezTo>
+                <a:cubicBezTo>
+                  <a:pt x="-28272" y="330832"/>
+                  <a:pt x="22601" y="117575"/>
+                  <a:pt x="0" y="0"/>
+                </a:cubicBezTo>
+                <a:close/>
+              </a:path>
+            </a:pathLst>
+          </a:custGeom>
+          <a:ln>
+            <a:solidFill>
+              <a:schemeClr val="tx1"/>
+            </a:solidFill>
+            <a:extLst>
+              <a:ext uri="{C807C97D-BFC1-408E-A445-0C87EB9F89A2}">
+                <ask:lineSketchStyleProps xmlns:ask="http://schemas.microsoft.com/office/drawing/2018/sketchyshapes" sd="4101838037">
+                  <a:prstGeom prst="rect">
+                    <a:avLst/>
+                  </a:prstGeom>
+                  <ask:type>
+                    <ask:lineSketchFreehand/>
+                  </ask:type>
+                </ask:lineSketchStyleProps>
+              </a:ext>
+            </a:extLst>
+          </a:ln>
+        </p:spPr>
+        <p:txBody>
+          <a:bodyPr wrap="square">
+            <a:spAutoFit/>
+          </a:bodyPr>
+          <a:lstStyle/>
+          <a:p>
+            <a:r>
+              <a:rPr lang="en-US" sz="800" dirty="0">
+                <a:latin typeface="Consolas" panose="020B0609020204030204" pitchFamily="49" charset="0"/>
+                <a:cs typeface="Consolas" panose="020B0609020204030204" pitchFamily="49" charset="0"/>
+              </a:rPr>
+              <a:t>if </a:t>
+            </a:r>
+            <a:r>
+              <a:rPr lang="en-US" sz="800" b="1" dirty="0">
+                <a:highlight>
+                  <a:srgbClr val="00FF00"/>
+                </a:highlight>
+                <a:latin typeface="Consolas" panose="020B0609020204030204" pitchFamily="49" charset="0"/>
+                <a:cs typeface="Consolas" panose="020B0609020204030204" pitchFamily="49" charset="0"/>
+              </a:rPr>
+              <a:t>False</a:t>
+            </a:r>
+            <a:r>
+              <a:rPr lang="en-US" sz="800" dirty="0">
+                <a:latin typeface="Consolas" panose="020B0609020204030204" pitchFamily="49" charset="0"/>
+                <a:cs typeface="Consolas" panose="020B0609020204030204" pitchFamily="49" charset="0"/>
+              </a:rPr>
+              <a:t>: return "A"</a:t>
+            </a:r>
+          </a:p>
+          <a:p>
+            <a:r>
+              <a:rPr lang="en-US" sz="800" dirty="0" err="1">
+                <a:latin typeface="Consolas" panose="020B0609020204030204" pitchFamily="49" charset="0"/>
+                <a:cs typeface="Consolas" panose="020B0609020204030204" pitchFamily="49" charset="0"/>
+              </a:rPr>
+              <a:t>elif</a:t>
+            </a:r>
+            <a:r>
+              <a:rPr lang="en-US" sz="800" dirty="0">
+                <a:latin typeface="Consolas" panose="020B0609020204030204" pitchFamily="49" charset="0"/>
+                <a:cs typeface="Consolas" panose="020B0609020204030204" pitchFamily="49" charset="0"/>
+              </a:rPr>
+              <a:t> </a:t>
+            </a:r>
+            <a:r>
+              <a:rPr lang="en-US" sz="800" b="1" dirty="0">
+                <a:highlight>
+                  <a:srgbClr val="00FF00"/>
+                </a:highlight>
+                <a:latin typeface="Consolas" panose="020B0609020204030204" pitchFamily="49" charset="0"/>
+                <a:cs typeface="Consolas" panose="020B0609020204030204" pitchFamily="49" charset="0"/>
+              </a:rPr>
+              <a:t>False</a:t>
+            </a:r>
+            <a:r>
+              <a:rPr lang="en-US" sz="800" dirty="0">
+                <a:latin typeface="Consolas" panose="020B0609020204030204" pitchFamily="49" charset="0"/>
+                <a:cs typeface="Consolas" panose="020B0609020204030204" pitchFamily="49" charset="0"/>
+              </a:rPr>
+              <a:t>: return "B"</a:t>
+            </a:r>
+          </a:p>
+          <a:p>
+            <a:r>
+              <a:rPr lang="en-US" sz="800" dirty="0" err="1">
+                <a:latin typeface="Consolas" panose="020B0609020204030204" pitchFamily="49" charset="0"/>
+                <a:cs typeface="Consolas" panose="020B0609020204030204" pitchFamily="49" charset="0"/>
+              </a:rPr>
+              <a:t>elif</a:t>
+            </a:r>
+            <a:r>
+              <a:rPr lang="en-US" sz="800" dirty="0">
+                <a:latin typeface="Consolas" panose="020B0609020204030204" pitchFamily="49" charset="0"/>
+                <a:cs typeface="Consolas" panose="020B0609020204030204" pitchFamily="49" charset="0"/>
+              </a:rPr>
+              <a:t> </a:t>
+            </a:r>
+            <a:r>
+              <a:rPr lang="en-US" sz="800" dirty="0">
+                <a:highlight>
+                  <a:srgbClr val="00FF00"/>
+                </a:highlight>
+                <a:latin typeface="Consolas" panose="020B0609020204030204" pitchFamily="49" charset="0"/>
+                <a:cs typeface="Consolas" panose="020B0609020204030204" pitchFamily="49" charset="0"/>
+              </a:rPr>
+              <a:t>points &gt;= 70</a:t>
+            </a:r>
+            <a:r>
+              <a:rPr lang="en-US" sz="800" dirty="0">
+                <a:latin typeface="Consolas" panose="020B0609020204030204" pitchFamily="49" charset="0"/>
+                <a:cs typeface="Consolas" panose="020B0609020204030204" pitchFamily="49" charset="0"/>
+              </a:rPr>
+              <a:t>: return "C"</a:t>
+            </a:r>
+          </a:p>
+          <a:p>
+            <a:r>
+              <a:rPr lang="en-US" sz="800" dirty="0">
+                <a:latin typeface="Consolas" panose="020B0609020204030204" pitchFamily="49" charset="0"/>
+                <a:cs typeface="Consolas" panose="020B0609020204030204" pitchFamily="49" charset="0"/>
+              </a:rPr>
+              <a:t>else: return "F" </a:t>
+            </a:r>
+          </a:p>
+        </p:txBody>
+      </p:sp>
+      <p:sp>
+        <p:nvSpPr>
+          <p:cNvPr id="35" name="Rectangle 34">
+            <a:extLst>
+              <a:ext uri="{FF2B5EF4-FFF2-40B4-BE49-F238E27FC236}">
+                <a16:creationId xmlns:a16="http://schemas.microsoft.com/office/drawing/2014/main" id="{7C79DB93-FDB9-7F4F-8CCD-8B4499E3E5DC}"/>
+              </a:ext>
+            </a:extLst>
+          </p:cNvPr>
+          <p:cNvSpPr/>
+          <p:nvPr/>
+        </p:nvSpPr>
+        <p:spPr>
+          <a:xfrm>
+            <a:off x="207971" y="7734179"/>
+            <a:ext cx="2670621" cy="584775"/>
+          </a:xfrm>
+          <a:custGeom>
+            <a:avLst/>
+            <a:gdLst>
+              <a:gd name="connsiteX0" fmla="*/ 0 w 2670621"/>
+              <a:gd name="connsiteY0" fmla="*/ 0 h 584775"/>
+              <a:gd name="connsiteX1" fmla="*/ 614243 w 2670621"/>
+              <a:gd name="connsiteY1" fmla="*/ 0 h 584775"/>
+              <a:gd name="connsiteX2" fmla="*/ 1308604 w 2670621"/>
+              <a:gd name="connsiteY2" fmla="*/ 0 h 584775"/>
+              <a:gd name="connsiteX3" fmla="*/ 1976260 w 2670621"/>
+              <a:gd name="connsiteY3" fmla="*/ 0 h 584775"/>
+              <a:gd name="connsiteX4" fmla="*/ 2670621 w 2670621"/>
+              <a:gd name="connsiteY4" fmla="*/ 0 h 584775"/>
+              <a:gd name="connsiteX5" fmla="*/ 2670621 w 2670621"/>
+              <a:gd name="connsiteY5" fmla="*/ 584775 h 584775"/>
+              <a:gd name="connsiteX6" fmla="*/ 1949553 w 2670621"/>
+              <a:gd name="connsiteY6" fmla="*/ 584775 h 584775"/>
+              <a:gd name="connsiteX7" fmla="*/ 1255192 w 2670621"/>
+              <a:gd name="connsiteY7" fmla="*/ 584775 h 584775"/>
+              <a:gd name="connsiteX8" fmla="*/ 614243 w 2670621"/>
+              <a:gd name="connsiteY8" fmla="*/ 584775 h 584775"/>
+              <a:gd name="connsiteX9" fmla="*/ 0 w 2670621"/>
+              <a:gd name="connsiteY9" fmla="*/ 584775 h 584775"/>
+              <a:gd name="connsiteX10" fmla="*/ 0 w 2670621"/>
+              <a:gd name="connsiteY10" fmla="*/ 0 h 584775"/>
+            </a:gdLst>
+            <a:ahLst/>
+            <a:cxnLst>
+              <a:cxn ang="0">
+                <a:pos x="connsiteX0" y="connsiteY0"/>
+              </a:cxn>
+              <a:cxn ang="0">
+                <a:pos x="connsiteX1" y="connsiteY1"/>
+              </a:cxn>
+              <a:cxn ang="0">
+                <a:pos x="connsiteX2" y="connsiteY2"/>
+              </a:cxn>
+              <a:cxn ang="0">
+                <a:pos x="connsiteX3" y="connsiteY3"/>
+              </a:cxn>
+              <a:cxn ang="0">
+                <a:pos x="connsiteX4" y="connsiteY4"/>
+              </a:cxn>
+              <a:cxn ang="0">
+                <a:pos x="connsiteX5" y="connsiteY5"/>
+              </a:cxn>
+              <a:cxn ang="0">
+                <a:pos x="connsiteX6" y="connsiteY6"/>
+              </a:cxn>
+              <a:cxn ang="0">
+                <a:pos x="connsiteX7" y="connsiteY7"/>
+              </a:cxn>
+              <a:cxn ang="0">
+                <a:pos x="connsiteX8" y="connsiteY8"/>
+              </a:cxn>
+              <a:cxn ang="0">
+                <a:pos x="connsiteX9" y="connsiteY9"/>
+              </a:cxn>
+              <a:cxn ang="0">
+                <a:pos x="connsiteX10" y="connsiteY10"/>
+              </a:cxn>
+            </a:cxnLst>
+            <a:rect l="l" t="t" r="r" b="b"/>
+            <a:pathLst>
+              <a:path w="2670621" h="584775" fill="none" extrusionOk="0">
+                <a:moveTo>
+                  <a:pt x="0" y="0"/>
+                </a:moveTo>
+                <a:cubicBezTo>
+                  <a:pt x="159021" y="-16032"/>
+                  <a:pt x="366338" y="13979"/>
+                  <a:pt x="614243" y="0"/>
+                </a:cubicBezTo>
+                <a:cubicBezTo>
+                  <a:pt x="862148" y="-13979"/>
+                  <a:pt x="1065867" y="-27621"/>
+                  <a:pt x="1308604" y="0"/>
+                </a:cubicBezTo>
+                <a:cubicBezTo>
+                  <a:pt x="1551341" y="27621"/>
+                  <a:pt x="1685329" y="-31602"/>
+                  <a:pt x="1976260" y="0"/>
+                </a:cubicBezTo>
+                <a:cubicBezTo>
+                  <a:pt x="2267191" y="31602"/>
+                  <a:pt x="2513827" y="12826"/>
+                  <a:pt x="2670621" y="0"/>
+                </a:cubicBezTo>
+                <a:cubicBezTo>
+                  <a:pt x="2665200" y="206765"/>
+                  <a:pt x="2685655" y="377116"/>
+                  <a:pt x="2670621" y="584775"/>
+                </a:cubicBezTo>
+                <a:cubicBezTo>
+                  <a:pt x="2441744" y="615112"/>
+                  <a:pt x="2138382" y="553569"/>
+                  <a:pt x="1949553" y="584775"/>
+                </a:cubicBezTo>
+                <a:cubicBezTo>
+                  <a:pt x="1760724" y="615981"/>
+                  <a:pt x="1407649" y="598878"/>
+                  <a:pt x="1255192" y="584775"/>
+                </a:cubicBezTo>
+                <a:cubicBezTo>
+                  <a:pt x="1102735" y="570672"/>
+                  <a:pt x="894428" y="600169"/>
+                  <a:pt x="614243" y="584775"/>
+                </a:cubicBezTo>
+                <a:cubicBezTo>
+                  <a:pt x="334058" y="569381"/>
+                  <a:pt x="142015" y="614773"/>
+                  <a:pt x="0" y="584775"/>
+                </a:cubicBezTo>
+                <a:cubicBezTo>
+                  <a:pt x="-15577" y="464410"/>
+                  <a:pt x="-24350" y="129258"/>
+                  <a:pt x="0" y="0"/>
+                </a:cubicBezTo>
+                <a:close/>
+              </a:path>
+              <a:path w="2670621" h="584775" stroke="0" extrusionOk="0">
+                <a:moveTo>
+                  <a:pt x="0" y="0"/>
+                </a:moveTo>
+                <a:cubicBezTo>
+                  <a:pt x="199699" y="17730"/>
+                  <a:pt x="340427" y="7318"/>
+                  <a:pt x="667655" y="0"/>
+                </a:cubicBezTo>
+                <a:cubicBezTo>
+                  <a:pt x="994884" y="-7318"/>
+                  <a:pt x="1051547" y="14856"/>
+                  <a:pt x="1335311" y="0"/>
+                </a:cubicBezTo>
+                <a:cubicBezTo>
+                  <a:pt x="1619075" y="-14856"/>
+                  <a:pt x="1836738" y="-19119"/>
+                  <a:pt x="2029672" y="0"/>
+                </a:cubicBezTo>
+                <a:cubicBezTo>
+                  <a:pt x="2222606" y="19119"/>
+                  <a:pt x="2436353" y="19589"/>
+                  <a:pt x="2670621" y="0"/>
+                </a:cubicBezTo>
+                <a:cubicBezTo>
+                  <a:pt x="2648426" y="229925"/>
+                  <a:pt x="2695692" y="329837"/>
+                  <a:pt x="2670621" y="584775"/>
+                </a:cubicBezTo>
+                <a:cubicBezTo>
+                  <a:pt x="2440602" y="574729"/>
+                  <a:pt x="2293988" y="619548"/>
+                  <a:pt x="1949553" y="584775"/>
+                </a:cubicBezTo>
+                <a:cubicBezTo>
+                  <a:pt x="1605118" y="550002"/>
+                  <a:pt x="1542492" y="577110"/>
+                  <a:pt x="1362017" y="584775"/>
+                </a:cubicBezTo>
+                <a:cubicBezTo>
+                  <a:pt x="1181542" y="592440"/>
+                  <a:pt x="1005972" y="612460"/>
+                  <a:pt x="774480" y="584775"/>
+                </a:cubicBezTo>
+                <a:cubicBezTo>
+                  <a:pt x="542988" y="557090"/>
+                  <a:pt x="330502" y="556040"/>
+                  <a:pt x="0" y="584775"/>
+                </a:cubicBezTo>
+                <a:cubicBezTo>
+                  <a:pt x="-28272" y="330832"/>
+                  <a:pt x="22601" y="117575"/>
+                  <a:pt x="0" y="0"/>
+                </a:cubicBezTo>
+                <a:close/>
+              </a:path>
+            </a:pathLst>
+          </a:custGeom>
+          <a:ln>
+            <a:solidFill>
+              <a:schemeClr val="tx1"/>
+            </a:solidFill>
+            <a:extLst>
+              <a:ext uri="{C807C97D-BFC1-408E-A445-0C87EB9F89A2}">
+                <ask:lineSketchStyleProps xmlns:ask="http://schemas.microsoft.com/office/drawing/2018/sketchyshapes" sd="4101838037">
+                  <a:prstGeom prst="rect">
+                    <a:avLst/>
+                  </a:prstGeom>
+                  <ask:type>
+                    <ask:lineSketchFreehand/>
+                  </ask:type>
+                </ask:lineSketchStyleProps>
+              </a:ext>
+            </a:extLst>
+          </a:ln>
+        </p:spPr>
+        <p:txBody>
+          <a:bodyPr wrap="square">
+            <a:spAutoFit/>
+          </a:bodyPr>
+          <a:lstStyle/>
+          <a:p>
+            <a:r>
+              <a:rPr lang="en-US" sz="800" dirty="0">
+                <a:latin typeface="Consolas" panose="020B0609020204030204" pitchFamily="49" charset="0"/>
+                <a:cs typeface="Consolas" panose="020B0609020204030204" pitchFamily="49" charset="0"/>
+              </a:rPr>
+              <a:t>if </a:t>
+            </a:r>
+            <a:r>
+              <a:rPr lang="en-US" sz="800" b="1" dirty="0">
+                <a:highlight>
+                  <a:srgbClr val="00FF00"/>
+                </a:highlight>
+                <a:latin typeface="Consolas" panose="020B0609020204030204" pitchFamily="49" charset="0"/>
+                <a:cs typeface="Consolas" panose="020B0609020204030204" pitchFamily="49" charset="0"/>
+              </a:rPr>
+              <a:t>False</a:t>
+            </a:r>
+            <a:r>
+              <a:rPr lang="en-US" sz="800" dirty="0">
+                <a:latin typeface="Consolas" panose="020B0609020204030204" pitchFamily="49" charset="0"/>
+                <a:cs typeface="Consolas" panose="020B0609020204030204" pitchFamily="49" charset="0"/>
+              </a:rPr>
+              <a:t>: return "A"</a:t>
+            </a:r>
+          </a:p>
+          <a:p>
+            <a:r>
+              <a:rPr lang="en-US" sz="800" dirty="0" err="1">
+                <a:latin typeface="Consolas" panose="020B0609020204030204" pitchFamily="49" charset="0"/>
+                <a:cs typeface="Consolas" panose="020B0609020204030204" pitchFamily="49" charset="0"/>
+              </a:rPr>
+              <a:t>elif</a:t>
+            </a:r>
+            <a:r>
+              <a:rPr lang="en-US" sz="800" dirty="0">
+                <a:latin typeface="Consolas" panose="020B0609020204030204" pitchFamily="49" charset="0"/>
+                <a:cs typeface="Consolas" panose="020B0609020204030204" pitchFamily="49" charset="0"/>
+              </a:rPr>
+              <a:t> </a:t>
+            </a:r>
+            <a:r>
+              <a:rPr lang="en-US" sz="800" b="1" dirty="0">
+                <a:highlight>
+                  <a:srgbClr val="00FF00"/>
+                </a:highlight>
+                <a:latin typeface="Consolas" panose="020B0609020204030204" pitchFamily="49" charset="0"/>
+                <a:cs typeface="Consolas" panose="020B0609020204030204" pitchFamily="49" charset="0"/>
+              </a:rPr>
+              <a:t>False</a:t>
+            </a:r>
+            <a:r>
+              <a:rPr lang="en-US" sz="800" dirty="0">
+                <a:latin typeface="Consolas" panose="020B0609020204030204" pitchFamily="49" charset="0"/>
+                <a:cs typeface="Consolas" panose="020B0609020204030204" pitchFamily="49" charset="0"/>
+              </a:rPr>
+              <a:t>: return "B"</a:t>
+            </a:r>
+          </a:p>
+          <a:p>
+            <a:r>
+              <a:rPr lang="en-US" sz="800" dirty="0" err="1">
+                <a:latin typeface="Consolas" panose="020B0609020204030204" pitchFamily="49" charset="0"/>
+                <a:cs typeface="Consolas" panose="020B0609020204030204" pitchFamily="49" charset="0"/>
+              </a:rPr>
+              <a:t>elif</a:t>
+            </a:r>
+            <a:r>
+              <a:rPr lang="en-US" sz="800" dirty="0">
+                <a:latin typeface="Consolas" panose="020B0609020204030204" pitchFamily="49" charset="0"/>
+                <a:cs typeface="Consolas" panose="020B0609020204030204" pitchFamily="49" charset="0"/>
+              </a:rPr>
+              <a:t> </a:t>
+            </a:r>
+            <a:r>
+              <a:rPr lang="en-US" sz="800" b="1" dirty="0">
+                <a:highlight>
+                  <a:srgbClr val="00FF00"/>
+                </a:highlight>
+                <a:latin typeface="Consolas" panose="020B0609020204030204" pitchFamily="49" charset="0"/>
+                <a:cs typeface="Consolas" panose="020B0609020204030204" pitchFamily="49" charset="0"/>
+              </a:rPr>
+              <a:t>True</a:t>
+            </a:r>
+            <a:r>
+              <a:rPr lang="en-US" sz="800" dirty="0">
+                <a:latin typeface="Consolas" panose="020B0609020204030204" pitchFamily="49" charset="0"/>
+                <a:cs typeface="Consolas" panose="020B0609020204030204" pitchFamily="49" charset="0"/>
+              </a:rPr>
+              <a:t>: return "C"</a:t>
+            </a:r>
+          </a:p>
+          <a:p>
+            <a:r>
+              <a:rPr lang="en-US" sz="800" dirty="0">
+                <a:latin typeface="Consolas" panose="020B0609020204030204" pitchFamily="49" charset="0"/>
+                <a:cs typeface="Consolas" panose="020B0609020204030204" pitchFamily="49" charset="0"/>
+              </a:rPr>
+              <a:t>else: return "F" </a:t>
+            </a:r>
           </a:p>
         </p:txBody>
       </p:sp>
